--- a/TO_TOPs/05_Top_Synth/Template v2.0.pptx
+++ b/TO_TOPs/05_Top_Synth/Template v2.0.pptx
@@ -52,7 +52,7 @@
       <p:boldItalic r:id="rId27"/>
     </p:embeddedFont>
     <p:embeddedFont>
-      <p:font typeface="Open Sans" panose="020B0606030504020204" pitchFamily="34" charset="0"/>
+      <p:font typeface="Open Sans" panose="020B0604020202020204" charset="0"/>
       <p:regular r:id="rId28"/>
       <p:bold r:id="rId29"/>
       <p:italic r:id="rId30"/>
@@ -20478,14 +20478,137 @@
               <a:buNone/>
             </a:pPr>
             <a:r>
-              <a:rPr lang="fr-FR"/>
+              <a:rPr lang="fr-FR" sz="2400" dirty="0"/>
               <a:t>Etat du Projet : </a:t>
             </a:r>
             <a:r>
-              <a:rPr lang="fr-FR" b="0"/>
-              <a:t>Retard de une semaine  </a:t>
-            </a:r>
-            <a:endParaRPr b="0"/>
+              <a:rPr lang="fr-FR" sz="2400" b="0" dirty="0"/>
+              <a:t>Retard de une semaine </a:t>
+            </a:r>
+          </a:p>
+          <a:p>
+            <a:pPr marL="0" lvl="0" indent="0" algn="l" rtl="0">
+              <a:lnSpc>
+                <a:spcPct val="100000"/>
+              </a:lnSpc>
+              <a:spcBef>
+                <a:spcPts val="560"/>
+              </a:spcBef>
+              <a:spcAft>
+                <a:spcPts val="0"/>
+              </a:spcAft>
+              <a:buSzPts val="2800"/>
+              <a:buNone/>
+            </a:pPr>
+            <a:endParaRPr lang="fr-FR" sz="2400" b="0" dirty="0"/>
+          </a:p>
+          <a:p>
+            <a:pPr marL="0" indent="0">
+              <a:lnSpc>
+                <a:spcPct val="100000"/>
+              </a:lnSpc>
+              <a:spcBef>
+                <a:spcPts val="560"/>
+              </a:spcBef>
+              <a:buSzPts val="2800"/>
+              <a:buNone/>
+            </a:pPr>
+            <a:r>
+              <a:rPr lang="en-US" sz="2400" b="1" dirty="0">
+                <a:solidFill>
+                  <a:srgbClr val="000000"/>
+                </a:solidFill>
+                <a:ea typeface="Corbel"/>
+                <a:cs typeface="Corbel"/>
+                <a:sym typeface="Corbel"/>
+              </a:rPr>
+              <a:t>Prochain TOP :  </a:t>
+            </a:r>
+            <a:r>
+              <a:rPr lang="en-US" sz="2400" dirty="0">
+                <a:solidFill>
+                  <a:srgbClr val="000000"/>
+                </a:solidFill>
+                <a:ea typeface="Corbel"/>
+                <a:cs typeface="Corbel"/>
+                <a:sym typeface="Corbel"/>
+              </a:rPr>
+              <a:t>TOP </a:t>
+            </a:r>
+            <a:r>
+              <a:rPr lang="en-US" sz="2400" dirty="0" err="1">
+                <a:solidFill>
+                  <a:srgbClr val="000000"/>
+                </a:solidFill>
+                <a:ea typeface="Corbel"/>
+                <a:cs typeface="Corbel"/>
+                <a:sym typeface="Corbel"/>
+              </a:rPr>
+              <a:t>Organe</a:t>
+            </a:r>
+            <a:r>
+              <a:rPr lang="en-US" sz="2400" dirty="0">
+                <a:solidFill>
+                  <a:srgbClr val="000000"/>
+                </a:solidFill>
+                <a:ea typeface="Corbel"/>
+                <a:cs typeface="Corbel"/>
+                <a:sym typeface="Corbel"/>
+              </a:rPr>
+              <a:t> mi-</a:t>
+            </a:r>
+            <a:r>
+              <a:rPr lang="en-US" sz="2400" dirty="0" err="1">
+                <a:solidFill>
+                  <a:srgbClr val="000000"/>
+                </a:solidFill>
+                <a:ea typeface="Corbel"/>
+                <a:cs typeface="Corbel"/>
+                <a:sym typeface="Corbel"/>
+              </a:rPr>
+              <a:t>novembr</a:t>
+            </a:r>
+            <a:r>
+              <a:rPr lang="en-US" sz="2400" dirty="0" err="1">
+                <a:solidFill>
+                  <a:srgbClr val="000000"/>
+                </a:solidFill>
+                <a:latin typeface="Corbel"/>
+                <a:ea typeface="Corbel"/>
+                <a:cs typeface="Corbel"/>
+                <a:sym typeface="Corbel"/>
+              </a:rPr>
+              <a:t>e</a:t>
+            </a:r>
+            <a:endParaRPr lang="en-US" sz="2400" dirty="0">
+              <a:solidFill>
+                <a:srgbClr val="000000"/>
+              </a:solidFill>
+              <a:latin typeface="Corbel"/>
+              <a:ea typeface="Corbel"/>
+              <a:cs typeface="Corbel"/>
+              <a:sym typeface="Corbel"/>
+            </a:endParaRPr>
+          </a:p>
+          <a:p>
+            <a:pPr marL="0" lvl="0" indent="0" algn="l" rtl="0">
+              <a:lnSpc>
+                <a:spcPct val="100000"/>
+              </a:lnSpc>
+              <a:spcBef>
+                <a:spcPts val="560"/>
+              </a:spcBef>
+              <a:spcAft>
+                <a:spcPts val="0"/>
+              </a:spcAft>
+              <a:buSzPts val="2800"/>
+              <a:buNone/>
+            </a:pPr>
+            <a:r>
+              <a:rPr lang="fr-FR" b="0" dirty="0"/>
+              <a:t> </a:t>
+            </a:r>
+            <a:endParaRPr b="0" dirty="0"/>
           </a:p>
         </p:txBody>
       </p:sp>
@@ -20536,84 +20659,6 @@
               <a:t>13</a:t>
             </a:fld>
             <a:endParaRPr/>
-          </a:p>
-        </p:txBody>
-      </p:sp>
-      <p:sp>
-        <p:nvSpPr>
-          <p:cNvPr id="1765" name="Google Shape;1765;p156"/>
-          <p:cNvSpPr txBox="1"/>
-          <p:nvPr/>
-        </p:nvSpPr>
-        <p:spPr>
-          <a:xfrm>
-            <a:off x="251525" y="3016725"/>
-            <a:ext cx="6784800" cy="661800"/>
-          </a:xfrm>
-          <a:prstGeom prst="rect">
-            <a:avLst/>
-          </a:prstGeom>
-          <a:noFill/>
-          <a:ln>
-            <a:noFill/>
-          </a:ln>
-        </p:spPr>
-        <p:txBody>
-          <a:bodyPr spcFirstLastPara="1" wrap="square" lIns="91425" tIns="91425" rIns="91425" bIns="91425" anchor="ctr" anchorCtr="0">
-            <a:noAutofit/>
-          </a:bodyPr>
-          <a:lstStyle/>
-          <a:p>
-            <a:pPr marL="0" marR="0" lvl="0" indent="0" algn="l" rtl="0">
-              <a:lnSpc>
-                <a:spcPct val="100000"/>
-              </a:lnSpc>
-              <a:spcBef>
-                <a:spcPts val="0"/>
-              </a:spcBef>
-              <a:spcAft>
-                <a:spcPts val="0"/>
-              </a:spcAft>
-              <a:buClr>
-                <a:srgbClr val="000000"/>
-              </a:buClr>
-              <a:buSzPts val="2800"/>
-              <a:buFont typeface="Arial"/>
-              <a:buNone/>
-            </a:pPr>
-            <a:r>
-              <a:rPr lang="fr-FR" sz="2800" b="1" i="0" u="none" strike="noStrike" cap="none">
-                <a:solidFill>
-                  <a:srgbClr val="000000"/>
-                </a:solidFill>
-                <a:latin typeface="Corbel"/>
-                <a:ea typeface="Corbel"/>
-                <a:cs typeface="Corbel"/>
-                <a:sym typeface="Corbel"/>
-              </a:rPr>
-              <a:t>Prochain TOP :  </a:t>
-            </a:r>
-            <a:r>
-              <a:rPr lang="fr-FR" sz="2800" b="0" i="0" u="none" strike="noStrike" cap="none">
-                <a:solidFill>
-                  <a:srgbClr val="000000"/>
-                </a:solidFill>
-                <a:latin typeface="Corbel"/>
-                <a:ea typeface="Corbel"/>
-                <a:cs typeface="Corbel"/>
-                <a:sym typeface="Corbel"/>
-              </a:rPr>
-              <a:t>TOP Organe - fin janvier</a:t>
-            </a:r>
-            <a:endParaRPr sz="2800" b="0" i="0" u="none" strike="noStrike" cap="none">
-              <a:solidFill>
-                <a:srgbClr val="000000"/>
-              </a:solidFill>
-              <a:latin typeface="Corbel"/>
-              <a:ea typeface="Corbel"/>
-              <a:cs typeface="Corbel"/>
-              <a:sym typeface="Corbel"/>
-            </a:endParaRPr>
           </a:p>
         </p:txBody>
       </p:sp>

--- a/TO_TOPs/05_Top_Synth/Template v2.0.pptx
+++ b/TO_TOPs/05_Top_Synth/Template v2.0.pptx
@@ -5,58 +5,88 @@
     <p:sldMasterId id="2147483685" r:id="rId1"/>
   </p:sldMasterIdLst>
   <p:notesMasterIdLst>
-    <p:notesMasterId r:id="rId15"/>
+    <p:notesMasterId r:id="rId45"/>
   </p:notesMasterIdLst>
   <p:handoutMasterIdLst>
-    <p:handoutMasterId r:id="rId16"/>
+    <p:handoutMasterId r:id="rId46"/>
   </p:handoutMasterIdLst>
   <p:sldIdLst>
     <p:sldId id="256" r:id="rId2"/>
     <p:sldId id="257" r:id="rId3"/>
-    <p:sldId id="391" r:id="rId4"/>
-    <p:sldId id="393" r:id="rId5"/>
-    <p:sldId id="394" r:id="rId6"/>
-    <p:sldId id="396" r:id="rId7"/>
-    <p:sldId id="388" r:id="rId8"/>
-    <p:sldId id="389" r:id="rId9"/>
-    <p:sldId id="397" r:id="rId10"/>
-    <p:sldId id="399" r:id="rId11"/>
-    <p:sldId id="400" r:id="rId12"/>
-    <p:sldId id="402" r:id="rId13"/>
-    <p:sldId id="387" r:id="rId14"/>
+    <p:sldId id="388" r:id="rId4"/>
+    <p:sldId id="389" r:id="rId5"/>
+    <p:sldId id="403" r:id="rId6"/>
+    <p:sldId id="404" r:id="rId7"/>
+    <p:sldId id="405" r:id="rId8"/>
+    <p:sldId id="406" r:id="rId9"/>
+    <p:sldId id="407" r:id="rId10"/>
+    <p:sldId id="408" r:id="rId11"/>
+    <p:sldId id="409" r:id="rId12"/>
+    <p:sldId id="410" r:id="rId13"/>
+    <p:sldId id="411" r:id="rId14"/>
+    <p:sldId id="412" r:id="rId15"/>
+    <p:sldId id="391" r:id="rId16"/>
+    <p:sldId id="393" r:id="rId17"/>
+    <p:sldId id="413" r:id="rId18"/>
+    <p:sldId id="414" r:id="rId19"/>
+    <p:sldId id="415" r:id="rId20"/>
+    <p:sldId id="416" r:id="rId21"/>
+    <p:sldId id="394" r:id="rId22"/>
+    <p:sldId id="396" r:id="rId23"/>
+    <p:sldId id="417" r:id="rId24"/>
+    <p:sldId id="418" r:id="rId25"/>
+    <p:sldId id="419" r:id="rId26"/>
+    <p:sldId id="420" r:id="rId27"/>
+    <p:sldId id="397" r:id="rId28"/>
+    <p:sldId id="399" r:id="rId29"/>
+    <p:sldId id="421" r:id="rId30"/>
+    <p:sldId id="422" r:id="rId31"/>
+    <p:sldId id="423" r:id="rId32"/>
+    <p:sldId id="424" r:id="rId33"/>
+    <p:sldId id="425" r:id="rId34"/>
+    <p:sldId id="434" r:id="rId35"/>
+    <p:sldId id="431" r:id="rId36"/>
+    <p:sldId id="430" r:id="rId37"/>
+    <p:sldId id="433" r:id="rId38"/>
+    <p:sldId id="432" r:id="rId39"/>
+    <p:sldId id="400" r:id="rId40"/>
+    <p:sldId id="435" r:id="rId41"/>
+    <p:sldId id="436" r:id="rId42"/>
+    <p:sldId id="437" r:id="rId43"/>
+    <p:sldId id="387" r:id="rId44"/>
   </p:sldIdLst>
   <p:sldSz cx="9144000" cy="5143500" type="screen16x9"/>
   <p:notesSz cx="6858000" cy="9144000"/>
   <p:embeddedFontLst>
     <p:embeddedFont>
       <p:font typeface="Arial Black" panose="020B0A04020102020204" pitchFamily="34" charset="0"/>
-      <p:bold r:id="rId17"/>
+      <p:bold r:id="rId47"/>
     </p:embeddedFont>
     <p:embeddedFont>
       <p:font typeface="Calibri" panose="020F0502020204030204" pitchFamily="34" charset="0"/>
-      <p:regular r:id="rId18"/>
-      <p:bold r:id="rId19"/>
-      <p:italic r:id="rId20"/>
-      <p:boldItalic r:id="rId21"/>
+      <p:regular r:id="rId48"/>
+      <p:bold r:id="rId49"/>
+      <p:italic r:id="rId50"/>
+      <p:boldItalic r:id="rId51"/>
     </p:embeddedFont>
     <p:embeddedFont>
       <p:font typeface="Calibri Light" panose="020F0302020204030204" pitchFamily="34" charset="0"/>
-      <p:regular r:id="rId22"/>
-      <p:italic r:id="rId23"/>
+      <p:regular r:id="rId52"/>
+      <p:italic r:id="rId53"/>
     </p:embeddedFont>
     <p:embeddedFont>
       <p:font typeface="Corbel" panose="020B0503020204020204" pitchFamily="34" charset="0"/>
-      <p:regular r:id="rId24"/>
-      <p:bold r:id="rId25"/>
-      <p:italic r:id="rId26"/>
-      <p:boldItalic r:id="rId27"/>
+      <p:regular r:id="rId54"/>
+      <p:bold r:id="rId55"/>
+      <p:italic r:id="rId56"/>
+      <p:boldItalic r:id="rId57"/>
     </p:embeddedFont>
     <p:embeddedFont>
       <p:font typeface="Open Sans" panose="020B0604020202020204" charset="0"/>
-      <p:regular r:id="rId28"/>
-      <p:bold r:id="rId29"/>
-      <p:italic r:id="rId30"/>
-      <p:boldItalic r:id="rId31"/>
+      <p:regular r:id="rId58"/>
+      <p:bold r:id="rId59"/>
+      <p:italic r:id="rId60"/>
+      <p:boldItalic r:id="rId61"/>
     </p:embeddedFont>
   </p:embeddedFontLst>
   <p:defaultTextStyle>
@@ -163,34 +193,64 @@
             <p14:sldId id="257"/>
           </p14:sldIdLst>
         </p14:section>
+        <p14:section name="Suspension" id="{0C4F9668-881C-44B8-BF36-FD7233A320E9}">
+          <p14:sldIdLst>
+            <p14:sldId id="388"/>
+            <p14:sldId id="389"/>
+            <p14:sldId id="403"/>
+            <p14:sldId id="404"/>
+            <p14:sldId id="405"/>
+            <p14:sldId id="406"/>
+            <p14:sldId id="407"/>
+            <p14:sldId id="408"/>
+            <p14:sldId id="409"/>
+            <p14:sldId id="410"/>
+            <p14:sldId id="411"/>
+            <p14:sldId id="412"/>
+          </p14:sldIdLst>
+        </p14:section>
         <p14:section name="Chassis" id="{178BA139-B58D-41BB-B090-63DF5120B31C}">
           <p14:sldIdLst>
             <p14:sldId id="391"/>
             <p14:sldId id="393"/>
+            <p14:sldId id="413"/>
+            <p14:sldId id="414"/>
+            <p14:sldId id="415"/>
+            <p14:sldId id="416"/>
           </p14:sldIdLst>
         </p14:section>
         <p14:section name="Aéro" id="{8F366631-DC75-4418-A594-A22E2AE71DD3}">
           <p14:sldIdLst>
             <p14:sldId id="394"/>
             <p14:sldId id="396"/>
-          </p14:sldIdLst>
-        </p14:section>
-        <p14:section name="Suspension" id="{0C4F9668-881C-44B8-BF36-FD7233A320E9}">
-          <p14:sldIdLst>
-            <p14:sldId id="388"/>
-            <p14:sldId id="389"/>
+            <p14:sldId id="417"/>
+            <p14:sldId id="418"/>
+            <p14:sldId id="419"/>
+            <p14:sldId id="420"/>
           </p14:sldIdLst>
         </p14:section>
         <p14:section name="Engine" id="{A42697CC-4D06-408A-8BCF-998E372904CE}">
           <p14:sldIdLst>
             <p14:sldId id="397"/>
             <p14:sldId id="399"/>
+            <p14:sldId id="421"/>
+            <p14:sldId id="422"/>
+            <p14:sldId id="423"/>
+            <p14:sldId id="424"/>
+            <p14:sldId id="425"/>
+            <p14:sldId id="434"/>
+            <p14:sldId id="431"/>
+            <p14:sldId id="430"/>
+            <p14:sldId id="433"/>
+            <p14:sldId id="432"/>
           </p14:sldIdLst>
         </p14:section>
         <p14:section name="SEISM" id="{7EB8B7EE-04E2-4462-8224-0941AB8CDD5C}">
           <p14:sldIdLst>
             <p14:sldId id="400"/>
-            <p14:sldId id="402"/>
+            <p14:sldId id="435"/>
+            <p14:sldId id="436"/>
+            <p14:sldId id="437"/>
           </p14:sldIdLst>
         </p14:section>
         <p14:section name="Ending" id="{C8C1FFBB-F216-433D-BD00-A4EA88CEE999}">
@@ -2292,7 +2352,7 @@
             </a:pPr>
             <a:fld id="{00000000-1234-1234-1234-123412341234}" type="slidenum">
               <a:rPr lang="fr-FR"/>
-              <a:t>13</a:t>
+              <a:t>43</a:t>
             </a:fld>
             <a:endParaRPr/>
           </a:p>
@@ -19768,7 +19828,7 @@
           <p:cNvPr id="2" name="Espace réservé du numéro de diapositive 1">
             <a:extLst>
               <a:ext uri="{FF2B5EF4-FFF2-40B4-BE49-F238E27FC236}">
-                <a16:creationId xmlns:a16="http://schemas.microsoft.com/office/drawing/2014/main" id="{7E091734-B1AD-4D1B-9DA1-94DCC86D5C8F}"/>
+                <a16:creationId xmlns:a16="http://schemas.microsoft.com/office/drawing/2014/main" id="{2DF0D2DD-2918-45CB-BD32-42A01631D883}"/>
               </a:ext>
             </a:extLst>
           </p:cNvPr>
@@ -19803,10 +19863,10 @@
       </p:sp>
       <p:sp>
         <p:nvSpPr>
-          <p:cNvPr id="11" name="Titre 10">
-            <a:extLst>
-              <a:ext uri="{FF2B5EF4-FFF2-40B4-BE49-F238E27FC236}">
-                <a16:creationId xmlns:a16="http://schemas.microsoft.com/office/drawing/2014/main" id="{18B2EC67-88E8-41C3-B09B-268D3FCE23FD}"/>
+          <p:cNvPr id="14" name="Titre 13">
+            <a:extLst>
+              <a:ext uri="{FF2B5EF4-FFF2-40B4-BE49-F238E27FC236}">
+                <a16:creationId xmlns:a16="http://schemas.microsoft.com/office/drawing/2014/main" id="{D0B131F0-75D7-4A53-BCC1-AAE045137D44}"/>
               </a:ext>
             </a:extLst>
           </p:cNvPr>
@@ -19822,16 +19882,19 @@
           <a:bodyPr/>
           <a:lstStyle/>
           <a:p>
-            <a:endParaRPr lang="fr-FR"/>
-          </a:p>
-        </p:txBody>
-      </p:sp>
-      <p:sp>
-        <p:nvSpPr>
-          <p:cNvPr id="12" name="Espace réservé pour une image  11">
-            <a:extLst>
-              <a:ext uri="{FF2B5EF4-FFF2-40B4-BE49-F238E27FC236}">
-                <a16:creationId xmlns:a16="http://schemas.microsoft.com/office/drawing/2014/main" id="{34F192FF-551C-417F-B239-CB826A6373C6}"/>
+            <a:r>
+              <a:rPr lang="fr-FR" dirty="0"/>
+              <a:t>Barre anti-roulis</a:t>
+            </a:r>
+          </a:p>
+        </p:txBody>
+      </p:sp>
+      <p:sp>
+        <p:nvSpPr>
+          <p:cNvPr id="15" name="Espace réservé pour une image  14">
+            <a:extLst>
+              <a:ext uri="{FF2B5EF4-FFF2-40B4-BE49-F238E27FC236}">
+                <a16:creationId xmlns:a16="http://schemas.microsoft.com/office/drawing/2014/main" id="{E597A4D8-C00F-47E6-95A1-B4E6333E85A6}"/>
               </a:ext>
             </a:extLst>
           </p:cNvPr>
@@ -19846,10 +19909,10 @@
       </p:sp>
       <p:sp>
         <p:nvSpPr>
-          <p:cNvPr id="13" name="Espace réservé du contenu 12">
-            <a:extLst>
-              <a:ext uri="{FF2B5EF4-FFF2-40B4-BE49-F238E27FC236}">
-                <a16:creationId xmlns:a16="http://schemas.microsoft.com/office/drawing/2014/main" id="{243CD0A7-191E-44BC-B9B1-58041F7C29C0}"/>
+          <p:cNvPr id="16" name="Espace réservé du contenu 15">
+            <a:extLst>
+              <a:ext uri="{FF2B5EF4-FFF2-40B4-BE49-F238E27FC236}">
+                <a16:creationId xmlns:a16="http://schemas.microsoft.com/office/drawing/2014/main" id="{CD269A2E-3407-401D-BD08-30DFB0021CE2}"/>
               </a:ext>
             </a:extLst>
           </p:cNvPr>
@@ -19872,7 +19935,7 @@
     </p:spTree>
     <p:extLst>
       <p:ext uri="{BB962C8B-B14F-4D97-AF65-F5344CB8AC3E}">
-        <p14:creationId xmlns:p14="http://schemas.microsoft.com/office/powerpoint/2010/main" val="2507150636"/>
+        <p14:creationId xmlns:p14="http://schemas.microsoft.com/office/powerpoint/2010/main" val="1731835442"/>
       </p:ext>
     </p:extLst>
   </p:cSld>
@@ -19904,7 +19967,7 @@
           <p:cNvPr id="2" name="Espace réservé du numéro de diapositive 1">
             <a:extLst>
               <a:ext uri="{FF2B5EF4-FFF2-40B4-BE49-F238E27FC236}">
-                <a16:creationId xmlns:a16="http://schemas.microsoft.com/office/drawing/2014/main" id="{9F071E1A-55EB-40FA-BDFC-2823D67565EF}"/>
+                <a16:creationId xmlns:a16="http://schemas.microsoft.com/office/drawing/2014/main" id="{9873A4D5-00E8-402E-8836-7AAC2F9ACCBA}"/>
               </a:ext>
             </a:extLst>
           </p:cNvPr>
@@ -19942,7 +20005,7 @@
           <p:cNvPr id="3" name="Titre 2">
             <a:extLst>
               <a:ext uri="{FF2B5EF4-FFF2-40B4-BE49-F238E27FC236}">
-                <a16:creationId xmlns:a16="http://schemas.microsoft.com/office/drawing/2014/main" id="{86C13545-005A-439A-A37A-653EFCFDB687}"/>
+                <a16:creationId xmlns:a16="http://schemas.microsoft.com/office/drawing/2014/main" id="{3EA95092-AA17-4325-8666-446AC172D5CC}"/>
               </a:ext>
             </a:extLst>
           </p:cNvPr>
@@ -19958,24 +20021,52 @@
           <a:bodyPr/>
           <a:lstStyle/>
           <a:p>
+            <a:r>
+              <a:rPr lang="fr-FR" dirty="0"/>
+              <a:t>Roue équipée</a:t>
+            </a:r>
+          </a:p>
+        </p:txBody>
+      </p:sp>
+      <p:sp>
+        <p:nvSpPr>
+          <p:cNvPr id="4" name="Espace réservé du texte 3">
+            <a:extLst>
+              <a:ext uri="{FF2B5EF4-FFF2-40B4-BE49-F238E27FC236}">
+                <a16:creationId xmlns:a16="http://schemas.microsoft.com/office/drawing/2014/main" id="{AE8D8335-E8E7-4DFA-A5B1-E9B0D7C4A529}"/>
+              </a:ext>
+            </a:extLst>
+          </p:cNvPr>
+          <p:cNvSpPr>
+            <a:spLocks noGrp="1"/>
+          </p:cNvSpPr>
+          <p:nvPr>
+            <p:ph type="body" sz="quarter" idx="13"/>
+          </p:nvPr>
+        </p:nvSpPr>
+        <p:spPr/>
+        <p:txBody>
+          <a:bodyPr/>
+          <a:lstStyle/>
+          <a:p>
             <a:endParaRPr lang="fr-FR"/>
           </a:p>
         </p:txBody>
       </p:sp>
       <p:sp>
         <p:nvSpPr>
-          <p:cNvPr id="4" name="Espace réservé du texte 3">
-            <a:extLst>
-              <a:ext uri="{FF2B5EF4-FFF2-40B4-BE49-F238E27FC236}">
-                <a16:creationId xmlns:a16="http://schemas.microsoft.com/office/drawing/2014/main" id="{C2F7C9AD-3A01-4BD5-9E73-43A2A5CBFA4A}"/>
-              </a:ext>
-            </a:extLst>
-          </p:cNvPr>
-          <p:cNvSpPr>
-            <a:spLocks noGrp="1"/>
-          </p:cNvSpPr>
-          <p:nvPr>
-            <p:ph type="body" sz="quarter" idx="13"/>
+          <p:cNvPr id="5" name="Espace réservé du texte 4">
+            <a:extLst>
+              <a:ext uri="{FF2B5EF4-FFF2-40B4-BE49-F238E27FC236}">
+                <a16:creationId xmlns:a16="http://schemas.microsoft.com/office/drawing/2014/main" id="{1AE53E2A-CD04-4BBE-B4FC-0ACA3A48AD48}"/>
+              </a:ext>
+            </a:extLst>
+          </p:cNvPr>
+          <p:cNvSpPr>
+            <a:spLocks noGrp="1"/>
+          </p:cNvSpPr>
+          <p:nvPr>
+            <p:ph type="body" sz="quarter" idx="17"/>
           </p:nvPr>
         </p:nvSpPr>
         <p:spPr/>
@@ -19989,18 +20080,18 @@
       </p:sp>
       <p:sp>
         <p:nvSpPr>
-          <p:cNvPr id="5" name="Espace réservé du texte 4">
-            <a:extLst>
-              <a:ext uri="{FF2B5EF4-FFF2-40B4-BE49-F238E27FC236}">
-                <a16:creationId xmlns:a16="http://schemas.microsoft.com/office/drawing/2014/main" id="{5629071F-59F6-4270-B259-3DAF98F72121}"/>
-              </a:ext>
-            </a:extLst>
-          </p:cNvPr>
-          <p:cNvSpPr>
-            <a:spLocks noGrp="1"/>
-          </p:cNvSpPr>
-          <p:nvPr>
-            <p:ph type="body" sz="quarter" idx="17"/>
+          <p:cNvPr id="6" name="Espace réservé du texte 5">
+            <a:extLst>
+              <a:ext uri="{FF2B5EF4-FFF2-40B4-BE49-F238E27FC236}">
+                <a16:creationId xmlns:a16="http://schemas.microsoft.com/office/drawing/2014/main" id="{C2AF308B-35D9-45E1-BC16-3222B2951D0A}"/>
+              </a:ext>
+            </a:extLst>
+          </p:cNvPr>
+          <p:cNvSpPr>
+            <a:spLocks noGrp="1"/>
+          </p:cNvSpPr>
+          <p:nvPr>
+            <p:ph type="body" sz="quarter" idx="18"/>
           </p:nvPr>
         </p:nvSpPr>
         <p:spPr/>
@@ -20014,18 +20105,18 @@
       </p:sp>
       <p:sp>
         <p:nvSpPr>
-          <p:cNvPr id="6" name="Espace réservé du texte 5">
-            <a:extLst>
-              <a:ext uri="{FF2B5EF4-FFF2-40B4-BE49-F238E27FC236}">
-                <a16:creationId xmlns:a16="http://schemas.microsoft.com/office/drawing/2014/main" id="{18F09A07-DAD8-4E61-BFBF-BF8359C084B6}"/>
-              </a:ext>
-            </a:extLst>
-          </p:cNvPr>
-          <p:cNvSpPr>
-            <a:spLocks noGrp="1"/>
-          </p:cNvSpPr>
-          <p:nvPr>
-            <p:ph type="body" sz="quarter" idx="18"/>
+          <p:cNvPr id="7" name="Espace réservé du texte 6">
+            <a:extLst>
+              <a:ext uri="{FF2B5EF4-FFF2-40B4-BE49-F238E27FC236}">
+                <a16:creationId xmlns:a16="http://schemas.microsoft.com/office/drawing/2014/main" id="{03DA866B-4E99-42E5-9A67-9C87938CD71C}"/>
+              </a:ext>
+            </a:extLst>
+          </p:cNvPr>
+          <p:cNvSpPr>
+            <a:spLocks noGrp="1"/>
+          </p:cNvSpPr>
+          <p:nvPr>
+            <p:ph type="body" sz="quarter" idx="19"/>
           </p:nvPr>
         </p:nvSpPr>
         <p:spPr/>
@@ -20039,18 +20130,18 @@
       </p:sp>
       <p:sp>
         <p:nvSpPr>
-          <p:cNvPr id="7" name="Espace réservé du texte 6">
-            <a:extLst>
-              <a:ext uri="{FF2B5EF4-FFF2-40B4-BE49-F238E27FC236}">
-                <a16:creationId xmlns:a16="http://schemas.microsoft.com/office/drawing/2014/main" id="{76C8D427-F490-4661-BEAD-87D1067B5471}"/>
-              </a:ext>
-            </a:extLst>
-          </p:cNvPr>
-          <p:cNvSpPr>
-            <a:spLocks noGrp="1"/>
-          </p:cNvSpPr>
-          <p:nvPr>
-            <p:ph type="body" sz="quarter" idx="19"/>
+          <p:cNvPr id="8" name="Espace réservé du texte 7">
+            <a:extLst>
+              <a:ext uri="{FF2B5EF4-FFF2-40B4-BE49-F238E27FC236}">
+                <a16:creationId xmlns:a16="http://schemas.microsoft.com/office/drawing/2014/main" id="{B55C48EC-8452-4B26-A4FF-04155008DB74}"/>
+              </a:ext>
+            </a:extLst>
+          </p:cNvPr>
+          <p:cNvSpPr>
+            <a:spLocks noGrp="1"/>
+          </p:cNvSpPr>
+          <p:nvPr>
+            <p:ph type="body" sz="quarter" idx="20"/>
           </p:nvPr>
         </p:nvSpPr>
         <p:spPr/>
@@ -20064,35 +20155,10 @@
       </p:sp>
       <p:sp>
         <p:nvSpPr>
-          <p:cNvPr id="8" name="Espace réservé du texte 7">
-            <a:extLst>
-              <a:ext uri="{FF2B5EF4-FFF2-40B4-BE49-F238E27FC236}">
-                <a16:creationId xmlns:a16="http://schemas.microsoft.com/office/drawing/2014/main" id="{F8C4E030-F30B-4A0E-BCA2-AFFE565E1079}"/>
-              </a:ext>
-            </a:extLst>
-          </p:cNvPr>
-          <p:cNvSpPr>
-            <a:spLocks noGrp="1"/>
-          </p:cNvSpPr>
-          <p:nvPr>
-            <p:ph type="body" sz="quarter" idx="20"/>
-          </p:nvPr>
-        </p:nvSpPr>
-        <p:spPr/>
-        <p:txBody>
-          <a:bodyPr/>
-          <a:lstStyle/>
-          <a:p>
-            <a:endParaRPr lang="fr-FR"/>
-          </a:p>
-        </p:txBody>
-      </p:sp>
-      <p:sp>
-        <p:nvSpPr>
           <p:cNvPr id="9" name="Espace réservé pour une image  8">
             <a:extLst>
               <a:ext uri="{FF2B5EF4-FFF2-40B4-BE49-F238E27FC236}">
-                <a16:creationId xmlns:a16="http://schemas.microsoft.com/office/drawing/2014/main" id="{0C64BB04-71E7-44C8-9B1F-D5A3D0A1C800}"/>
+                <a16:creationId xmlns:a16="http://schemas.microsoft.com/office/drawing/2014/main" id="{EE1FDD45-8EBD-49B7-A400-AB8CB3D44627}"/>
               </a:ext>
             </a:extLst>
           </p:cNvPr>
@@ -20108,7 +20174,7 @@
     </p:spTree>
     <p:extLst>
       <p:ext uri="{BB962C8B-B14F-4D97-AF65-F5344CB8AC3E}">
-        <p14:creationId xmlns:p14="http://schemas.microsoft.com/office/powerpoint/2010/main" val="501659583"/>
+        <p14:creationId xmlns:p14="http://schemas.microsoft.com/office/powerpoint/2010/main" val="336836928"/>
       </p:ext>
     </p:extLst>
   </p:cSld>
@@ -20140,7 +20206,7 @@
           <p:cNvPr id="2" name="Espace réservé du numéro de diapositive 1">
             <a:extLst>
               <a:ext uri="{FF2B5EF4-FFF2-40B4-BE49-F238E27FC236}">
-                <a16:creationId xmlns:a16="http://schemas.microsoft.com/office/drawing/2014/main" id="{C8775E55-F788-4873-AC62-17AAA4B3A620}"/>
+                <a16:creationId xmlns:a16="http://schemas.microsoft.com/office/drawing/2014/main" id="{2DF0D2DD-2918-45CB-BD32-42A01631D883}"/>
               </a:ext>
             </a:extLst>
           </p:cNvPr>
@@ -20175,10 +20241,10 @@
       </p:sp>
       <p:sp>
         <p:nvSpPr>
-          <p:cNvPr id="3" name="Titre 2">
-            <a:extLst>
-              <a:ext uri="{FF2B5EF4-FFF2-40B4-BE49-F238E27FC236}">
-                <a16:creationId xmlns:a16="http://schemas.microsoft.com/office/drawing/2014/main" id="{F9116163-D2EB-4411-AB7E-1A9E79A04F5A}"/>
+          <p:cNvPr id="14" name="Titre 13">
+            <a:extLst>
+              <a:ext uri="{FF2B5EF4-FFF2-40B4-BE49-F238E27FC236}">
+                <a16:creationId xmlns:a16="http://schemas.microsoft.com/office/drawing/2014/main" id="{D0B131F0-75D7-4A53-BCC1-AAE045137D44}"/>
               </a:ext>
             </a:extLst>
           </p:cNvPr>
@@ -20194,160 +20260,45 @@
           <a:bodyPr/>
           <a:lstStyle/>
           <a:p>
-            <a:endParaRPr lang="fr-FR"/>
-          </a:p>
-        </p:txBody>
-      </p:sp>
-      <p:sp>
-        <p:nvSpPr>
-          <p:cNvPr id="4" name="Espace réservé du texte 3">
-            <a:extLst>
-              <a:ext uri="{FF2B5EF4-FFF2-40B4-BE49-F238E27FC236}">
-                <a16:creationId xmlns:a16="http://schemas.microsoft.com/office/drawing/2014/main" id="{DBFE0B8A-B8DC-4F95-B064-40090516E4AE}"/>
-              </a:ext>
-            </a:extLst>
-          </p:cNvPr>
-          <p:cNvSpPr>
-            <a:spLocks noGrp="1"/>
-          </p:cNvSpPr>
-          <p:nvPr>
-            <p:ph type="body" sz="quarter" idx="14"/>
+            <a:r>
+              <a:rPr lang="fr-FR" dirty="0"/>
+              <a:t>Roue équipée</a:t>
+            </a:r>
+          </a:p>
+        </p:txBody>
+      </p:sp>
+      <p:sp>
+        <p:nvSpPr>
+          <p:cNvPr id="15" name="Espace réservé pour une image  14">
+            <a:extLst>
+              <a:ext uri="{FF2B5EF4-FFF2-40B4-BE49-F238E27FC236}">
+                <a16:creationId xmlns:a16="http://schemas.microsoft.com/office/drawing/2014/main" id="{E597A4D8-C00F-47E6-95A1-B4E6333E85A6}"/>
+              </a:ext>
+            </a:extLst>
+          </p:cNvPr>
+          <p:cNvSpPr>
+            <a:spLocks noGrp="1"/>
+          </p:cNvSpPr>
+          <p:nvPr>
+            <p:ph type="pic" sz="quarter" idx="22"/>
           </p:nvPr>
         </p:nvSpPr>
         <p:spPr/>
-        <p:txBody>
-          <a:bodyPr/>
-          <a:lstStyle/>
-          <a:p>
-            <a:endParaRPr lang="fr-FR"/>
-          </a:p>
-        </p:txBody>
-      </p:sp>
-      <p:sp>
-        <p:nvSpPr>
-          <p:cNvPr id="5" name="Espace réservé pour une image  4">
-            <a:extLst>
-              <a:ext uri="{FF2B5EF4-FFF2-40B4-BE49-F238E27FC236}">
-                <a16:creationId xmlns:a16="http://schemas.microsoft.com/office/drawing/2014/main" id="{19F42B54-4AB1-4FF3-A226-1196C57CED55}"/>
-              </a:ext>
-            </a:extLst>
-          </p:cNvPr>
-          <p:cNvSpPr>
-            <a:spLocks noGrp="1"/>
-          </p:cNvSpPr>
-          <p:nvPr>
-            <p:ph type="pic" sz="quarter" idx="20"/>
-          </p:nvPr>
-        </p:nvSpPr>
-        <p:spPr/>
-      </p:sp>
-      <p:sp>
-        <p:nvSpPr>
-          <p:cNvPr id="6" name="Espace réservé pour une image  5">
-            <a:extLst>
-              <a:ext uri="{FF2B5EF4-FFF2-40B4-BE49-F238E27FC236}">
-                <a16:creationId xmlns:a16="http://schemas.microsoft.com/office/drawing/2014/main" id="{65775BA0-9042-4D5D-81E5-79BC0AD78F1F}"/>
-              </a:ext>
-            </a:extLst>
-          </p:cNvPr>
-          <p:cNvSpPr>
-            <a:spLocks noGrp="1"/>
-          </p:cNvSpPr>
-          <p:nvPr>
-            <p:ph type="pic" sz="quarter" idx="22"/>
-          </p:nvPr>
-        </p:nvSpPr>
-        <p:spPr/>
-      </p:sp>
-      <p:sp>
-        <p:nvSpPr>
-          <p:cNvPr id="7" name="Espace réservé du texte 6">
-            <a:extLst>
-              <a:ext uri="{FF2B5EF4-FFF2-40B4-BE49-F238E27FC236}">
-                <a16:creationId xmlns:a16="http://schemas.microsoft.com/office/drawing/2014/main" id="{CC551020-C83F-4B86-92B1-0722E6679D52}"/>
-              </a:ext>
-            </a:extLst>
-          </p:cNvPr>
-          <p:cNvSpPr>
-            <a:spLocks noGrp="1"/>
-          </p:cNvSpPr>
-          <p:nvPr>
-            <p:ph type="body" sz="quarter" idx="23"/>
-          </p:nvPr>
-        </p:nvSpPr>
-        <p:spPr/>
-        <p:txBody>
-          <a:bodyPr/>
-          <a:lstStyle/>
-          <a:p>
-            <a:endParaRPr lang="fr-FR"/>
-          </a:p>
-        </p:txBody>
-      </p:sp>
-      <p:sp>
-        <p:nvSpPr>
-          <p:cNvPr id="8" name="Espace réservé du texte 7">
-            <a:extLst>
-              <a:ext uri="{FF2B5EF4-FFF2-40B4-BE49-F238E27FC236}">
-                <a16:creationId xmlns:a16="http://schemas.microsoft.com/office/drawing/2014/main" id="{A1ADF1B4-A50A-452D-810F-9737BAC7D6AC}"/>
-              </a:ext>
-            </a:extLst>
-          </p:cNvPr>
-          <p:cNvSpPr>
-            <a:spLocks noGrp="1"/>
-          </p:cNvSpPr>
-          <p:nvPr>
-            <p:ph type="body" sz="quarter" idx="24"/>
-          </p:nvPr>
-        </p:nvSpPr>
-        <p:spPr/>
-        <p:txBody>
-          <a:bodyPr/>
-          <a:lstStyle/>
-          <a:p>
-            <a:endParaRPr lang="fr-FR"/>
-          </a:p>
-        </p:txBody>
-      </p:sp>
-      <p:sp>
-        <p:nvSpPr>
-          <p:cNvPr id="9" name="Espace réservé du texte 8">
-            <a:extLst>
-              <a:ext uri="{FF2B5EF4-FFF2-40B4-BE49-F238E27FC236}">
-                <a16:creationId xmlns:a16="http://schemas.microsoft.com/office/drawing/2014/main" id="{730705DA-1E51-4DD1-A4A0-B175C3C0C2CF}"/>
-              </a:ext>
-            </a:extLst>
-          </p:cNvPr>
-          <p:cNvSpPr>
-            <a:spLocks noGrp="1"/>
-          </p:cNvSpPr>
-          <p:nvPr>
-            <p:ph type="body" sz="quarter" idx="25"/>
-          </p:nvPr>
-        </p:nvSpPr>
-        <p:spPr/>
-        <p:txBody>
-          <a:bodyPr/>
-          <a:lstStyle/>
-          <a:p>
-            <a:endParaRPr lang="fr-FR"/>
-          </a:p>
-        </p:txBody>
-      </p:sp>
-      <p:sp>
-        <p:nvSpPr>
-          <p:cNvPr id="10" name="Espace réservé du texte 9">
-            <a:extLst>
-              <a:ext uri="{FF2B5EF4-FFF2-40B4-BE49-F238E27FC236}">
-                <a16:creationId xmlns:a16="http://schemas.microsoft.com/office/drawing/2014/main" id="{ADB152FB-55F9-4E1E-9A6A-A0E20D82B9F1}"/>
-              </a:ext>
-            </a:extLst>
-          </p:cNvPr>
-          <p:cNvSpPr>
-            <a:spLocks noGrp="1"/>
-          </p:cNvSpPr>
-          <p:nvPr>
-            <p:ph type="body" sz="quarter" idx="27"/>
+      </p:sp>
+      <p:sp>
+        <p:nvSpPr>
+          <p:cNvPr id="16" name="Espace réservé du contenu 15">
+            <a:extLst>
+              <a:ext uri="{FF2B5EF4-FFF2-40B4-BE49-F238E27FC236}">
+                <a16:creationId xmlns:a16="http://schemas.microsoft.com/office/drawing/2014/main" id="{CD269A2E-3407-401D-BD08-30DFB0021CE2}"/>
+              </a:ext>
+            </a:extLst>
+          </p:cNvPr>
+          <p:cNvSpPr>
+            <a:spLocks noGrp="1"/>
+          </p:cNvSpPr>
+          <p:nvPr>
+            <p:ph sz="quarter" idx="23"/>
           </p:nvPr>
         </p:nvSpPr>
         <p:spPr/>
@@ -20362,7 +20313,7 @@
     </p:spTree>
     <p:extLst>
       <p:ext uri="{BB962C8B-B14F-4D97-AF65-F5344CB8AC3E}">
-        <p14:creationId xmlns:p14="http://schemas.microsoft.com/office/powerpoint/2010/main" val="1994800306"/>
+        <p14:creationId xmlns:p14="http://schemas.microsoft.com/office/powerpoint/2010/main" val="2208715871"/>
       </p:ext>
     </p:extLst>
   </p:cSld>
@@ -20377,7 +20328,7 @@
   <p:cSld>
     <p:spTree>
       <p:nvGrpSpPr>
-        <p:cNvPr id="1" name="Shape 1761"/>
+        <p:cNvPr id="1" name=""/>
         <p:cNvGrpSpPr/>
         <p:nvPr/>
       </p:nvGrpSpPr>
@@ -20391,278 +20342,1434 @@
       </p:grpSpPr>
       <p:sp>
         <p:nvSpPr>
-          <p:cNvPr id="1763" name="Google Shape;1763;p156"/>
-          <p:cNvSpPr txBox="1">
-            <a:spLocks noGrp="1"/>
-          </p:cNvSpPr>
-          <p:nvPr>
-            <p:ph type="title"/>
-          </p:nvPr>
-        </p:nvSpPr>
-        <p:spPr>
-          <a:xfrm>
-            <a:off x="37213" y="82913"/>
-            <a:ext cx="9001684" cy="589085"/>
-          </a:xfrm>
-          <a:prstGeom prst="rect">
-            <a:avLst/>
-          </a:prstGeom>
-          <a:noFill/>
-          <a:ln>
-            <a:noFill/>
-          </a:ln>
-        </p:spPr>
-        <p:txBody>
-          <a:bodyPr spcFirstLastPara="1" wrap="square" lIns="91425" tIns="91425" rIns="91425" bIns="91425" anchor="ctr" anchorCtr="0">
-            <a:noAutofit/>
-          </a:bodyPr>
-          <a:lstStyle/>
-          <a:p>
-            <a:pPr marL="0" lvl="0" indent="0" algn="l" rtl="0">
-              <a:lnSpc>
-                <a:spcPct val="100000"/>
-              </a:lnSpc>
+          <p:cNvPr id="2" name="Espace réservé du numéro de diapositive 1">
+            <a:extLst>
+              <a:ext uri="{FF2B5EF4-FFF2-40B4-BE49-F238E27FC236}">
+                <a16:creationId xmlns:a16="http://schemas.microsoft.com/office/drawing/2014/main" id="{9873A4D5-00E8-402E-8836-7AAC2F9ACCBA}"/>
+              </a:ext>
+            </a:extLst>
+          </p:cNvPr>
+          <p:cNvSpPr>
+            <a:spLocks noGrp="1"/>
+          </p:cNvSpPr>
+          <p:nvPr>
+            <p:ph type="sldNum" sz="quarter" idx="12"/>
+          </p:nvPr>
+        </p:nvSpPr>
+        <p:spPr/>
+        <p:txBody>
+          <a:bodyPr/>
+          <a:lstStyle/>
+          <a:p>
+            <a:pPr marL="0" lvl="0" indent="0" algn="r" rtl="0">
               <a:spcBef>
                 <a:spcPts val="0"/>
               </a:spcBef>
               <a:spcAft>
                 <a:spcPts val="0"/>
               </a:spcAft>
-              <a:buSzPts val="2800"/>
               <a:buNone/>
             </a:pPr>
+            <a:fld id="{00000000-1234-1234-1234-123412341234}" type="slidenum">
+              <a:rPr lang="fr-FR" smtClean="0"/>
+              <a:t>13</a:t>
+            </a:fld>
+            <a:endParaRPr lang="fr-FR"/>
+          </a:p>
+        </p:txBody>
+      </p:sp>
+      <p:sp>
+        <p:nvSpPr>
+          <p:cNvPr id="3" name="Titre 2">
+            <a:extLst>
+              <a:ext uri="{FF2B5EF4-FFF2-40B4-BE49-F238E27FC236}">
+                <a16:creationId xmlns:a16="http://schemas.microsoft.com/office/drawing/2014/main" id="{3EA95092-AA17-4325-8666-446AC172D5CC}"/>
+              </a:ext>
+            </a:extLst>
+          </p:cNvPr>
+          <p:cNvSpPr>
+            <a:spLocks noGrp="1"/>
+          </p:cNvSpPr>
+          <p:nvPr>
+            <p:ph type="title"/>
+          </p:nvPr>
+        </p:nvSpPr>
+        <p:spPr/>
+        <p:txBody>
+          <a:bodyPr/>
+          <a:lstStyle/>
+          <a:p>
             <a:r>
               <a:rPr lang="fr-FR" dirty="0"/>
-              <a:t>Etat de l’avancement - Echéances</a:t>
-            </a:r>
-            <a:endParaRPr dirty="0"/>
-          </a:p>
-        </p:txBody>
-      </p:sp>
-      <p:sp>
-        <p:nvSpPr>
-          <p:cNvPr id="1764" name="Google Shape;1764;p156"/>
-          <p:cNvSpPr txBox="1">
-            <a:spLocks noGrp="1"/>
-          </p:cNvSpPr>
-          <p:nvPr>
-            <p:ph idx="1"/>
-          </p:nvPr>
-        </p:nvSpPr>
-        <p:spPr>
-          <a:prstGeom prst="rect">
-            <a:avLst/>
-          </a:prstGeom>
-          <a:noFill/>
-          <a:ln>
-            <a:noFill/>
-          </a:ln>
-        </p:spPr>
-        <p:txBody>
-          <a:bodyPr spcFirstLastPara="1" wrap="square" lIns="91425" tIns="91425" rIns="91425" bIns="91425" anchor="ctr" anchorCtr="0">
-            <a:noAutofit/>
-          </a:bodyPr>
-          <a:lstStyle/>
-          <a:p>
-            <a:pPr marL="0" lvl="0" indent="0" algn="l" rtl="0">
-              <a:lnSpc>
-                <a:spcPct val="100000"/>
-              </a:lnSpc>
-              <a:spcBef>
-                <a:spcPts val="560"/>
-              </a:spcBef>
-              <a:spcAft>
-                <a:spcPts val="0"/>
-              </a:spcAft>
-              <a:buSzPts val="2800"/>
-              <a:buNone/>
-            </a:pPr>
-            <a:r>
-              <a:rPr lang="fr-FR" sz="2400" dirty="0"/>
-              <a:t>Etat du Projet : </a:t>
-            </a:r>
-            <a:r>
-              <a:rPr lang="fr-FR" sz="2400" b="0" dirty="0"/>
-              <a:t>Retard de une semaine </a:t>
-            </a:r>
-          </a:p>
-          <a:p>
-            <a:pPr marL="0" lvl="0" indent="0" algn="l" rtl="0">
-              <a:lnSpc>
-                <a:spcPct val="100000"/>
-              </a:lnSpc>
-              <a:spcBef>
-                <a:spcPts val="560"/>
-              </a:spcBef>
-              <a:spcAft>
-                <a:spcPts val="0"/>
-              </a:spcAft>
-              <a:buSzPts val="2800"/>
-              <a:buNone/>
-            </a:pPr>
-            <a:endParaRPr lang="fr-FR" sz="2400" b="0" dirty="0"/>
-          </a:p>
-          <a:p>
-            <a:pPr marL="0" indent="0">
-              <a:lnSpc>
-                <a:spcPct val="100000"/>
-              </a:lnSpc>
-              <a:spcBef>
-                <a:spcPts val="560"/>
-              </a:spcBef>
-              <a:buSzPts val="2800"/>
-              <a:buNone/>
-            </a:pPr>
-            <a:r>
-              <a:rPr lang="en-US" sz="2400" b="1" dirty="0">
-                <a:solidFill>
-                  <a:srgbClr val="000000"/>
-                </a:solidFill>
-                <a:ea typeface="Corbel"/>
-                <a:cs typeface="Corbel"/>
-                <a:sym typeface="Corbel"/>
-              </a:rPr>
-              <a:t>Prochain TOP :  </a:t>
-            </a:r>
-            <a:r>
-              <a:rPr lang="en-US" sz="2400" dirty="0">
-                <a:solidFill>
-                  <a:srgbClr val="000000"/>
-                </a:solidFill>
-                <a:ea typeface="Corbel"/>
-                <a:cs typeface="Corbel"/>
-                <a:sym typeface="Corbel"/>
-              </a:rPr>
-              <a:t>TOP </a:t>
-            </a:r>
-            <a:r>
-              <a:rPr lang="en-US" sz="2400" dirty="0" err="1">
-                <a:solidFill>
-                  <a:srgbClr val="000000"/>
-                </a:solidFill>
-                <a:ea typeface="Corbel"/>
-                <a:cs typeface="Corbel"/>
-                <a:sym typeface="Corbel"/>
-              </a:rPr>
-              <a:t>Organe</a:t>
-            </a:r>
-            <a:r>
-              <a:rPr lang="en-US" sz="2400" dirty="0">
-                <a:solidFill>
-                  <a:srgbClr val="000000"/>
-                </a:solidFill>
-                <a:ea typeface="Corbel"/>
-                <a:cs typeface="Corbel"/>
-                <a:sym typeface="Corbel"/>
-              </a:rPr>
-              <a:t> mi-</a:t>
-            </a:r>
-            <a:r>
-              <a:rPr lang="en-US" sz="2400" dirty="0" err="1">
-                <a:solidFill>
-                  <a:srgbClr val="000000"/>
-                </a:solidFill>
-                <a:ea typeface="Corbel"/>
-                <a:cs typeface="Corbel"/>
-                <a:sym typeface="Corbel"/>
-              </a:rPr>
-              <a:t>novembr</a:t>
-            </a:r>
-            <a:r>
-              <a:rPr lang="en-US" sz="2400" dirty="0" err="1">
-                <a:solidFill>
-                  <a:srgbClr val="000000"/>
-                </a:solidFill>
-                <a:latin typeface="Corbel"/>
-                <a:ea typeface="Corbel"/>
-                <a:cs typeface="Corbel"/>
-                <a:sym typeface="Corbel"/>
-              </a:rPr>
-              <a:t>e</a:t>
-            </a:r>
-            <a:endParaRPr lang="en-US" sz="2400" dirty="0">
-              <a:solidFill>
-                <a:srgbClr val="000000"/>
-              </a:solidFill>
-              <a:latin typeface="Corbel"/>
-              <a:ea typeface="Corbel"/>
-              <a:cs typeface="Corbel"/>
-              <a:sym typeface="Corbel"/>
-            </a:endParaRPr>
-          </a:p>
-          <a:p>
-            <a:pPr marL="0" lvl="0" indent="0" algn="l" rtl="0">
-              <a:lnSpc>
-                <a:spcPct val="100000"/>
-              </a:lnSpc>
-              <a:spcBef>
-                <a:spcPts val="560"/>
-              </a:spcBef>
-              <a:spcAft>
-                <a:spcPts val="0"/>
-              </a:spcAft>
-              <a:buSzPts val="2800"/>
-              <a:buNone/>
-            </a:pPr>
-            <a:r>
-              <a:rPr lang="fr-FR" b="0" dirty="0"/>
-              <a:t> </a:t>
-            </a:r>
-            <a:endParaRPr b="0" dirty="0"/>
-          </a:p>
-        </p:txBody>
-      </p:sp>
-      <p:sp>
-        <p:nvSpPr>
-          <p:cNvPr id="1762" name="Google Shape;1762;p156"/>
-          <p:cNvSpPr txBox="1">
+              <a:t>Système de freinage</a:t>
+            </a:r>
+          </a:p>
+        </p:txBody>
+      </p:sp>
+      <p:sp>
+        <p:nvSpPr>
+          <p:cNvPr id="4" name="Espace réservé du texte 3">
+            <a:extLst>
+              <a:ext uri="{FF2B5EF4-FFF2-40B4-BE49-F238E27FC236}">
+                <a16:creationId xmlns:a16="http://schemas.microsoft.com/office/drawing/2014/main" id="{AE8D8335-E8E7-4DFA-A5B1-E9B0D7C4A529}"/>
+              </a:ext>
+            </a:extLst>
+          </p:cNvPr>
+          <p:cNvSpPr>
+            <a:spLocks noGrp="1"/>
+          </p:cNvSpPr>
+          <p:nvPr>
+            <p:ph type="body" sz="quarter" idx="13"/>
+          </p:nvPr>
+        </p:nvSpPr>
+        <p:spPr/>
+        <p:txBody>
+          <a:bodyPr/>
+          <a:lstStyle/>
+          <a:p>
+            <a:endParaRPr lang="fr-FR"/>
+          </a:p>
+        </p:txBody>
+      </p:sp>
+      <p:sp>
+        <p:nvSpPr>
+          <p:cNvPr id="5" name="Espace réservé du texte 4">
+            <a:extLst>
+              <a:ext uri="{FF2B5EF4-FFF2-40B4-BE49-F238E27FC236}">
+                <a16:creationId xmlns:a16="http://schemas.microsoft.com/office/drawing/2014/main" id="{1AE53E2A-CD04-4BBE-B4FC-0ACA3A48AD48}"/>
+              </a:ext>
+            </a:extLst>
+          </p:cNvPr>
+          <p:cNvSpPr>
+            <a:spLocks noGrp="1"/>
+          </p:cNvSpPr>
+          <p:nvPr>
+            <p:ph type="body" sz="quarter" idx="17"/>
+          </p:nvPr>
+        </p:nvSpPr>
+        <p:spPr/>
+        <p:txBody>
+          <a:bodyPr/>
+          <a:lstStyle/>
+          <a:p>
+            <a:endParaRPr lang="fr-FR"/>
+          </a:p>
+        </p:txBody>
+      </p:sp>
+      <p:sp>
+        <p:nvSpPr>
+          <p:cNvPr id="6" name="Espace réservé du texte 5">
+            <a:extLst>
+              <a:ext uri="{FF2B5EF4-FFF2-40B4-BE49-F238E27FC236}">
+                <a16:creationId xmlns:a16="http://schemas.microsoft.com/office/drawing/2014/main" id="{C2AF308B-35D9-45E1-BC16-3222B2951D0A}"/>
+              </a:ext>
+            </a:extLst>
+          </p:cNvPr>
+          <p:cNvSpPr>
+            <a:spLocks noGrp="1"/>
+          </p:cNvSpPr>
+          <p:nvPr>
+            <p:ph type="body" sz="quarter" idx="18"/>
+          </p:nvPr>
+        </p:nvSpPr>
+        <p:spPr/>
+        <p:txBody>
+          <a:bodyPr/>
+          <a:lstStyle/>
+          <a:p>
+            <a:endParaRPr lang="fr-FR"/>
+          </a:p>
+        </p:txBody>
+      </p:sp>
+      <p:sp>
+        <p:nvSpPr>
+          <p:cNvPr id="7" name="Espace réservé du texte 6">
+            <a:extLst>
+              <a:ext uri="{FF2B5EF4-FFF2-40B4-BE49-F238E27FC236}">
+                <a16:creationId xmlns:a16="http://schemas.microsoft.com/office/drawing/2014/main" id="{03DA866B-4E99-42E5-9A67-9C87938CD71C}"/>
+              </a:ext>
+            </a:extLst>
+          </p:cNvPr>
+          <p:cNvSpPr>
+            <a:spLocks noGrp="1"/>
+          </p:cNvSpPr>
+          <p:nvPr>
+            <p:ph type="body" sz="quarter" idx="19"/>
+          </p:nvPr>
+        </p:nvSpPr>
+        <p:spPr/>
+        <p:txBody>
+          <a:bodyPr/>
+          <a:lstStyle/>
+          <a:p>
+            <a:endParaRPr lang="fr-FR"/>
+          </a:p>
+        </p:txBody>
+      </p:sp>
+      <p:sp>
+        <p:nvSpPr>
+          <p:cNvPr id="8" name="Espace réservé du texte 7">
+            <a:extLst>
+              <a:ext uri="{FF2B5EF4-FFF2-40B4-BE49-F238E27FC236}">
+                <a16:creationId xmlns:a16="http://schemas.microsoft.com/office/drawing/2014/main" id="{B55C48EC-8452-4B26-A4FF-04155008DB74}"/>
+              </a:ext>
+            </a:extLst>
+          </p:cNvPr>
+          <p:cNvSpPr>
+            <a:spLocks noGrp="1"/>
+          </p:cNvSpPr>
+          <p:nvPr>
+            <p:ph type="body" sz="quarter" idx="20"/>
+          </p:nvPr>
+        </p:nvSpPr>
+        <p:spPr/>
+        <p:txBody>
+          <a:bodyPr/>
+          <a:lstStyle/>
+          <a:p>
+            <a:endParaRPr lang="fr-FR"/>
+          </a:p>
+        </p:txBody>
+      </p:sp>
+      <p:sp>
+        <p:nvSpPr>
+          <p:cNvPr id="9" name="Espace réservé pour une image  8">
+            <a:extLst>
+              <a:ext uri="{FF2B5EF4-FFF2-40B4-BE49-F238E27FC236}">
+                <a16:creationId xmlns:a16="http://schemas.microsoft.com/office/drawing/2014/main" id="{EE1FDD45-8EBD-49B7-A400-AB8CB3D44627}"/>
+              </a:ext>
+            </a:extLst>
+          </p:cNvPr>
+          <p:cNvSpPr>
+            <a:spLocks noGrp="1"/>
+          </p:cNvSpPr>
+          <p:nvPr>
+            <p:ph type="pic" sz="quarter" idx="22"/>
+          </p:nvPr>
+        </p:nvSpPr>
+        <p:spPr/>
+      </p:sp>
+    </p:spTree>
+    <p:extLst>
+      <p:ext uri="{BB962C8B-B14F-4D97-AF65-F5344CB8AC3E}">
+        <p14:creationId xmlns:p14="http://schemas.microsoft.com/office/powerpoint/2010/main" val="151545489"/>
+      </p:ext>
+    </p:extLst>
+  </p:cSld>
+  <p:clrMapOvr>
+    <a:masterClrMapping/>
+  </p:clrMapOvr>
+</p:sld>
+</file>
+
+<file path=ppt/slides/slide14.xml><?xml version="1.0" encoding="utf-8"?>
+<p:sld xmlns:a="http://schemas.openxmlformats.org/drawingml/2006/main" xmlns:r="http://schemas.openxmlformats.org/officeDocument/2006/relationships" xmlns:p="http://schemas.openxmlformats.org/presentationml/2006/main">
+  <p:cSld>
+    <p:spTree>
+      <p:nvGrpSpPr>
+        <p:cNvPr id="1" name=""/>
+        <p:cNvGrpSpPr/>
+        <p:nvPr/>
+      </p:nvGrpSpPr>
+      <p:grpSpPr>
+        <a:xfrm>
+          <a:off x="0" y="0"/>
+          <a:ext cx="0" cy="0"/>
+          <a:chOff x="0" y="0"/>
+          <a:chExt cx="0" cy="0"/>
+        </a:xfrm>
+      </p:grpSpPr>
+      <p:sp>
+        <p:nvSpPr>
+          <p:cNvPr id="2" name="Espace réservé du numéro de diapositive 1">
+            <a:extLst>
+              <a:ext uri="{FF2B5EF4-FFF2-40B4-BE49-F238E27FC236}">
+                <a16:creationId xmlns:a16="http://schemas.microsoft.com/office/drawing/2014/main" id="{2DF0D2DD-2918-45CB-BD32-42A01631D883}"/>
+              </a:ext>
+            </a:extLst>
+          </p:cNvPr>
+          <p:cNvSpPr>
             <a:spLocks noGrp="1"/>
           </p:cNvSpPr>
           <p:nvPr>
             <p:ph type="sldNum" sz="quarter" idx="12"/>
           </p:nvPr>
         </p:nvSpPr>
-        <p:spPr>
-          <a:prstGeom prst="rect">
-            <a:avLst/>
-          </a:prstGeom>
-          <a:noFill/>
-          <a:ln>
-            <a:noFill/>
-          </a:ln>
-        </p:spPr>
-        <p:txBody>
-          <a:bodyPr spcFirstLastPara="1" wrap="square" lIns="91425" tIns="45700" rIns="91425" bIns="45700" anchor="ctr" anchorCtr="0">
-            <a:noAutofit/>
-          </a:bodyPr>
+        <p:spPr/>
+        <p:txBody>
+          <a:bodyPr/>
           <a:lstStyle/>
           <a:p>
             <a:pPr marL="0" lvl="0" indent="0" algn="r" rtl="0">
-              <a:lnSpc>
-                <a:spcPct val="100000"/>
-              </a:lnSpc>
               <a:spcBef>
                 <a:spcPts val="0"/>
               </a:spcBef>
               <a:spcAft>
                 <a:spcPts val="0"/>
               </a:spcAft>
-              <a:buClr>
-                <a:srgbClr val="FF0000"/>
-              </a:buClr>
-              <a:buSzPts val="300"/>
-              <a:buFont typeface="Calibri"/>
               <a:buNone/>
             </a:pPr>
             <a:fld id="{00000000-1234-1234-1234-123412341234}" type="slidenum">
-              <a:rPr lang="fr-FR"/>
-              <a:t>13</a:t>
+              <a:rPr lang="fr-FR" smtClean="0"/>
+              <a:t>14</a:t>
             </a:fld>
-            <a:endParaRPr/>
+            <a:endParaRPr lang="fr-FR"/>
+          </a:p>
+        </p:txBody>
+      </p:sp>
+      <p:sp>
+        <p:nvSpPr>
+          <p:cNvPr id="14" name="Titre 13">
+            <a:extLst>
+              <a:ext uri="{FF2B5EF4-FFF2-40B4-BE49-F238E27FC236}">
+                <a16:creationId xmlns:a16="http://schemas.microsoft.com/office/drawing/2014/main" id="{D0B131F0-75D7-4A53-BCC1-AAE045137D44}"/>
+              </a:ext>
+            </a:extLst>
+          </p:cNvPr>
+          <p:cNvSpPr>
+            <a:spLocks noGrp="1"/>
+          </p:cNvSpPr>
+          <p:nvPr>
+            <p:ph type="title"/>
+          </p:nvPr>
+        </p:nvSpPr>
+        <p:spPr/>
+        <p:txBody>
+          <a:bodyPr/>
+          <a:lstStyle/>
+          <a:p>
+            <a:r>
+              <a:rPr lang="fr-FR" dirty="0"/>
+              <a:t>Système de freinage</a:t>
+            </a:r>
+          </a:p>
+        </p:txBody>
+      </p:sp>
+      <p:sp>
+        <p:nvSpPr>
+          <p:cNvPr id="15" name="Espace réservé pour une image  14">
+            <a:extLst>
+              <a:ext uri="{FF2B5EF4-FFF2-40B4-BE49-F238E27FC236}">
+                <a16:creationId xmlns:a16="http://schemas.microsoft.com/office/drawing/2014/main" id="{E597A4D8-C00F-47E6-95A1-B4E6333E85A6}"/>
+              </a:ext>
+            </a:extLst>
+          </p:cNvPr>
+          <p:cNvSpPr>
+            <a:spLocks noGrp="1"/>
+          </p:cNvSpPr>
+          <p:nvPr>
+            <p:ph type="pic" sz="quarter" idx="22"/>
+          </p:nvPr>
+        </p:nvSpPr>
+        <p:spPr/>
+      </p:sp>
+      <p:sp>
+        <p:nvSpPr>
+          <p:cNvPr id="16" name="Espace réservé du contenu 15">
+            <a:extLst>
+              <a:ext uri="{FF2B5EF4-FFF2-40B4-BE49-F238E27FC236}">
+                <a16:creationId xmlns:a16="http://schemas.microsoft.com/office/drawing/2014/main" id="{CD269A2E-3407-401D-BD08-30DFB0021CE2}"/>
+              </a:ext>
+            </a:extLst>
+          </p:cNvPr>
+          <p:cNvSpPr>
+            <a:spLocks noGrp="1"/>
+          </p:cNvSpPr>
+          <p:nvPr>
+            <p:ph sz="quarter" idx="23"/>
+          </p:nvPr>
+        </p:nvSpPr>
+        <p:spPr/>
+        <p:txBody>
+          <a:bodyPr/>
+          <a:lstStyle/>
+          <a:p>
+            <a:endParaRPr lang="fr-FR"/>
           </a:p>
         </p:txBody>
       </p:sp>
     </p:spTree>
+    <p:extLst>
+      <p:ext uri="{BB962C8B-B14F-4D97-AF65-F5344CB8AC3E}">
+        <p14:creationId xmlns:p14="http://schemas.microsoft.com/office/powerpoint/2010/main" val="1360196176"/>
+      </p:ext>
+    </p:extLst>
+  </p:cSld>
+  <p:clrMapOvr>
+    <a:masterClrMapping/>
+  </p:clrMapOvr>
+</p:sld>
+</file>
+
+<file path=ppt/slides/slide15.xml><?xml version="1.0" encoding="utf-8"?>
+<p:sld xmlns:a="http://schemas.openxmlformats.org/drawingml/2006/main" xmlns:r="http://schemas.openxmlformats.org/officeDocument/2006/relationships" xmlns:p="http://schemas.openxmlformats.org/presentationml/2006/main">
+  <p:cSld>
+    <p:spTree>
+      <p:nvGrpSpPr>
+        <p:cNvPr id="1" name=""/>
+        <p:cNvGrpSpPr/>
+        <p:nvPr/>
+      </p:nvGrpSpPr>
+      <p:grpSpPr>
+        <a:xfrm>
+          <a:off x="0" y="0"/>
+          <a:ext cx="0" cy="0"/>
+          <a:chOff x="0" y="0"/>
+          <a:chExt cx="0" cy="0"/>
+        </a:xfrm>
+      </p:grpSpPr>
+      <p:sp>
+        <p:nvSpPr>
+          <p:cNvPr id="2" name="Espace réservé du numéro de diapositive 1">
+            <a:extLst>
+              <a:ext uri="{FF2B5EF4-FFF2-40B4-BE49-F238E27FC236}">
+                <a16:creationId xmlns:a16="http://schemas.microsoft.com/office/drawing/2014/main" id="{79A1D451-9480-4389-A6AB-A6EA3D2895CA}"/>
+              </a:ext>
+            </a:extLst>
+          </p:cNvPr>
+          <p:cNvSpPr>
+            <a:spLocks noGrp="1"/>
+          </p:cNvSpPr>
+          <p:nvPr>
+            <p:ph type="sldNum" sz="quarter" idx="12"/>
+          </p:nvPr>
+        </p:nvSpPr>
+        <p:spPr/>
+        <p:txBody>
+          <a:bodyPr/>
+          <a:lstStyle/>
+          <a:p>
+            <a:pPr marL="0" lvl="0" indent="0" algn="r" rtl="0">
+              <a:spcBef>
+                <a:spcPts val="0"/>
+              </a:spcBef>
+              <a:spcAft>
+                <a:spcPts val="0"/>
+              </a:spcAft>
+              <a:buNone/>
+            </a:pPr>
+            <a:fld id="{00000000-1234-1234-1234-123412341234}" type="slidenum">
+              <a:rPr lang="fr-FR" smtClean="0"/>
+              <a:t>15</a:t>
+            </a:fld>
+            <a:endParaRPr lang="fr-FR"/>
+          </a:p>
+        </p:txBody>
+      </p:sp>
+      <p:sp>
+        <p:nvSpPr>
+          <p:cNvPr id="3" name="Titre 2">
+            <a:extLst>
+              <a:ext uri="{FF2B5EF4-FFF2-40B4-BE49-F238E27FC236}">
+                <a16:creationId xmlns:a16="http://schemas.microsoft.com/office/drawing/2014/main" id="{81D6F3E1-988B-40F2-A0EA-B5A6FE0E37FF}"/>
+              </a:ext>
+            </a:extLst>
+          </p:cNvPr>
+          <p:cNvSpPr>
+            <a:spLocks noGrp="1"/>
+          </p:cNvSpPr>
+          <p:nvPr>
+            <p:ph type="title"/>
+          </p:nvPr>
+        </p:nvSpPr>
+        <p:spPr/>
+        <p:txBody>
+          <a:bodyPr/>
+          <a:lstStyle/>
+          <a:p>
+            <a:r>
+              <a:rPr lang="fr-FR" dirty="0"/>
+              <a:t>Structure tubulaire</a:t>
+            </a:r>
+          </a:p>
+        </p:txBody>
+      </p:sp>
+      <p:sp>
+        <p:nvSpPr>
+          <p:cNvPr id="4" name="Espace réservé du texte 3">
+            <a:extLst>
+              <a:ext uri="{FF2B5EF4-FFF2-40B4-BE49-F238E27FC236}">
+                <a16:creationId xmlns:a16="http://schemas.microsoft.com/office/drawing/2014/main" id="{849FFF0E-34AB-438D-B71A-21D158DBC3C9}"/>
+              </a:ext>
+            </a:extLst>
+          </p:cNvPr>
+          <p:cNvSpPr>
+            <a:spLocks noGrp="1"/>
+          </p:cNvSpPr>
+          <p:nvPr>
+            <p:ph type="body" sz="quarter" idx="4294967295"/>
+          </p:nvPr>
+        </p:nvSpPr>
+        <p:spPr>
+          <a:xfrm>
+            <a:off x="285097" y="1200289"/>
+            <a:ext cx="8617741" cy="486028"/>
+          </a:xfrm>
+        </p:spPr>
+        <p:txBody>
+          <a:bodyPr/>
+          <a:lstStyle/>
+          <a:p>
+            <a:endParaRPr lang="fr-FR" dirty="0"/>
+          </a:p>
+        </p:txBody>
+      </p:sp>
+      <p:sp>
+        <p:nvSpPr>
+          <p:cNvPr id="5" name="Espace réservé du texte 4">
+            <a:extLst>
+              <a:ext uri="{FF2B5EF4-FFF2-40B4-BE49-F238E27FC236}">
+                <a16:creationId xmlns:a16="http://schemas.microsoft.com/office/drawing/2014/main" id="{5946F14A-8456-4462-9553-9B32134D1C8E}"/>
+              </a:ext>
+            </a:extLst>
+          </p:cNvPr>
+          <p:cNvSpPr>
+            <a:spLocks noGrp="1"/>
+          </p:cNvSpPr>
+          <p:nvPr>
+            <p:ph type="body" sz="quarter" idx="4294967295"/>
+          </p:nvPr>
+        </p:nvSpPr>
+        <p:spPr>
+          <a:xfrm>
+            <a:off x="4400225" y="3132793"/>
+            <a:ext cx="4502613" cy="754911"/>
+          </a:xfrm>
+        </p:spPr>
+        <p:txBody>
+          <a:bodyPr/>
+          <a:lstStyle/>
+          <a:p>
+            <a:endParaRPr lang="fr-FR" dirty="0"/>
+          </a:p>
+        </p:txBody>
+      </p:sp>
+      <p:sp>
+        <p:nvSpPr>
+          <p:cNvPr id="6" name="Espace réservé du texte 5">
+            <a:extLst>
+              <a:ext uri="{FF2B5EF4-FFF2-40B4-BE49-F238E27FC236}">
+                <a16:creationId xmlns:a16="http://schemas.microsoft.com/office/drawing/2014/main" id="{D4249A5A-4925-4E5B-865C-25D0A38EA5B2}"/>
+              </a:ext>
+            </a:extLst>
+          </p:cNvPr>
+          <p:cNvSpPr>
+            <a:spLocks noGrp="1"/>
+          </p:cNvSpPr>
+          <p:nvPr>
+            <p:ph type="body" sz="quarter" idx="4294967295"/>
+          </p:nvPr>
+        </p:nvSpPr>
+        <p:spPr>
+          <a:xfrm>
+            <a:off x="285097" y="4225444"/>
+            <a:ext cx="8617743" cy="358810"/>
+          </a:xfrm>
+        </p:spPr>
+        <p:txBody>
+          <a:bodyPr>
+            <a:normAutofit lnSpcReduction="10000"/>
+          </a:bodyPr>
+          <a:lstStyle/>
+          <a:p>
+            <a:endParaRPr lang="fr-FR"/>
+          </a:p>
+        </p:txBody>
+      </p:sp>
+      <p:sp>
+        <p:nvSpPr>
+          <p:cNvPr id="7" name="Espace réservé du texte 6">
+            <a:extLst>
+              <a:ext uri="{FF2B5EF4-FFF2-40B4-BE49-F238E27FC236}">
+                <a16:creationId xmlns:a16="http://schemas.microsoft.com/office/drawing/2014/main" id="{4D805BD0-7B60-4162-B300-0D3C66CA7940}"/>
+              </a:ext>
+            </a:extLst>
+          </p:cNvPr>
+          <p:cNvSpPr>
+            <a:spLocks noGrp="1"/>
+          </p:cNvSpPr>
+          <p:nvPr>
+            <p:ph type="body" sz="quarter" idx="4294967295"/>
+          </p:nvPr>
+        </p:nvSpPr>
+        <p:spPr>
+          <a:xfrm>
+            <a:off x="285097" y="3132793"/>
+            <a:ext cx="3975617" cy="754911"/>
+          </a:xfrm>
+        </p:spPr>
+        <p:txBody>
+          <a:bodyPr/>
+          <a:lstStyle/>
+          <a:p>
+            <a:endParaRPr lang="fr-FR"/>
+          </a:p>
+        </p:txBody>
+      </p:sp>
+      <p:sp>
+        <p:nvSpPr>
+          <p:cNvPr id="8" name="Espace réservé du texte 7">
+            <a:extLst>
+              <a:ext uri="{FF2B5EF4-FFF2-40B4-BE49-F238E27FC236}">
+                <a16:creationId xmlns:a16="http://schemas.microsoft.com/office/drawing/2014/main" id="{2C84F380-8607-48C3-A293-E46F0D5DCB20}"/>
+              </a:ext>
+            </a:extLst>
+          </p:cNvPr>
+          <p:cNvSpPr>
+            <a:spLocks noGrp="1"/>
+          </p:cNvSpPr>
+          <p:nvPr>
+            <p:ph type="body" sz="quarter" idx="4294967295"/>
+          </p:nvPr>
+        </p:nvSpPr>
+        <p:spPr>
+          <a:xfrm>
+            <a:off x="285097" y="2055649"/>
+            <a:ext cx="8617741" cy="647669"/>
+          </a:xfrm>
+        </p:spPr>
+        <p:txBody>
+          <a:bodyPr/>
+          <a:lstStyle/>
+          <a:p>
+            <a:endParaRPr lang="fr-FR"/>
+          </a:p>
+        </p:txBody>
+      </p:sp>
+      <p:sp>
+        <p:nvSpPr>
+          <p:cNvPr id="9" name="Espace réservé pour une image  8">
+            <a:extLst>
+              <a:ext uri="{FF2B5EF4-FFF2-40B4-BE49-F238E27FC236}">
+                <a16:creationId xmlns:a16="http://schemas.microsoft.com/office/drawing/2014/main" id="{42C8D411-1E77-4E61-8516-25A3751687F8}"/>
+              </a:ext>
+            </a:extLst>
+          </p:cNvPr>
+          <p:cNvSpPr>
+            <a:spLocks noGrp="1"/>
+          </p:cNvSpPr>
+          <p:nvPr>
+            <p:ph type="pic" sz="quarter" idx="22"/>
+          </p:nvPr>
+        </p:nvSpPr>
+        <p:spPr/>
+      </p:sp>
+    </p:spTree>
+    <p:extLst>
+      <p:ext uri="{BB962C8B-B14F-4D97-AF65-F5344CB8AC3E}">
+        <p14:creationId xmlns:p14="http://schemas.microsoft.com/office/powerpoint/2010/main" val="436303123"/>
+      </p:ext>
+    </p:extLst>
+  </p:cSld>
+  <p:clrMapOvr>
+    <a:masterClrMapping/>
+  </p:clrMapOvr>
+</p:sld>
+</file>
+
+<file path=ppt/slides/slide16.xml><?xml version="1.0" encoding="utf-8"?>
+<p:sld xmlns:a="http://schemas.openxmlformats.org/drawingml/2006/main" xmlns:r="http://schemas.openxmlformats.org/officeDocument/2006/relationships" xmlns:p="http://schemas.openxmlformats.org/presentationml/2006/main">
+  <p:cSld>
+    <p:spTree>
+      <p:nvGrpSpPr>
+        <p:cNvPr id="1" name=""/>
+        <p:cNvGrpSpPr/>
+        <p:nvPr/>
+      </p:nvGrpSpPr>
+      <p:grpSpPr>
+        <a:xfrm>
+          <a:off x="0" y="0"/>
+          <a:ext cx="0" cy="0"/>
+          <a:chOff x="0" y="0"/>
+          <a:chExt cx="0" cy="0"/>
+        </a:xfrm>
+      </p:grpSpPr>
+      <p:sp>
+        <p:nvSpPr>
+          <p:cNvPr id="2" name="Espace réservé du numéro de diapositive 1">
+            <a:extLst>
+              <a:ext uri="{FF2B5EF4-FFF2-40B4-BE49-F238E27FC236}">
+                <a16:creationId xmlns:a16="http://schemas.microsoft.com/office/drawing/2014/main" id="{17B75413-BE72-4AD4-8648-D8893D6EC364}"/>
+              </a:ext>
+            </a:extLst>
+          </p:cNvPr>
+          <p:cNvSpPr>
+            <a:spLocks noGrp="1"/>
+          </p:cNvSpPr>
+          <p:nvPr>
+            <p:ph type="sldNum" sz="quarter" idx="12"/>
+          </p:nvPr>
+        </p:nvSpPr>
+        <p:spPr/>
+        <p:txBody>
+          <a:bodyPr/>
+          <a:lstStyle/>
+          <a:p>
+            <a:pPr marL="0" lvl="0" indent="0" algn="r" rtl="0">
+              <a:spcBef>
+                <a:spcPts val="0"/>
+              </a:spcBef>
+              <a:spcAft>
+                <a:spcPts val="0"/>
+              </a:spcAft>
+              <a:buNone/>
+            </a:pPr>
+            <a:fld id="{00000000-1234-1234-1234-123412341234}" type="slidenum">
+              <a:rPr lang="fr-FR" smtClean="0"/>
+              <a:t>16</a:t>
+            </a:fld>
+            <a:endParaRPr lang="fr-FR"/>
+          </a:p>
+        </p:txBody>
+      </p:sp>
+      <p:sp>
+        <p:nvSpPr>
+          <p:cNvPr id="11" name="Titre 10">
+            <a:extLst>
+              <a:ext uri="{FF2B5EF4-FFF2-40B4-BE49-F238E27FC236}">
+                <a16:creationId xmlns:a16="http://schemas.microsoft.com/office/drawing/2014/main" id="{232AF1A9-8B2B-4602-88D0-2575AF5ED1C9}"/>
+              </a:ext>
+            </a:extLst>
+          </p:cNvPr>
+          <p:cNvSpPr>
+            <a:spLocks noGrp="1"/>
+          </p:cNvSpPr>
+          <p:nvPr>
+            <p:ph type="title"/>
+          </p:nvPr>
+        </p:nvSpPr>
+        <p:spPr/>
+        <p:txBody>
+          <a:bodyPr/>
+          <a:lstStyle/>
+          <a:p>
+            <a:r>
+              <a:rPr lang="fr-FR" dirty="0"/>
+              <a:t>Structure tubulaire</a:t>
+            </a:r>
+          </a:p>
+        </p:txBody>
+      </p:sp>
+      <p:sp>
+        <p:nvSpPr>
+          <p:cNvPr id="12" name="Espace réservé pour une image  11">
+            <a:extLst>
+              <a:ext uri="{FF2B5EF4-FFF2-40B4-BE49-F238E27FC236}">
+                <a16:creationId xmlns:a16="http://schemas.microsoft.com/office/drawing/2014/main" id="{AC13E661-84F9-45F5-87A8-DBCC74CAB8A8}"/>
+              </a:ext>
+            </a:extLst>
+          </p:cNvPr>
+          <p:cNvSpPr>
+            <a:spLocks noGrp="1"/>
+          </p:cNvSpPr>
+          <p:nvPr>
+            <p:ph type="pic" sz="quarter" idx="22"/>
+          </p:nvPr>
+        </p:nvSpPr>
+        <p:spPr/>
+      </p:sp>
+      <p:sp>
+        <p:nvSpPr>
+          <p:cNvPr id="13" name="Espace réservé du contenu 12">
+            <a:extLst>
+              <a:ext uri="{FF2B5EF4-FFF2-40B4-BE49-F238E27FC236}">
+                <a16:creationId xmlns:a16="http://schemas.microsoft.com/office/drawing/2014/main" id="{8E76C3A6-1447-437E-A9DD-77861ABAF23D}"/>
+              </a:ext>
+            </a:extLst>
+          </p:cNvPr>
+          <p:cNvSpPr>
+            <a:spLocks noGrp="1"/>
+          </p:cNvSpPr>
+          <p:nvPr>
+            <p:ph sz="quarter" idx="23"/>
+          </p:nvPr>
+        </p:nvSpPr>
+        <p:spPr/>
+        <p:txBody>
+          <a:bodyPr/>
+          <a:lstStyle/>
+          <a:p>
+            <a:endParaRPr lang="fr-FR"/>
+          </a:p>
+        </p:txBody>
+      </p:sp>
+    </p:spTree>
+    <p:extLst>
+      <p:ext uri="{BB962C8B-B14F-4D97-AF65-F5344CB8AC3E}">
+        <p14:creationId xmlns:p14="http://schemas.microsoft.com/office/powerpoint/2010/main" val="468418183"/>
+      </p:ext>
+    </p:extLst>
+  </p:cSld>
+  <p:clrMapOvr>
+    <a:masterClrMapping/>
+  </p:clrMapOvr>
+</p:sld>
+</file>
+
+<file path=ppt/slides/slide17.xml><?xml version="1.0" encoding="utf-8"?>
+<p:sld xmlns:a="http://schemas.openxmlformats.org/drawingml/2006/main" xmlns:r="http://schemas.openxmlformats.org/officeDocument/2006/relationships" xmlns:p="http://schemas.openxmlformats.org/presentationml/2006/main">
+  <p:cSld>
+    <p:spTree>
+      <p:nvGrpSpPr>
+        <p:cNvPr id="1" name=""/>
+        <p:cNvGrpSpPr/>
+        <p:nvPr/>
+      </p:nvGrpSpPr>
+      <p:grpSpPr>
+        <a:xfrm>
+          <a:off x="0" y="0"/>
+          <a:ext cx="0" cy="0"/>
+          <a:chOff x="0" y="0"/>
+          <a:chExt cx="0" cy="0"/>
+        </a:xfrm>
+      </p:grpSpPr>
+      <p:sp>
+        <p:nvSpPr>
+          <p:cNvPr id="2" name="Espace réservé du numéro de diapositive 1">
+            <a:extLst>
+              <a:ext uri="{FF2B5EF4-FFF2-40B4-BE49-F238E27FC236}">
+                <a16:creationId xmlns:a16="http://schemas.microsoft.com/office/drawing/2014/main" id="{79A1D451-9480-4389-A6AB-A6EA3D2895CA}"/>
+              </a:ext>
+            </a:extLst>
+          </p:cNvPr>
+          <p:cNvSpPr>
+            <a:spLocks noGrp="1"/>
+          </p:cNvSpPr>
+          <p:nvPr>
+            <p:ph type="sldNum" sz="quarter" idx="12"/>
+          </p:nvPr>
+        </p:nvSpPr>
+        <p:spPr/>
+        <p:txBody>
+          <a:bodyPr/>
+          <a:lstStyle/>
+          <a:p>
+            <a:pPr marL="0" lvl="0" indent="0" algn="r" rtl="0">
+              <a:spcBef>
+                <a:spcPts val="0"/>
+              </a:spcBef>
+              <a:spcAft>
+                <a:spcPts val="0"/>
+              </a:spcAft>
+              <a:buNone/>
+            </a:pPr>
+            <a:fld id="{00000000-1234-1234-1234-123412341234}" type="slidenum">
+              <a:rPr lang="fr-FR" smtClean="0"/>
+              <a:t>17</a:t>
+            </a:fld>
+            <a:endParaRPr lang="fr-FR"/>
+          </a:p>
+        </p:txBody>
+      </p:sp>
+      <p:sp>
+        <p:nvSpPr>
+          <p:cNvPr id="3" name="Titre 2">
+            <a:extLst>
+              <a:ext uri="{FF2B5EF4-FFF2-40B4-BE49-F238E27FC236}">
+                <a16:creationId xmlns:a16="http://schemas.microsoft.com/office/drawing/2014/main" id="{81D6F3E1-988B-40F2-A0EA-B5A6FE0E37FF}"/>
+              </a:ext>
+            </a:extLst>
+          </p:cNvPr>
+          <p:cNvSpPr>
+            <a:spLocks noGrp="1"/>
+          </p:cNvSpPr>
+          <p:nvPr>
+            <p:ph type="title"/>
+          </p:nvPr>
+        </p:nvSpPr>
+        <p:spPr/>
+        <p:txBody>
+          <a:bodyPr/>
+          <a:lstStyle/>
+          <a:p>
+            <a:r>
+              <a:rPr lang="fr-FR" dirty="0"/>
+              <a:t>Ergonomie</a:t>
+            </a:r>
+          </a:p>
+        </p:txBody>
+      </p:sp>
+      <p:sp>
+        <p:nvSpPr>
+          <p:cNvPr id="4" name="Espace réservé du texte 3">
+            <a:extLst>
+              <a:ext uri="{FF2B5EF4-FFF2-40B4-BE49-F238E27FC236}">
+                <a16:creationId xmlns:a16="http://schemas.microsoft.com/office/drawing/2014/main" id="{849FFF0E-34AB-438D-B71A-21D158DBC3C9}"/>
+              </a:ext>
+            </a:extLst>
+          </p:cNvPr>
+          <p:cNvSpPr>
+            <a:spLocks noGrp="1"/>
+          </p:cNvSpPr>
+          <p:nvPr>
+            <p:ph type="body" sz="quarter" idx="4294967295"/>
+          </p:nvPr>
+        </p:nvSpPr>
+        <p:spPr>
+          <a:xfrm>
+            <a:off x="285097" y="1200289"/>
+            <a:ext cx="8617741" cy="486028"/>
+          </a:xfrm>
+        </p:spPr>
+        <p:txBody>
+          <a:bodyPr/>
+          <a:lstStyle/>
+          <a:p>
+            <a:endParaRPr lang="fr-FR" dirty="0"/>
+          </a:p>
+        </p:txBody>
+      </p:sp>
+      <p:sp>
+        <p:nvSpPr>
+          <p:cNvPr id="5" name="Espace réservé du texte 4">
+            <a:extLst>
+              <a:ext uri="{FF2B5EF4-FFF2-40B4-BE49-F238E27FC236}">
+                <a16:creationId xmlns:a16="http://schemas.microsoft.com/office/drawing/2014/main" id="{5946F14A-8456-4462-9553-9B32134D1C8E}"/>
+              </a:ext>
+            </a:extLst>
+          </p:cNvPr>
+          <p:cNvSpPr>
+            <a:spLocks noGrp="1"/>
+          </p:cNvSpPr>
+          <p:nvPr>
+            <p:ph type="body" sz="quarter" idx="4294967295"/>
+          </p:nvPr>
+        </p:nvSpPr>
+        <p:spPr>
+          <a:xfrm>
+            <a:off x="4400225" y="3132793"/>
+            <a:ext cx="4502613" cy="754911"/>
+          </a:xfrm>
+        </p:spPr>
+        <p:txBody>
+          <a:bodyPr/>
+          <a:lstStyle/>
+          <a:p>
+            <a:endParaRPr lang="fr-FR" dirty="0"/>
+          </a:p>
+        </p:txBody>
+      </p:sp>
+      <p:sp>
+        <p:nvSpPr>
+          <p:cNvPr id="6" name="Espace réservé du texte 5">
+            <a:extLst>
+              <a:ext uri="{FF2B5EF4-FFF2-40B4-BE49-F238E27FC236}">
+                <a16:creationId xmlns:a16="http://schemas.microsoft.com/office/drawing/2014/main" id="{D4249A5A-4925-4E5B-865C-25D0A38EA5B2}"/>
+              </a:ext>
+            </a:extLst>
+          </p:cNvPr>
+          <p:cNvSpPr>
+            <a:spLocks noGrp="1"/>
+          </p:cNvSpPr>
+          <p:nvPr>
+            <p:ph type="body" sz="quarter" idx="4294967295"/>
+          </p:nvPr>
+        </p:nvSpPr>
+        <p:spPr>
+          <a:xfrm>
+            <a:off x="285097" y="4225444"/>
+            <a:ext cx="8617743" cy="358810"/>
+          </a:xfrm>
+        </p:spPr>
+        <p:txBody>
+          <a:bodyPr>
+            <a:normAutofit lnSpcReduction="10000"/>
+          </a:bodyPr>
+          <a:lstStyle/>
+          <a:p>
+            <a:endParaRPr lang="fr-FR"/>
+          </a:p>
+        </p:txBody>
+      </p:sp>
+      <p:sp>
+        <p:nvSpPr>
+          <p:cNvPr id="7" name="Espace réservé du texte 6">
+            <a:extLst>
+              <a:ext uri="{FF2B5EF4-FFF2-40B4-BE49-F238E27FC236}">
+                <a16:creationId xmlns:a16="http://schemas.microsoft.com/office/drawing/2014/main" id="{4D805BD0-7B60-4162-B300-0D3C66CA7940}"/>
+              </a:ext>
+            </a:extLst>
+          </p:cNvPr>
+          <p:cNvSpPr>
+            <a:spLocks noGrp="1"/>
+          </p:cNvSpPr>
+          <p:nvPr>
+            <p:ph type="body" sz="quarter" idx="4294967295"/>
+          </p:nvPr>
+        </p:nvSpPr>
+        <p:spPr>
+          <a:xfrm>
+            <a:off x="285097" y="3132793"/>
+            <a:ext cx="3975617" cy="754911"/>
+          </a:xfrm>
+        </p:spPr>
+        <p:txBody>
+          <a:bodyPr/>
+          <a:lstStyle/>
+          <a:p>
+            <a:endParaRPr lang="fr-FR"/>
+          </a:p>
+        </p:txBody>
+      </p:sp>
+      <p:sp>
+        <p:nvSpPr>
+          <p:cNvPr id="8" name="Espace réservé du texte 7">
+            <a:extLst>
+              <a:ext uri="{FF2B5EF4-FFF2-40B4-BE49-F238E27FC236}">
+                <a16:creationId xmlns:a16="http://schemas.microsoft.com/office/drawing/2014/main" id="{2C84F380-8607-48C3-A293-E46F0D5DCB20}"/>
+              </a:ext>
+            </a:extLst>
+          </p:cNvPr>
+          <p:cNvSpPr>
+            <a:spLocks noGrp="1"/>
+          </p:cNvSpPr>
+          <p:nvPr>
+            <p:ph type="body" sz="quarter" idx="4294967295"/>
+          </p:nvPr>
+        </p:nvSpPr>
+        <p:spPr>
+          <a:xfrm>
+            <a:off x="285097" y="2055649"/>
+            <a:ext cx="8617741" cy="647669"/>
+          </a:xfrm>
+        </p:spPr>
+        <p:txBody>
+          <a:bodyPr/>
+          <a:lstStyle/>
+          <a:p>
+            <a:endParaRPr lang="fr-FR"/>
+          </a:p>
+        </p:txBody>
+      </p:sp>
+      <p:sp>
+        <p:nvSpPr>
+          <p:cNvPr id="9" name="Espace réservé pour une image  8">
+            <a:extLst>
+              <a:ext uri="{FF2B5EF4-FFF2-40B4-BE49-F238E27FC236}">
+                <a16:creationId xmlns:a16="http://schemas.microsoft.com/office/drawing/2014/main" id="{42C8D411-1E77-4E61-8516-25A3751687F8}"/>
+              </a:ext>
+            </a:extLst>
+          </p:cNvPr>
+          <p:cNvSpPr>
+            <a:spLocks noGrp="1"/>
+          </p:cNvSpPr>
+          <p:nvPr>
+            <p:ph type="pic" sz="quarter" idx="22"/>
+          </p:nvPr>
+        </p:nvSpPr>
+        <p:spPr/>
+      </p:sp>
+    </p:spTree>
+    <p:extLst>
+      <p:ext uri="{BB962C8B-B14F-4D97-AF65-F5344CB8AC3E}">
+        <p14:creationId xmlns:p14="http://schemas.microsoft.com/office/powerpoint/2010/main" val="3733333592"/>
+      </p:ext>
+    </p:extLst>
+  </p:cSld>
+  <p:clrMapOvr>
+    <a:masterClrMapping/>
+  </p:clrMapOvr>
+</p:sld>
+</file>
+
+<file path=ppt/slides/slide18.xml><?xml version="1.0" encoding="utf-8"?>
+<p:sld xmlns:a="http://schemas.openxmlformats.org/drawingml/2006/main" xmlns:r="http://schemas.openxmlformats.org/officeDocument/2006/relationships" xmlns:p="http://schemas.openxmlformats.org/presentationml/2006/main">
+  <p:cSld>
+    <p:spTree>
+      <p:nvGrpSpPr>
+        <p:cNvPr id="1" name=""/>
+        <p:cNvGrpSpPr/>
+        <p:nvPr/>
+      </p:nvGrpSpPr>
+      <p:grpSpPr>
+        <a:xfrm>
+          <a:off x="0" y="0"/>
+          <a:ext cx="0" cy="0"/>
+          <a:chOff x="0" y="0"/>
+          <a:chExt cx="0" cy="0"/>
+        </a:xfrm>
+      </p:grpSpPr>
+      <p:sp>
+        <p:nvSpPr>
+          <p:cNvPr id="2" name="Espace réservé du numéro de diapositive 1">
+            <a:extLst>
+              <a:ext uri="{FF2B5EF4-FFF2-40B4-BE49-F238E27FC236}">
+                <a16:creationId xmlns:a16="http://schemas.microsoft.com/office/drawing/2014/main" id="{17B75413-BE72-4AD4-8648-D8893D6EC364}"/>
+              </a:ext>
+            </a:extLst>
+          </p:cNvPr>
+          <p:cNvSpPr>
+            <a:spLocks noGrp="1"/>
+          </p:cNvSpPr>
+          <p:nvPr>
+            <p:ph type="sldNum" sz="quarter" idx="12"/>
+          </p:nvPr>
+        </p:nvSpPr>
+        <p:spPr/>
+        <p:txBody>
+          <a:bodyPr/>
+          <a:lstStyle/>
+          <a:p>
+            <a:pPr marL="0" lvl="0" indent="0" algn="r" rtl="0">
+              <a:spcBef>
+                <a:spcPts val="0"/>
+              </a:spcBef>
+              <a:spcAft>
+                <a:spcPts val="0"/>
+              </a:spcAft>
+              <a:buNone/>
+            </a:pPr>
+            <a:fld id="{00000000-1234-1234-1234-123412341234}" type="slidenum">
+              <a:rPr lang="fr-FR" smtClean="0"/>
+              <a:t>18</a:t>
+            </a:fld>
+            <a:endParaRPr lang="fr-FR"/>
+          </a:p>
+        </p:txBody>
+      </p:sp>
+      <p:sp>
+        <p:nvSpPr>
+          <p:cNvPr id="11" name="Titre 10">
+            <a:extLst>
+              <a:ext uri="{FF2B5EF4-FFF2-40B4-BE49-F238E27FC236}">
+                <a16:creationId xmlns:a16="http://schemas.microsoft.com/office/drawing/2014/main" id="{232AF1A9-8B2B-4602-88D0-2575AF5ED1C9}"/>
+              </a:ext>
+            </a:extLst>
+          </p:cNvPr>
+          <p:cNvSpPr>
+            <a:spLocks noGrp="1"/>
+          </p:cNvSpPr>
+          <p:nvPr>
+            <p:ph type="title"/>
+          </p:nvPr>
+        </p:nvSpPr>
+        <p:spPr/>
+        <p:txBody>
+          <a:bodyPr/>
+          <a:lstStyle/>
+          <a:p>
+            <a:r>
+              <a:rPr lang="fr-FR" dirty="0"/>
+              <a:t>Ergonomie</a:t>
+            </a:r>
+          </a:p>
+        </p:txBody>
+      </p:sp>
+      <p:sp>
+        <p:nvSpPr>
+          <p:cNvPr id="12" name="Espace réservé pour une image  11">
+            <a:extLst>
+              <a:ext uri="{FF2B5EF4-FFF2-40B4-BE49-F238E27FC236}">
+                <a16:creationId xmlns:a16="http://schemas.microsoft.com/office/drawing/2014/main" id="{AC13E661-84F9-45F5-87A8-DBCC74CAB8A8}"/>
+              </a:ext>
+            </a:extLst>
+          </p:cNvPr>
+          <p:cNvSpPr>
+            <a:spLocks noGrp="1"/>
+          </p:cNvSpPr>
+          <p:nvPr>
+            <p:ph type="pic" sz="quarter" idx="22"/>
+          </p:nvPr>
+        </p:nvSpPr>
+        <p:spPr/>
+      </p:sp>
+      <p:sp>
+        <p:nvSpPr>
+          <p:cNvPr id="13" name="Espace réservé du contenu 12">
+            <a:extLst>
+              <a:ext uri="{FF2B5EF4-FFF2-40B4-BE49-F238E27FC236}">
+                <a16:creationId xmlns:a16="http://schemas.microsoft.com/office/drawing/2014/main" id="{8E76C3A6-1447-437E-A9DD-77861ABAF23D}"/>
+              </a:ext>
+            </a:extLst>
+          </p:cNvPr>
+          <p:cNvSpPr>
+            <a:spLocks noGrp="1"/>
+          </p:cNvSpPr>
+          <p:nvPr>
+            <p:ph sz="quarter" idx="23"/>
+          </p:nvPr>
+        </p:nvSpPr>
+        <p:spPr/>
+        <p:txBody>
+          <a:bodyPr/>
+          <a:lstStyle/>
+          <a:p>
+            <a:endParaRPr lang="fr-FR"/>
+          </a:p>
+        </p:txBody>
+      </p:sp>
+    </p:spTree>
+    <p:extLst>
+      <p:ext uri="{BB962C8B-B14F-4D97-AF65-F5344CB8AC3E}">
+        <p14:creationId xmlns:p14="http://schemas.microsoft.com/office/powerpoint/2010/main" val="326278749"/>
+      </p:ext>
+    </p:extLst>
+  </p:cSld>
+  <p:clrMapOvr>
+    <a:masterClrMapping/>
+  </p:clrMapOvr>
+</p:sld>
+</file>
+
+<file path=ppt/slides/slide19.xml><?xml version="1.0" encoding="utf-8"?>
+<p:sld xmlns:a="http://schemas.openxmlformats.org/drawingml/2006/main" xmlns:r="http://schemas.openxmlformats.org/officeDocument/2006/relationships" xmlns:p="http://schemas.openxmlformats.org/presentationml/2006/main">
+  <p:cSld>
+    <p:spTree>
+      <p:nvGrpSpPr>
+        <p:cNvPr id="1" name=""/>
+        <p:cNvGrpSpPr/>
+        <p:nvPr/>
+      </p:nvGrpSpPr>
+      <p:grpSpPr>
+        <a:xfrm>
+          <a:off x="0" y="0"/>
+          <a:ext cx="0" cy="0"/>
+          <a:chOff x="0" y="0"/>
+          <a:chExt cx="0" cy="0"/>
+        </a:xfrm>
+      </p:grpSpPr>
+      <p:sp>
+        <p:nvSpPr>
+          <p:cNvPr id="2" name="Espace réservé du numéro de diapositive 1">
+            <a:extLst>
+              <a:ext uri="{FF2B5EF4-FFF2-40B4-BE49-F238E27FC236}">
+                <a16:creationId xmlns:a16="http://schemas.microsoft.com/office/drawing/2014/main" id="{79A1D451-9480-4389-A6AB-A6EA3D2895CA}"/>
+              </a:ext>
+            </a:extLst>
+          </p:cNvPr>
+          <p:cNvSpPr>
+            <a:spLocks noGrp="1"/>
+          </p:cNvSpPr>
+          <p:nvPr>
+            <p:ph type="sldNum" sz="quarter" idx="12"/>
+          </p:nvPr>
+        </p:nvSpPr>
+        <p:spPr/>
+        <p:txBody>
+          <a:bodyPr/>
+          <a:lstStyle/>
+          <a:p>
+            <a:pPr marL="0" lvl="0" indent="0" algn="r" rtl="0">
+              <a:spcBef>
+                <a:spcPts val="0"/>
+              </a:spcBef>
+              <a:spcAft>
+                <a:spcPts val="0"/>
+              </a:spcAft>
+              <a:buNone/>
+            </a:pPr>
+            <a:fld id="{00000000-1234-1234-1234-123412341234}" type="slidenum">
+              <a:rPr lang="fr-FR" smtClean="0"/>
+              <a:t>19</a:t>
+            </a:fld>
+            <a:endParaRPr lang="fr-FR"/>
+          </a:p>
+        </p:txBody>
+      </p:sp>
+      <p:sp>
+        <p:nvSpPr>
+          <p:cNvPr id="3" name="Titre 2">
+            <a:extLst>
+              <a:ext uri="{FF2B5EF4-FFF2-40B4-BE49-F238E27FC236}">
+                <a16:creationId xmlns:a16="http://schemas.microsoft.com/office/drawing/2014/main" id="{81D6F3E1-988B-40F2-A0EA-B5A6FE0E37FF}"/>
+              </a:ext>
+            </a:extLst>
+          </p:cNvPr>
+          <p:cNvSpPr>
+            <a:spLocks noGrp="1"/>
+          </p:cNvSpPr>
+          <p:nvPr>
+            <p:ph type="title"/>
+          </p:nvPr>
+        </p:nvSpPr>
+        <p:spPr/>
+        <p:txBody>
+          <a:bodyPr/>
+          <a:lstStyle/>
+          <a:p>
+            <a:r>
+              <a:rPr lang="fr-FR" dirty="0"/>
+              <a:t>Pédalier</a:t>
+            </a:r>
+          </a:p>
+        </p:txBody>
+      </p:sp>
+      <p:sp>
+        <p:nvSpPr>
+          <p:cNvPr id="4" name="Espace réservé du texte 3">
+            <a:extLst>
+              <a:ext uri="{FF2B5EF4-FFF2-40B4-BE49-F238E27FC236}">
+                <a16:creationId xmlns:a16="http://schemas.microsoft.com/office/drawing/2014/main" id="{849FFF0E-34AB-438D-B71A-21D158DBC3C9}"/>
+              </a:ext>
+            </a:extLst>
+          </p:cNvPr>
+          <p:cNvSpPr>
+            <a:spLocks noGrp="1"/>
+          </p:cNvSpPr>
+          <p:nvPr>
+            <p:ph type="body" sz="quarter" idx="4294967295"/>
+          </p:nvPr>
+        </p:nvSpPr>
+        <p:spPr>
+          <a:xfrm>
+            <a:off x="285097" y="1200289"/>
+            <a:ext cx="8617741" cy="486028"/>
+          </a:xfrm>
+        </p:spPr>
+        <p:txBody>
+          <a:bodyPr/>
+          <a:lstStyle/>
+          <a:p>
+            <a:endParaRPr lang="fr-FR" dirty="0"/>
+          </a:p>
+        </p:txBody>
+      </p:sp>
+      <p:sp>
+        <p:nvSpPr>
+          <p:cNvPr id="5" name="Espace réservé du texte 4">
+            <a:extLst>
+              <a:ext uri="{FF2B5EF4-FFF2-40B4-BE49-F238E27FC236}">
+                <a16:creationId xmlns:a16="http://schemas.microsoft.com/office/drawing/2014/main" id="{5946F14A-8456-4462-9553-9B32134D1C8E}"/>
+              </a:ext>
+            </a:extLst>
+          </p:cNvPr>
+          <p:cNvSpPr>
+            <a:spLocks noGrp="1"/>
+          </p:cNvSpPr>
+          <p:nvPr>
+            <p:ph type="body" sz="quarter" idx="4294967295"/>
+          </p:nvPr>
+        </p:nvSpPr>
+        <p:spPr>
+          <a:xfrm>
+            <a:off x="4400225" y="3132793"/>
+            <a:ext cx="4502613" cy="754911"/>
+          </a:xfrm>
+        </p:spPr>
+        <p:txBody>
+          <a:bodyPr/>
+          <a:lstStyle/>
+          <a:p>
+            <a:endParaRPr lang="fr-FR" dirty="0"/>
+          </a:p>
+        </p:txBody>
+      </p:sp>
+      <p:sp>
+        <p:nvSpPr>
+          <p:cNvPr id="6" name="Espace réservé du texte 5">
+            <a:extLst>
+              <a:ext uri="{FF2B5EF4-FFF2-40B4-BE49-F238E27FC236}">
+                <a16:creationId xmlns:a16="http://schemas.microsoft.com/office/drawing/2014/main" id="{D4249A5A-4925-4E5B-865C-25D0A38EA5B2}"/>
+              </a:ext>
+            </a:extLst>
+          </p:cNvPr>
+          <p:cNvSpPr>
+            <a:spLocks noGrp="1"/>
+          </p:cNvSpPr>
+          <p:nvPr>
+            <p:ph type="body" sz="quarter" idx="4294967295"/>
+          </p:nvPr>
+        </p:nvSpPr>
+        <p:spPr>
+          <a:xfrm>
+            <a:off x="285097" y="4225444"/>
+            <a:ext cx="8617743" cy="358810"/>
+          </a:xfrm>
+        </p:spPr>
+        <p:txBody>
+          <a:bodyPr>
+            <a:normAutofit lnSpcReduction="10000"/>
+          </a:bodyPr>
+          <a:lstStyle/>
+          <a:p>
+            <a:endParaRPr lang="fr-FR"/>
+          </a:p>
+        </p:txBody>
+      </p:sp>
+      <p:sp>
+        <p:nvSpPr>
+          <p:cNvPr id="7" name="Espace réservé du texte 6">
+            <a:extLst>
+              <a:ext uri="{FF2B5EF4-FFF2-40B4-BE49-F238E27FC236}">
+                <a16:creationId xmlns:a16="http://schemas.microsoft.com/office/drawing/2014/main" id="{4D805BD0-7B60-4162-B300-0D3C66CA7940}"/>
+              </a:ext>
+            </a:extLst>
+          </p:cNvPr>
+          <p:cNvSpPr>
+            <a:spLocks noGrp="1"/>
+          </p:cNvSpPr>
+          <p:nvPr>
+            <p:ph type="body" sz="quarter" idx="4294967295"/>
+          </p:nvPr>
+        </p:nvSpPr>
+        <p:spPr>
+          <a:xfrm>
+            <a:off x="285097" y="3132793"/>
+            <a:ext cx="3975617" cy="754911"/>
+          </a:xfrm>
+        </p:spPr>
+        <p:txBody>
+          <a:bodyPr/>
+          <a:lstStyle/>
+          <a:p>
+            <a:endParaRPr lang="fr-FR"/>
+          </a:p>
+        </p:txBody>
+      </p:sp>
+      <p:sp>
+        <p:nvSpPr>
+          <p:cNvPr id="8" name="Espace réservé du texte 7">
+            <a:extLst>
+              <a:ext uri="{FF2B5EF4-FFF2-40B4-BE49-F238E27FC236}">
+                <a16:creationId xmlns:a16="http://schemas.microsoft.com/office/drawing/2014/main" id="{2C84F380-8607-48C3-A293-E46F0D5DCB20}"/>
+              </a:ext>
+            </a:extLst>
+          </p:cNvPr>
+          <p:cNvSpPr>
+            <a:spLocks noGrp="1"/>
+          </p:cNvSpPr>
+          <p:nvPr>
+            <p:ph type="body" sz="quarter" idx="4294967295"/>
+          </p:nvPr>
+        </p:nvSpPr>
+        <p:spPr>
+          <a:xfrm>
+            <a:off x="285097" y="2055649"/>
+            <a:ext cx="8617741" cy="647669"/>
+          </a:xfrm>
+        </p:spPr>
+        <p:txBody>
+          <a:bodyPr/>
+          <a:lstStyle/>
+          <a:p>
+            <a:endParaRPr lang="fr-FR"/>
+          </a:p>
+        </p:txBody>
+      </p:sp>
+      <p:sp>
+        <p:nvSpPr>
+          <p:cNvPr id="9" name="Espace réservé pour une image  8">
+            <a:extLst>
+              <a:ext uri="{FF2B5EF4-FFF2-40B4-BE49-F238E27FC236}">
+                <a16:creationId xmlns:a16="http://schemas.microsoft.com/office/drawing/2014/main" id="{42C8D411-1E77-4E61-8516-25A3751687F8}"/>
+              </a:ext>
+            </a:extLst>
+          </p:cNvPr>
+          <p:cNvSpPr>
+            <a:spLocks noGrp="1"/>
+          </p:cNvSpPr>
+          <p:nvPr>
+            <p:ph type="pic" sz="quarter" idx="22"/>
+          </p:nvPr>
+        </p:nvSpPr>
+        <p:spPr/>
+      </p:sp>
+    </p:spTree>
+    <p:extLst>
+      <p:ext uri="{BB962C8B-B14F-4D97-AF65-F5344CB8AC3E}">
+        <p14:creationId xmlns:p14="http://schemas.microsoft.com/office/powerpoint/2010/main" val="2676203775"/>
+      </p:ext>
+    </p:extLst>
   </p:cSld>
   <p:clrMapOvr>
     <a:masterClrMapping/>
@@ -20760,7 +21867,7 @@
         <p:spPr>
           <a:xfrm>
             <a:off x="628650" y="759618"/>
-            <a:ext cx="7886700" cy="3684278"/>
+            <a:ext cx="3943350" cy="3684278"/>
           </a:xfrm>
           <a:prstGeom prst="rect">
             <a:avLst/>
@@ -20833,7 +21940,7 @@
                   <a:schemeClr val="dk1"/>
                 </a:solidFill>
               </a:rPr>
-              <a:t>Points LAS - Lotus</a:t>
+              <a:t>Points LAS</a:t>
             </a:r>
           </a:p>
           <a:p>
@@ -20859,21 +21966,8 @@
                   <a:schemeClr val="dk1"/>
                 </a:solidFill>
               </a:rPr>
-              <a:t>Résultats </a:t>
-            </a:r>
-            <a:r>
-              <a:rPr lang="fr-FR" sz="1100" dirty="0" err="1">
-                <a:solidFill>
-                  <a:schemeClr val="dk1"/>
-                </a:solidFill>
-              </a:rPr>
-              <a:t>MECAmaster</a:t>
-            </a:r>
-            <a:endParaRPr lang="fr-FR" sz="1100" dirty="0">
-              <a:solidFill>
-                <a:schemeClr val="dk1"/>
-              </a:solidFill>
-            </a:endParaRPr>
+              <a:t>Triangle</a:t>
+            </a:r>
           </a:p>
           <a:p>
             <a:pPr marL="914400" lvl="1" indent="-298450" algn="l" rtl="0">
@@ -20926,11 +22020,6 @@
               </a:rPr>
               <a:t>Barre anti-roulis</a:t>
             </a:r>
-            <a:endParaRPr sz="1100" dirty="0">
-              <a:solidFill>
-                <a:schemeClr val="dk1"/>
-              </a:solidFill>
-            </a:endParaRPr>
           </a:p>
           <a:p>
             <a:pPr marL="914400" lvl="1" indent="-298450" algn="l" rtl="0">
@@ -20955,6 +22044,37 @@
                   <a:schemeClr val="dk1"/>
                 </a:solidFill>
               </a:rPr>
+              <a:t>Roue équipée</a:t>
+            </a:r>
+            <a:endParaRPr sz="1100" dirty="0">
+              <a:solidFill>
+                <a:schemeClr val="dk1"/>
+              </a:solidFill>
+            </a:endParaRPr>
+          </a:p>
+          <a:p>
+            <a:pPr marL="914400" lvl="1" indent="-298450" algn="l" rtl="0">
+              <a:lnSpc>
+                <a:spcPct val="100000"/>
+              </a:lnSpc>
+              <a:spcBef>
+                <a:spcPts val="0"/>
+              </a:spcBef>
+              <a:spcAft>
+                <a:spcPts val="0"/>
+              </a:spcAft>
+              <a:buClr>
+                <a:schemeClr val="dk1"/>
+              </a:buClr>
+              <a:buSzPts val="1100"/>
+              <a:buAutoNum type="alphaLcPeriod"/>
+            </a:pPr>
+            <a:r>
+              <a:rPr lang="fr-FR" sz="1100" dirty="0">
+                <a:solidFill>
+                  <a:schemeClr val="dk1"/>
+                </a:solidFill>
+              </a:rPr>
               <a:t>Système de freinage</a:t>
             </a:r>
             <a:endParaRPr sz="1100" dirty="0">
@@ -21031,6 +22151,128 @@
               <a:rPr lang="fr-FR" sz="1100" dirty="0"/>
               <a:t>Ergonomie</a:t>
             </a:r>
+          </a:p>
+          <a:p>
+            <a:pPr marL="914400" lvl="1" indent="-298450" algn="l" rtl="0">
+              <a:lnSpc>
+                <a:spcPct val="100000"/>
+              </a:lnSpc>
+              <a:spcBef>
+                <a:spcPts val="0"/>
+              </a:spcBef>
+              <a:spcAft>
+                <a:spcPts val="0"/>
+              </a:spcAft>
+              <a:buSzPts val="1100"/>
+              <a:buAutoNum type="alphaLcPeriod"/>
+            </a:pPr>
+            <a:r>
+              <a:rPr lang="fr-FR" sz="1100" dirty="0"/>
+              <a:t>Pédalier</a:t>
+            </a:r>
+          </a:p>
+          <a:p>
+            <a:pPr marL="114300" lvl="0" indent="0">
+              <a:lnSpc>
+                <a:spcPct val="100000"/>
+              </a:lnSpc>
+              <a:spcBef>
+                <a:spcPts val="0"/>
+              </a:spcBef>
+              <a:buClr>
+                <a:srgbClr val="1D9A78"/>
+              </a:buClr>
+              <a:buSzPts val="1800"/>
+              <a:buNone/>
+            </a:pPr>
+            <a:r>
+              <a:rPr lang="fr-FR" sz="1800" b="1" dirty="0">
+                <a:solidFill>
+                  <a:srgbClr val="7030A0"/>
+                </a:solidFill>
+              </a:rPr>
+              <a:t>S5 - Aérodynamique </a:t>
+            </a:r>
+            <a:r>
+              <a:rPr lang="fr-FR" sz="1800" dirty="0">
+                <a:solidFill>
+                  <a:prstClr val="black"/>
+                </a:solidFill>
+              </a:rPr>
+              <a:t>(30min)</a:t>
+            </a:r>
+          </a:p>
+          <a:p>
+            <a:pPr marL="914400" lvl="1" indent="-298450">
+              <a:lnSpc>
+                <a:spcPct val="100000"/>
+              </a:lnSpc>
+              <a:spcBef>
+                <a:spcPts val="0"/>
+              </a:spcBef>
+              <a:buClr>
+                <a:prstClr val="black"/>
+              </a:buClr>
+              <a:buSzPts val="1100"/>
+              <a:buFont typeface="Arial" panose="020B0604020202020204" pitchFamily="34" charset="0"/>
+              <a:buAutoNum type="alphaLcPeriod"/>
+            </a:pPr>
+            <a:r>
+              <a:rPr lang="fr-FR" sz="1100" dirty="0">
+                <a:solidFill>
+                  <a:prstClr val="black"/>
+                </a:solidFill>
+              </a:rPr>
+              <a:t>Aile arrière</a:t>
+            </a:r>
+          </a:p>
+          <a:p>
+            <a:pPr marL="914400" lvl="1" indent="-298450">
+              <a:lnSpc>
+                <a:spcPct val="100000"/>
+              </a:lnSpc>
+              <a:spcBef>
+                <a:spcPts val="0"/>
+              </a:spcBef>
+              <a:buClr>
+                <a:prstClr val="black"/>
+              </a:buClr>
+              <a:buSzPts val="1100"/>
+              <a:buFont typeface="Arial" panose="020B0604020202020204" pitchFamily="34" charset="0"/>
+              <a:buAutoNum type="alphaLcPeriod"/>
+            </a:pPr>
+            <a:r>
+              <a:rPr lang="fr-FR" sz="1100" dirty="0">
+                <a:solidFill>
+                  <a:prstClr val="black"/>
+                </a:solidFill>
+              </a:rPr>
+              <a:t>Aile avant</a:t>
+            </a:r>
+          </a:p>
+          <a:p>
+            <a:pPr marL="914400" lvl="1" indent="-298450">
+              <a:lnSpc>
+                <a:spcPct val="100000"/>
+              </a:lnSpc>
+              <a:spcBef>
+                <a:spcPts val="0"/>
+              </a:spcBef>
+              <a:buClr>
+                <a:prstClr val="black"/>
+              </a:buClr>
+              <a:buSzPts val="1100"/>
+              <a:buFont typeface="Arial" panose="020B0604020202020204" pitchFamily="34" charset="0"/>
+              <a:buAutoNum type="alphaLcPeriod"/>
+            </a:pPr>
+            <a:r>
+              <a:rPr lang="fr-FR" sz="1100" dirty="0">
+                <a:solidFill>
+                  <a:prstClr val="black"/>
+                </a:solidFill>
+              </a:rPr>
+              <a:t>Diffuseur</a:t>
+            </a:r>
             <a:endParaRPr sz="1100" dirty="0"/>
           </a:p>
           <a:p>
@@ -21050,344 +22292,7 @@
               <a:buSzPts val="1800"/>
               <a:buNone/>
             </a:pPr>
-            <a:r>
-              <a:rPr lang="fr-FR" sz="1800" b="1" dirty="0">
-                <a:solidFill>
-                  <a:schemeClr val="accent4"/>
-                </a:solidFill>
-              </a:rPr>
-              <a:t>S2 - Motorisation instrumentée </a:t>
-            </a:r>
-            <a:r>
-              <a:rPr lang="fr-FR" sz="1800" dirty="0"/>
-              <a:t>(1h)</a:t>
-            </a:r>
             <a:endParaRPr sz="1100" dirty="0">
-              <a:solidFill>
-                <a:schemeClr val="dk1"/>
-              </a:solidFill>
-            </a:endParaRPr>
-          </a:p>
-          <a:p>
-            <a:pPr marL="914400" lvl="1" indent="-298450" algn="l" rtl="0">
-              <a:lnSpc>
-                <a:spcPct val="100000"/>
-              </a:lnSpc>
-              <a:spcBef>
-                <a:spcPts val="0"/>
-              </a:spcBef>
-              <a:spcAft>
-                <a:spcPts val="0"/>
-              </a:spcAft>
-              <a:buClr>
-                <a:schemeClr val="dk1"/>
-              </a:buClr>
-              <a:buSzPts val="1100"/>
-              <a:buFont typeface="Corbel"/>
-              <a:buAutoNum type="alphaLcPeriod"/>
-            </a:pPr>
-            <a:r>
-              <a:rPr lang="fr-FR" sz="1100" dirty="0">
-                <a:solidFill>
-                  <a:schemeClr val="dk1"/>
-                </a:solidFill>
-              </a:rPr>
-              <a:t>Admission</a:t>
-            </a:r>
-          </a:p>
-          <a:p>
-            <a:pPr marL="914400" lvl="1" indent="-298450" algn="l" rtl="0">
-              <a:lnSpc>
-                <a:spcPct val="100000"/>
-              </a:lnSpc>
-              <a:spcBef>
-                <a:spcPts val="0"/>
-              </a:spcBef>
-              <a:spcAft>
-                <a:spcPts val="0"/>
-              </a:spcAft>
-              <a:buClr>
-                <a:schemeClr val="dk1"/>
-              </a:buClr>
-              <a:buSzPts val="1100"/>
-              <a:buFont typeface="Corbel"/>
-              <a:buAutoNum type="alphaLcPeriod"/>
-            </a:pPr>
-            <a:r>
-              <a:rPr lang="fr-FR" sz="1100" dirty="0">
-                <a:solidFill>
-                  <a:schemeClr val="dk1"/>
-                </a:solidFill>
-              </a:rPr>
-              <a:t>Bride/Guillotine</a:t>
-            </a:r>
-            <a:endParaRPr sz="1100" dirty="0">
-              <a:solidFill>
-                <a:schemeClr val="dk1"/>
-              </a:solidFill>
-            </a:endParaRPr>
-          </a:p>
-          <a:p>
-            <a:pPr marL="914400" lvl="1" indent="-298450" algn="l" rtl="0">
-              <a:spcBef>
-                <a:spcPts val="0"/>
-              </a:spcBef>
-              <a:spcAft>
-                <a:spcPts val="0"/>
-              </a:spcAft>
-              <a:buClr>
-                <a:schemeClr val="dk1"/>
-              </a:buClr>
-              <a:buSzPts val="1100"/>
-              <a:buFont typeface="Corbel"/>
-              <a:buAutoNum type="alphaLcPeriod"/>
-            </a:pPr>
-            <a:r>
-              <a:rPr lang="fr-FR" sz="1100" dirty="0">
-                <a:solidFill>
-                  <a:schemeClr val="dk1"/>
-                </a:solidFill>
-              </a:rPr>
-              <a:t>Echappement</a:t>
-            </a:r>
-            <a:endParaRPr sz="1100" dirty="0">
-              <a:solidFill>
-                <a:schemeClr val="dk1"/>
-              </a:solidFill>
-            </a:endParaRPr>
-          </a:p>
-          <a:p>
-            <a:pPr marL="914400" lvl="1" indent="-298450" algn="l" rtl="0">
-              <a:lnSpc>
-                <a:spcPct val="100000"/>
-              </a:lnSpc>
-              <a:spcBef>
-                <a:spcPts val="0"/>
-              </a:spcBef>
-              <a:spcAft>
-                <a:spcPts val="0"/>
-              </a:spcAft>
-              <a:buClr>
-                <a:schemeClr val="dk1"/>
-              </a:buClr>
-              <a:buSzPts val="1100"/>
-              <a:buFont typeface="Corbel"/>
-              <a:buAutoNum type="alphaLcPeriod"/>
-            </a:pPr>
-            <a:r>
-              <a:rPr lang="fr-FR" sz="1100" dirty="0">
-                <a:solidFill>
-                  <a:schemeClr val="dk1"/>
-                </a:solidFill>
-              </a:rPr>
-              <a:t>Refroidissement</a:t>
-            </a:r>
-            <a:endParaRPr sz="1100" dirty="0">
-              <a:solidFill>
-                <a:schemeClr val="dk1"/>
-              </a:solidFill>
-            </a:endParaRPr>
-          </a:p>
-          <a:p>
-            <a:pPr marL="914400" lvl="1" indent="-298450" algn="l" rtl="0">
-              <a:spcBef>
-                <a:spcPts val="0"/>
-              </a:spcBef>
-              <a:spcAft>
-                <a:spcPts val="0"/>
-              </a:spcAft>
-              <a:buClr>
-                <a:schemeClr val="dk1"/>
-              </a:buClr>
-              <a:buSzPts val="1100"/>
-              <a:buAutoNum type="alphaLcPeriod"/>
-            </a:pPr>
-            <a:r>
-              <a:rPr lang="fr-FR" sz="1100" dirty="0">
-                <a:solidFill>
-                  <a:schemeClr val="dk1"/>
-                </a:solidFill>
-              </a:rPr>
-              <a:t>Transmission secondaire</a:t>
-            </a:r>
-            <a:endParaRPr sz="1100" dirty="0">
-              <a:solidFill>
-                <a:schemeClr val="dk1"/>
-              </a:solidFill>
-            </a:endParaRPr>
-          </a:p>
-          <a:p>
-            <a:pPr marL="114300" lvl="0" indent="0" algn="l" rtl="0">
-              <a:lnSpc>
-                <a:spcPct val="100000"/>
-              </a:lnSpc>
-              <a:spcBef>
-                <a:spcPts val="0"/>
-              </a:spcBef>
-              <a:spcAft>
-                <a:spcPts val="0"/>
-              </a:spcAft>
-              <a:buClr>
-                <a:schemeClr val="accent1"/>
-              </a:buClr>
-              <a:buSzPts val="1800"/>
-              <a:buNone/>
-            </a:pPr>
-            <a:r>
-              <a:rPr lang="fr-FR" sz="1800" b="1" dirty="0">
-                <a:solidFill>
-                  <a:srgbClr val="00B050"/>
-                </a:solidFill>
-              </a:rPr>
-              <a:t>S4 - Système SEISM</a:t>
-            </a:r>
-            <a:r>
-              <a:rPr lang="fr-FR" sz="1800" dirty="0"/>
-              <a:t> (30min)</a:t>
-            </a:r>
-            <a:endParaRPr dirty="0"/>
-          </a:p>
-          <a:p>
-            <a:pPr marL="914400" lvl="1" indent="-298450" algn="l" rtl="0">
-              <a:lnSpc>
-                <a:spcPct val="100000"/>
-              </a:lnSpc>
-              <a:spcBef>
-                <a:spcPts val="0"/>
-              </a:spcBef>
-              <a:spcAft>
-                <a:spcPts val="0"/>
-              </a:spcAft>
-              <a:buClr>
-                <a:schemeClr val="dk1"/>
-              </a:buClr>
-              <a:buSzPts val="1100"/>
-              <a:buAutoNum type="alphaLcPeriod"/>
-            </a:pPr>
-            <a:r>
-              <a:rPr lang="fr-FR" sz="1100" dirty="0">
-                <a:solidFill>
-                  <a:schemeClr val="dk1"/>
-                </a:solidFill>
-              </a:rPr>
-              <a:t>Faisceau</a:t>
-            </a:r>
-            <a:endParaRPr sz="1100" dirty="0">
-              <a:solidFill>
-                <a:schemeClr val="dk1"/>
-              </a:solidFill>
-            </a:endParaRPr>
-          </a:p>
-          <a:p>
-            <a:pPr marL="914400" lvl="1" indent="-298450" algn="l" rtl="0">
-              <a:lnSpc>
-                <a:spcPct val="100000"/>
-              </a:lnSpc>
-              <a:spcBef>
-                <a:spcPts val="0"/>
-              </a:spcBef>
-              <a:spcAft>
-                <a:spcPts val="0"/>
-              </a:spcAft>
-              <a:buClr>
-                <a:schemeClr val="dk1"/>
-              </a:buClr>
-              <a:buSzPts val="1100"/>
-              <a:buAutoNum type="alphaLcPeriod"/>
-            </a:pPr>
-            <a:r>
-              <a:rPr lang="fr-FR" sz="1100" dirty="0">
-                <a:solidFill>
-                  <a:schemeClr val="dk1"/>
-                </a:solidFill>
-              </a:rPr>
-              <a:t>Tableau de bord</a:t>
-            </a:r>
-            <a:endParaRPr sz="1100" dirty="0">
-              <a:solidFill>
-                <a:schemeClr val="dk1"/>
-              </a:solidFill>
-            </a:endParaRPr>
-          </a:p>
-          <a:p>
-            <a:pPr marL="114300" lvl="0" indent="0">
-              <a:lnSpc>
-                <a:spcPct val="100000"/>
-              </a:lnSpc>
-              <a:spcBef>
-                <a:spcPts val="0"/>
-              </a:spcBef>
-              <a:buClr>
-                <a:srgbClr val="1D9A78"/>
-              </a:buClr>
-              <a:buSzPts val="1800"/>
-              <a:buNone/>
-            </a:pPr>
-            <a:r>
-              <a:rPr lang="fr-FR" sz="1800" b="1" dirty="0">
-                <a:solidFill>
-                  <a:srgbClr val="7030A0"/>
-                </a:solidFill>
-              </a:rPr>
-              <a:t>S5 - Aérodynamique </a:t>
-            </a:r>
-            <a:r>
-              <a:rPr lang="fr-FR" sz="1800" dirty="0">
-                <a:solidFill>
-                  <a:prstClr val="black"/>
-                </a:solidFill>
-              </a:rPr>
-              <a:t>(30min)</a:t>
-            </a:r>
-          </a:p>
-          <a:p>
-            <a:pPr marL="914400" lvl="1" indent="-298450">
-              <a:lnSpc>
-                <a:spcPct val="100000"/>
-              </a:lnSpc>
-              <a:spcBef>
-                <a:spcPts val="0"/>
-              </a:spcBef>
-              <a:buClr>
-                <a:prstClr val="black"/>
-              </a:buClr>
-              <a:buSzPts val="1100"/>
-              <a:buFont typeface="Arial" panose="020B0604020202020204" pitchFamily="34" charset="0"/>
-              <a:buAutoNum type="alphaLcPeriod"/>
-            </a:pPr>
-            <a:r>
-              <a:rPr lang="fr-FR" sz="1100" dirty="0">
-                <a:solidFill>
-                  <a:prstClr val="black"/>
-                </a:solidFill>
-              </a:rPr>
-              <a:t>Ailes</a:t>
-            </a:r>
-          </a:p>
-          <a:p>
-            <a:pPr marL="914400" lvl="1" indent="-298450">
-              <a:lnSpc>
-                <a:spcPct val="100000"/>
-              </a:lnSpc>
-              <a:spcBef>
-                <a:spcPts val="0"/>
-              </a:spcBef>
-              <a:buClr>
-                <a:prstClr val="black"/>
-              </a:buClr>
-              <a:buSzPts val="1100"/>
-              <a:buFont typeface="Arial" panose="020B0604020202020204" pitchFamily="34" charset="0"/>
-              <a:buAutoNum type="alphaLcPeriod"/>
-            </a:pPr>
-            <a:r>
-              <a:rPr lang="fr-FR" sz="1100" dirty="0">
-                <a:solidFill>
-                  <a:prstClr val="black"/>
-                </a:solidFill>
-              </a:rPr>
-              <a:t>Diffuseur</a:t>
-            </a:r>
-            <a:endParaRPr lang="fr-FR" sz="1400" dirty="0">
               <a:solidFill>
                 <a:schemeClr val="dk1"/>
               </a:solidFill>
@@ -21445,7 +22350,2122 @@
           </a:p>
         </p:txBody>
       </p:sp>
+      <p:sp>
+        <p:nvSpPr>
+          <p:cNvPr id="2" name="Rectangle 1">
+            <a:extLst>
+              <a:ext uri="{FF2B5EF4-FFF2-40B4-BE49-F238E27FC236}">
+                <a16:creationId xmlns:a16="http://schemas.microsoft.com/office/drawing/2014/main" id="{BF938F1C-595D-4C8F-BDA9-E502657EE55B}"/>
+              </a:ext>
+            </a:extLst>
+          </p:cNvPr>
+          <p:cNvSpPr/>
+          <p:nvPr/>
+        </p:nvSpPr>
+        <p:spPr>
+          <a:xfrm>
+            <a:off x="4511778" y="759618"/>
+            <a:ext cx="4572000" cy="2000548"/>
+          </a:xfrm>
+          <a:prstGeom prst="rect">
+            <a:avLst/>
+          </a:prstGeom>
+        </p:spPr>
+        <p:txBody>
+          <a:bodyPr>
+            <a:spAutoFit/>
+          </a:bodyPr>
+          <a:lstStyle/>
+          <a:p>
+            <a:pPr marL="114300" lvl="0">
+              <a:buClr>
+                <a:schemeClr val="accent1"/>
+              </a:buClr>
+              <a:buSzPts val="1800"/>
+            </a:pPr>
+            <a:r>
+              <a:rPr lang="fr-FR" b="1" dirty="0">
+                <a:solidFill>
+                  <a:schemeClr val="accent4"/>
+                </a:solidFill>
+              </a:rPr>
+              <a:t>S2 - Motorisation instrumentée </a:t>
+            </a:r>
+            <a:r>
+              <a:rPr lang="fr-FR" dirty="0"/>
+              <a:t>(1h)</a:t>
+            </a:r>
+            <a:endParaRPr lang="fr-FR" sz="1100" dirty="0">
+              <a:solidFill>
+                <a:schemeClr val="dk1"/>
+              </a:solidFill>
+            </a:endParaRPr>
+          </a:p>
+          <a:p>
+            <a:pPr marL="914400" lvl="1" indent="-298450">
+              <a:lnSpc>
+                <a:spcPct val="100000"/>
+              </a:lnSpc>
+              <a:spcBef>
+                <a:spcPts val="0"/>
+              </a:spcBef>
+              <a:buClr>
+                <a:schemeClr val="dk1"/>
+              </a:buClr>
+              <a:buSzPts val="1100"/>
+              <a:buFont typeface="Corbel"/>
+              <a:buAutoNum type="alphaLcPeriod"/>
+            </a:pPr>
+            <a:r>
+              <a:rPr lang="fr-FR" sz="1100" dirty="0">
+                <a:solidFill>
+                  <a:schemeClr val="dk1"/>
+                </a:solidFill>
+              </a:rPr>
+              <a:t>Bride/Guillotine</a:t>
+            </a:r>
+          </a:p>
+          <a:p>
+            <a:pPr marL="914400" lvl="1" indent="-298450">
+              <a:buClr>
+                <a:schemeClr val="dk1"/>
+              </a:buClr>
+              <a:buSzPts val="1100"/>
+              <a:buFont typeface="Corbel"/>
+              <a:buAutoNum type="alphaLcPeriod"/>
+            </a:pPr>
+            <a:r>
+              <a:rPr lang="fr-FR" sz="1100" dirty="0">
+                <a:solidFill>
+                  <a:schemeClr val="dk1"/>
+                </a:solidFill>
+              </a:rPr>
+              <a:t>Admission</a:t>
+            </a:r>
+          </a:p>
+          <a:p>
+            <a:pPr marL="914400" lvl="1" indent="-298450">
+              <a:buClr>
+                <a:schemeClr val="dk1"/>
+              </a:buClr>
+              <a:buSzPts val="1100"/>
+              <a:buFont typeface="Corbel"/>
+              <a:buAutoNum type="alphaLcPeriod"/>
+            </a:pPr>
+            <a:r>
+              <a:rPr lang="fr-FR" sz="1100" dirty="0">
+                <a:solidFill>
+                  <a:schemeClr val="dk1"/>
+                </a:solidFill>
+              </a:rPr>
+              <a:t>Carter</a:t>
+            </a:r>
+          </a:p>
+          <a:p>
+            <a:pPr marL="914400" lvl="1" indent="-298450">
+              <a:buClr>
+                <a:schemeClr val="dk1"/>
+              </a:buClr>
+              <a:buSzPts val="1100"/>
+              <a:buFont typeface="Corbel"/>
+              <a:buAutoNum type="alphaLcPeriod"/>
+            </a:pPr>
+            <a:r>
+              <a:rPr lang="fr-FR" sz="1100" dirty="0">
+                <a:solidFill>
+                  <a:schemeClr val="dk1"/>
+                </a:solidFill>
+              </a:rPr>
+              <a:t>Echappement</a:t>
+            </a:r>
+          </a:p>
+          <a:p>
+            <a:pPr marL="914400" lvl="1" indent="-298450">
+              <a:buClr>
+                <a:schemeClr val="dk1"/>
+              </a:buClr>
+              <a:buSzPts val="1100"/>
+              <a:buFont typeface="Corbel"/>
+              <a:buAutoNum type="alphaLcPeriod"/>
+            </a:pPr>
+            <a:r>
+              <a:rPr lang="fr-FR" sz="1100" dirty="0">
+                <a:solidFill>
+                  <a:schemeClr val="dk1"/>
+                </a:solidFill>
+              </a:rPr>
+              <a:t>Refroidissement</a:t>
+            </a:r>
+          </a:p>
+          <a:p>
+            <a:pPr marL="914400" lvl="1" indent="-298450">
+              <a:buClr>
+                <a:schemeClr val="dk1"/>
+              </a:buClr>
+              <a:buSzPts val="1100"/>
+              <a:buAutoNum type="alphaLcPeriod"/>
+            </a:pPr>
+            <a:r>
+              <a:rPr lang="fr-FR" sz="1100" dirty="0">
+                <a:solidFill>
+                  <a:schemeClr val="dk1"/>
+                </a:solidFill>
+              </a:rPr>
+              <a:t>Transmission secondaire</a:t>
+            </a:r>
+          </a:p>
+          <a:p>
+            <a:pPr marL="114300" lvl="0">
+              <a:buClr>
+                <a:schemeClr val="accent1"/>
+              </a:buClr>
+              <a:buSzPts val="1800"/>
+            </a:pPr>
+            <a:r>
+              <a:rPr lang="fr-FR" b="1" dirty="0">
+                <a:solidFill>
+                  <a:srgbClr val="00B050"/>
+                </a:solidFill>
+              </a:rPr>
+              <a:t>S4 - Système SEISM</a:t>
+            </a:r>
+            <a:r>
+              <a:rPr lang="fr-FR" dirty="0"/>
+              <a:t> (30min)</a:t>
+            </a:r>
+          </a:p>
+          <a:p>
+            <a:pPr marL="914400" lvl="1" indent="-298450">
+              <a:buClr>
+                <a:schemeClr val="dk1"/>
+              </a:buClr>
+              <a:buSzPts val="1100"/>
+              <a:buAutoNum type="alphaLcPeriod"/>
+            </a:pPr>
+            <a:r>
+              <a:rPr lang="fr-FR" sz="1100" dirty="0">
+                <a:solidFill>
+                  <a:schemeClr val="dk1"/>
+                </a:solidFill>
+              </a:rPr>
+              <a:t>Faisceau</a:t>
+            </a:r>
+          </a:p>
+          <a:p>
+            <a:pPr marL="914400" lvl="1" indent="-298450">
+              <a:buClr>
+                <a:schemeClr val="dk1"/>
+              </a:buClr>
+              <a:buSzPts val="1100"/>
+              <a:buAutoNum type="alphaLcPeriod"/>
+            </a:pPr>
+            <a:r>
+              <a:rPr lang="fr-FR" sz="1100" dirty="0">
+                <a:solidFill>
+                  <a:schemeClr val="dk1"/>
+                </a:solidFill>
+              </a:rPr>
+              <a:t>Tableau de bord</a:t>
+            </a:r>
+            <a:endParaRPr lang="fr-FR" dirty="0"/>
+          </a:p>
+        </p:txBody>
+      </p:sp>
     </p:spTree>
+  </p:cSld>
+  <p:clrMapOvr>
+    <a:masterClrMapping/>
+  </p:clrMapOvr>
+</p:sld>
+</file>
+
+<file path=ppt/slides/slide20.xml><?xml version="1.0" encoding="utf-8"?>
+<p:sld xmlns:a="http://schemas.openxmlformats.org/drawingml/2006/main" xmlns:r="http://schemas.openxmlformats.org/officeDocument/2006/relationships" xmlns:p="http://schemas.openxmlformats.org/presentationml/2006/main">
+  <p:cSld>
+    <p:spTree>
+      <p:nvGrpSpPr>
+        <p:cNvPr id="1" name=""/>
+        <p:cNvGrpSpPr/>
+        <p:nvPr/>
+      </p:nvGrpSpPr>
+      <p:grpSpPr>
+        <a:xfrm>
+          <a:off x="0" y="0"/>
+          <a:ext cx="0" cy="0"/>
+          <a:chOff x="0" y="0"/>
+          <a:chExt cx="0" cy="0"/>
+        </a:xfrm>
+      </p:grpSpPr>
+      <p:sp>
+        <p:nvSpPr>
+          <p:cNvPr id="2" name="Espace réservé du numéro de diapositive 1">
+            <a:extLst>
+              <a:ext uri="{FF2B5EF4-FFF2-40B4-BE49-F238E27FC236}">
+                <a16:creationId xmlns:a16="http://schemas.microsoft.com/office/drawing/2014/main" id="{17B75413-BE72-4AD4-8648-D8893D6EC364}"/>
+              </a:ext>
+            </a:extLst>
+          </p:cNvPr>
+          <p:cNvSpPr>
+            <a:spLocks noGrp="1"/>
+          </p:cNvSpPr>
+          <p:nvPr>
+            <p:ph type="sldNum" sz="quarter" idx="12"/>
+          </p:nvPr>
+        </p:nvSpPr>
+        <p:spPr/>
+        <p:txBody>
+          <a:bodyPr/>
+          <a:lstStyle/>
+          <a:p>
+            <a:pPr marL="0" lvl="0" indent="0" algn="r" rtl="0">
+              <a:spcBef>
+                <a:spcPts val="0"/>
+              </a:spcBef>
+              <a:spcAft>
+                <a:spcPts val="0"/>
+              </a:spcAft>
+              <a:buNone/>
+            </a:pPr>
+            <a:fld id="{00000000-1234-1234-1234-123412341234}" type="slidenum">
+              <a:rPr lang="fr-FR" smtClean="0"/>
+              <a:t>20</a:t>
+            </a:fld>
+            <a:endParaRPr lang="fr-FR"/>
+          </a:p>
+        </p:txBody>
+      </p:sp>
+      <p:sp>
+        <p:nvSpPr>
+          <p:cNvPr id="11" name="Titre 10">
+            <a:extLst>
+              <a:ext uri="{FF2B5EF4-FFF2-40B4-BE49-F238E27FC236}">
+                <a16:creationId xmlns:a16="http://schemas.microsoft.com/office/drawing/2014/main" id="{232AF1A9-8B2B-4602-88D0-2575AF5ED1C9}"/>
+              </a:ext>
+            </a:extLst>
+          </p:cNvPr>
+          <p:cNvSpPr>
+            <a:spLocks noGrp="1"/>
+          </p:cNvSpPr>
+          <p:nvPr>
+            <p:ph type="title"/>
+          </p:nvPr>
+        </p:nvSpPr>
+        <p:spPr/>
+        <p:txBody>
+          <a:bodyPr/>
+          <a:lstStyle/>
+          <a:p>
+            <a:r>
+              <a:rPr lang="fr-FR" dirty="0"/>
+              <a:t>Pédalier</a:t>
+            </a:r>
+          </a:p>
+        </p:txBody>
+      </p:sp>
+      <p:sp>
+        <p:nvSpPr>
+          <p:cNvPr id="12" name="Espace réservé pour une image  11">
+            <a:extLst>
+              <a:ext uri="{FF2B5EF4-FFF2-40B4-BE49-F238E27FC236}">
+                <a16:creationId xmlns:a16="http://schemas.microsoft.com/office/drawing/2014/main" id="{AC13E661-84F9-45F5-87A8-DBCC74CAB8A8}"/>
+              </a:ext>
+            </a:extLst>
+          </p:cNvPr>
+          <p:cNvSpPr>
+            <a:spLocks noGrp="1"/>
+          </p:cNvSpPr>
+          <p:nvPr>
+            <p:ph type="pic" sz="quarter" idx="22"/>
+          </p:nvPr>
+        </p:nvSpPr>
+        <p:spPr/>
+      </p:sp>
+      <p:sp>
+        <p:nvSpPr>
+          <p:cNvPr id="13" name="Espace réservé du contenu 12">
+            <a:extLst>
+              <a:ext uri="{FF2B5EF4-FFF2-40B4-BE49-F238E27FC236}">
+                <a16:creationId xmlns:a16="http://schemas.microsoft.com/office/drawing/2014/main" id="{8E76C3A6-1447-437E-A9DD-77861ABAF23D}"/>
+              </a:ext>
+            </a:extLst>
+          </p:cNvPr>
+          <p:cNvSpPr>
+            <a:spLocks noGrp="1"/>
+          </p:cNvSpPr>
+          <p:nvPr>
+            <p:ph sz="quarter" idx="23"/>
+          </p:nvPr>
+        </p:nvSpPr>
+        <p:spPr/>
+        <p:txBody>
+          <a:bodyPr/>
+          <a:lstStyle/>
+          <a:p>
+            <a:endParaRPr lang="fr-FR"/>
+          </a:p>
+        </p:txBody>
+      </p:sp>
+    </p:spTree>
+    <p:extLst>
+      <p:ext uri="{BB962C8B-B14F-4D97-AF65-F5344CB8AC3E}">
+        <p14:creationId xmlns:p14="http://schemas.microsoft.com/office/powerpoint/2010/main" val="1399242151"/>
+      </p:ext>
+    </p:extLst>
+  </p:cSld>
+  <p:clrMapOvr>
+    <a:masterClrMapping/>
+  </p:clrMapOvr>
+</p:sld>
+</file>
+
+<file path=ppt/slides/slide21.xml><?xml version="1.0" encoding="utf-8"?>
+<p:sld xmlns:a="http://schemas.openxmlformats.org/drawingml/2006/main" xmlns:r="http://schemas.openxmlformats.org/officeDocument/2006/relationships" xmlns:p="http://schemas.openxmlformats.org/presentationml/2006/main">
+  <p:cSld>
+    <p:spTree>
+      <p:nvGrpSpPr>
+        <p:cNvPr id="1" name=""/>
+        <p:cNvGrpSpPr/>
+        <p:nvPr/>
+      </p:nvGrpSpPr>
+      <p:grpSpPr>
+        <a:xfrm>
+          <a:off x="0" y="0"/>
+          <a:ext cx="0" cy="0"/>
+          <a:chOff x="0" y="0"/>
+          <a:chExt cx="0" cy="0"/>
+        </a:xfrm>
+      </p:grpSpPr>
+      <p:sp>
+        <p:nvSpPr>
+          <p:cNvPr id="2" name="Espace réservé du numéro de diapositive 1">
+            <a:extLst>
+              <a:ext uri="{FF2B5EF4-FFF2-40B4-BE49-F238E27FC236}">
+                <a16:creationId xmlns:a16="http://schemas.microsoft.com/office/drawing/2014/main" id="{57BFE066-6260-4417-B0ED-402399FFD25D}"/>
+              </a:ext>
+            </a:extLst>
+          </p:cNvPr>
+          <p:cNvSpPr>
+            <a:spLocks noGrp="1"/>
+          </p:cNvSpPr>
+          <p:nvPr>
+            <p:ph type="sldNum" sz="quarter" idx="12"/>
+          </p:nvPr>
+        </p:nvSpPr>
+        <p:spPr/>
+        <p:txBody>
+          <a:bodyPr/>
+          <a:lstStyle/>
+          <a:p>
+            <a:pPr marL="0" lvl="0" indent="0" algn="r" rtl="0">
+              <a:spcBef>
+                <a:spcPts val="0"/>
+              </a:spcBef>
+              <a:spcAft>
+                <a:spcPts val="0"/>
+              </a:spcAft>
+              <a:buNone/>
+            </a:pPr>
+            <a:fld id="{00000000-1234-1234-1234-123412341234}" type="slidenum">
+              <a:rPr lang="fr-FR" smtClean="0"/>
+              <a:t>21</a:t>
+            </a:fld>
+            <a:endParaRPr lang="fr-FR"/>
+          </a:p>
+        </p:txBody>
+      </p:sp>
+      <p:sp>
+        <p:nvSpPr>
+          <p:cNvPr id="3" name="Titre 2">
+            <a:extLst>
+              <a:ext uri="{FF2B5EF4-FFF2-40B4-BE49-F238E27FC236}">
+                <a16:creationId xmlns:a16="http://schemas.microsoft.com/office/drawing/2014/main" id="{807FED8C-C82F-44AF-BE52-3D4319C0E88B}"/>
+              </a:ext>
+            </a:extLst>
+          </p:cNvPr>
+          <p:cNvSpPr>
+            <a:spLocks noGrp="1"/>
+          </p:cNvSpPr>
+          <p:nvPr>
+            <p:ph type="title"/>
+          </p:nvPr>
+        </p:nvSpPr>
+        <p:spPr/>
+        <p:txBody>
+          <a:bodyPr/>
+          <a:lstStyle/>
+          <a:p>
+            <a:r>
+              <a:rPr lang="fr-FR" dirty="0"/>
+              <a:t>Aile arrière</a:t>
+            </a:r>
+          </a:p>
+        </p:txBody>
+      </p:sp>
+      <p:sp>
+        <p:nvSpPr>
+          <p:cNvPr id="4" name="Espace réservé du texte 3">
+            <a:extLst>
+              <a:ext uri="{FF2B5EF4-FFF2-40B4-BE49-F238E27FC236}">
+                <a16:creationId xmlns:a16="http://schemas.microsoft.com/office/drawing/2014/main" id="{E9EE4E9A-EEF0-4B90-A331-FA8E727CC6AA}"/>
+              </a:ext>
+            </a:extLst>
+          </p:cNvPr>
+          <p:cNvSpPr>
+            <a:spLocks noGrp="1"/>
+          </p:cNvSpPr>
+          <p:nvPr>
+            <p:ph type="body" sz="quarter" idx="13"/>
+          </p:nvPr>
+        </p:nvSpPr>
+        <p:spPr/>
+        <p:txBody>
+          <a:bodyPr/>
+          <a:lstStyle/>
+          <a:p>
+            <a:endParaRPr lang="fr-FR"/>
+          </a:p>
+        </p:txBody>
+      </p:sp>
+      <p:sp>
+        <p:nvSpPr>
+          <p:cNvPr id="5" name="Espace réservé du texte 4">
+            <a:extLst>
+              <a:ext uri="{FF2B5EF4-FFF2-40B4-BE49-F238E27FC236}">
+                <a16:creationId xmlns:a16="http://schemas.microsoft.com/office/drawing/2014/main" id="{CA38474E-1507-4D83-932B-7C1F4A3EACC7}"/>
+              </a:ext>
+            </a:extLst>
+          </p:cNvPr>
+          <p:cNvSpPr>
+            <a:spLocks noGrp="1"/>
+          </p:cNvSpPr>
+          <p:nvPr>
+            <p:ph type="body" sz="quarter" idx="17"/>
+          </p:nvPr>
+        </p:nvSpPr>
+        <p:spPr/>
+        <p:txBody>
+          <a:bodyPr/>
+          <a:lstStyle/>
+          <a:p>
+            <a:endParaRPr lang="fr-FR"/>
+          </a:p>
+        </p:txBody>
+      </p:sp>
+      <p:sp>
+        <p:nvSpPr>
+          <p:cNvPr id="6" name="Espace réservé du texte 5">
+            <a:extLst>
+              <a:ext uri="{FF2B5EF4-FFF2-40B4-BE49-F238E27FC236}">
+                <a16:creationId xmlns:a16="http://schemas.microsoft.com/office/drawing/2014/main" id="{0A6CE8D4-A56A-4014-9766-E1E8F995026B}"/>
+              </a:ext>
+            </a:extLst>
+          </p:cNvPr>
+          <p:cNvSpPr>
+            <a:spLocks noGrp="1"/>
+          </p:cNvSpPr>
+          <p:nvPr>
+            <p:ph type="body" sz="quarter" idx="18"/>
+          </p:nvPr>
+        </p:nvSpPr>
+        <p:spPr/>
+        <p:txBody>
+          <a:bodyPr/>
+          <a:lstStyle/>
+          <a:p>
+            <a:endParaRPr lang="fr-FR"/>
+          </a:p>
+        </p:txBody>
+      </p:sp>
+      <p:sp>
+        <p:nvSpPr>
+          <p:cNvPr id="7" name="Espace réservé du texte 6">
+            <a:extLst>
+              <a:ext uri="{FF2B5EF4-FFF2-40B4-BE49-F238E27FC236}">
+                <a16:creationId xmlns:a16="http://schemas.microsoft.com/office/drawing/2014/main" id="{607CEE30-CC1E-4197-869B-8CF260ECB486}"/>
+              </a:ext>
+            </a:extLst>
+          </p:cNvPr>
+          <p:cNvSpPr>
+            <a:spLocks noGrp="1"/>
+          </p:cNvSpPr>
+          <p:nvPr>
+            <p:ph type="body" sz="quarter" idx="19"/>
+          </p:nvPr>
+        </p:nvSpPr>
+        <p:spPr/>
+        <p:txBody>
+          <a:bodyPr/>
+          <a:lstStyle/>
+          <a:p>
+            <a:endParaRPr lang="fr-FR"/>
+          </a:p>
+        </p:txBody>
+      </p:sp>
+      <p:sp>
+        <p:nvSpPr>
+          <p:cNvPr id="8" name="Espace réservé du texte 7">
+            <a:extLst>
+              <a:ext uri="{FF2B5EF4-FFF2-40B4-BE49-F238E27FC236}">
+                <a16:creationId xmlns:a16="http://schemas.microsoft.com/office/drawing/2014/main" id="{6016A266-1121-490F-A201-71B787327E1B}"/>
+              </a:ext>
+            </a:extLst>
+          </p:cNvPr>
+          <p:cNvSpPr>
+            <a:spLocks noGrp="1"/>
+          </p:cNvSpPr>
+          <p:nvPr>
+            <p:ph type="body" sz="quarter" idx="20"/>
+          </p:nvPr>
+        </p:nvSpPr>
+        <p:spPr/>
+        <p:txBody>
+          <a:bodyPr/>
+          <a:lstStyle/>
+          <a:p>
+            <a:endParaRPr lang="fr-FR"/>
+          </a:p>
+        </p:txBody>
+      </p:sp>
+      <p:sp>
+        <p:nvSpPr>
+          <p:cNvPr id="9" name="Espace réservé pour une image  8">
+            <a:extLst>
+              <a:ext uri="{FF2B5EF4-FFF2-40B4-BE49-F238E27FC236}">
+                <a16:creationId xmlns:a16="http://schemas.microsoft.com/office/drawing/2014/main" id="{6F9C1C0B-DB46-410A-9236-5B002BB5E0D3}"/>
+              </a:ext>
+            </a:extLst>
+          </p:cNvPr>
+          <p:cNvSpPr>
+            <a:spLocks noGrp="1"/>
+          </p:cNvSpPr>
+          <p:nvPr>
+            <p:ph type="pic" sz="quarter" idx="22"/>
+          </p:nvPr>
+        </p:nvSpPr>
+        <p:spPr/>
+      </p:sp>
+    </p:spTree>
+    <p:extLst>
+      <p:ext uri="{BB962C8B-B14F-4D97-AF65-F5344CB8AC3E}">
+        <p14:creationId xmlns:p14="http://schemas.microsoft.com/office/powerpoint/2010/main" val="574345405"/>
+      </p:ext>
+    </p:extLst>
+  </p:cSld>
+  <p:clrMapOvr>
+    <a:masterClrMapping/>
+  </p:clrMapOvr>
+</p:sld>
+</file>
+
+<file path=ppt/slides/slide22.xml><?xml version="1.0" encoding="utf-8"?>
+<p:sld xmlns:a="http://schemas.openxmlformats.org/drawingml/2006/main" xmlns:r="http://schemas.openxmlformats.org/officeDocument/2006/relationships" xmlns:p="http://schemas.openxmlformats.org/presentationml/2006/main">
+  <p:cSld>
+    <p:spTree>
+      <p:nvGrpSpPr>
+        <p:cNvPr id="1" name=""/>
+        <p:cNvGrpSpPr/>
+        <p:nvPr/>
+      </p:nvGrpSpPr>
+      <p:grpSpPr>
+        <a:xfrm>
+          <a:off x="0" y="0"/>
+          <a:ext cx="0" cy="0"/>
+          <a:chOff x="0" y="0"/>
+          <a:chExt cx="0" cy="0"/>
+        </a:xfrm>
+      </p:grpSpPr>
+      <p:sp>
+        <p:nvSpPr>
+          <p:cNvPr id="2" name="Espace réservé du numéro de diapositive 1">
+            <a:extLst>
+              <a:ext uri="{FF2B5EF4-FFF2-40B4-BE49-F238E27FC236}">
+                <a16:creationId xmlns:a16="http://schemas.microsoft.com/office/drawing/2014/main" id="{77550A5C-FBA8-4473-94F3-3B23BE676566}"/>
+              </a:ext>
+            </a:extLst>
+          </p:cNvPr>
+          <p:cNvSpPr>
+            <a:spLocks noGrp="1"/>
+          </p:cNvSpPr>
+          <p:nvPr>
+            <p:ph type="sldNum" sz="quarter" idx="12"/>
+          </p:nvPr>
+        </p:nvSpPr>
+        <p:spPr/>
+        <p:txBody>
+          <a:bodyPr/>
+          <a:lstStyle/>
+          <a:p>
+            <a:pPr marL="0" lvl="0" indent="0" algn="r" rtl="0">
+              <a:spcBef>
+                <a:spcPts val="0"/>
+              </a:spcBef>
+              <a:spcAft>
+                <a:spcPts val="0"/>
+              </a:spcAft>
+              <a:buNone/>
+            </a:pPr>
+            <a:fld id="{00000000-1234-1234-1234-123412341234}" type="slidenum">
+              <a:rPr lang="fr-FR" smtClean="0"/>
+              <a:t>22</a:t>
+            </a:fld>
+            <a:endParaRPr lang="fr-FR"/>
+          </a:p>
+        </p:txBody>
+      </p:sp>
+      <p:sp>
+        <p:nvSpPr>
+          <p:cNvPr id="11" name="Titre 10">
+            <a:extLst>
+              <a:ext uri="{FF2B5EF4-FFF2-40B4-BE49-F238E27FC236}">
+                <a16:creationId xmlns:a16="http://schemas.microsoft.com/office/drawing/2014/main" id="{87439681-680C-4BA9-9786-4276847DC932}"/>
+              </a:ext>
+            </a:extLst>
+          </p:cNvPr>
+          <p:cNvSpPr>
+            <a:spLocks noGrp="1"/>
+          </p:cNvSpPr>
+          <p:nvPr>
+            <p:ph type="title"/>
+          </p:nvPr>
+        </p:nvSpPr>
+        <p:spPr/>
+        <p:txBody>
+          <a:bodyPr/>
+          <a:lstStyle/>
+          <a:p>
+            <a:r>
+              <a:rPr lang="fr-FR" dirty="0"/>
+              <a:t>Aile arrière</a:t>
+            </a:r>
+          </a:p>
+        </p:txBody>
+      </p:sp>
+      <p:sp>
+        <p:nvSpPr>
+          <p:cNvPr id="12" name="Espace réservé pour une image  11">
+            <a:extLst>
+              <a:ext uri="{FF2B5EF4-FFF2-40B4-BE49-F238E27FC236}">
+                <a16:creationId xmlns:a16="http://schemas.microsoft.com/office/drawing/2014/main" id="{A2D6D5D0-D278-4CA7-BA66-AB0575A08852}"/>
+              </a:ext>
+            </a:extLst>
+          </p:cNvPr>
+          <p:cNvSpPr>
+            <a:spLocks noGrp="1"/>
+          </p:cNvSpPr>
+          <p:nvPr>
+            <p:ph type="pic" sz="quarter" idx="22"/>
+          </p:nvPr>
+        </p:nvSpPr>
+        <p:spPr/>
+      </p:sp>
+      <p:sp>
+        <p:nvSpPr>
+          <p:cNvPr id="13" name="Espace réservé du contenu 12">
+            <a:extLst>
+              <a:ext uri="{FF2B5EF4-FFF2-40B4-BE49-F238E27FC236}">
+                <a16:creationId xmlns:a16="http://schemas.microsoft.com/office/drawing/2014/main" id="{06763B85-4BF5-4BC2-BC7B-A6FB7AB84809}"/>
+              </a:ext>
+            </a:extLst>
+          </p:cNvPr>
+          <p:cNvSpPr>
+            <a:spLocks noGrp="1"/>
+          </p:cNvSpPr>
+          <p:nvPr>
+            <p:ph sz="quarter" idx="23"/>
+          </p:nvPr>
+        </p:nvSpPr>
+        <p:spPr/>
+        <p:txBody>
+          <a:bodyPr/>
+          <a:lstStyle/>
+          <a:p>
+            <a:endParaRPr lang="fr-FR"/>
+          </a:p>
+        </p:txBody>
+      </p:sp>
+    </p:spTree>
+    <p:extLst>
+      <p:ext uri="{BB962C8B-B14F-4D97-AF65-F5344CB8AC3E}">
+        <p14:creationId xmlns:p14="http://schemas.microsoft.com/office/powerpoint/2010/main" val="2708656932"/>
+      </p:ext>
+    </p:extLst>
+  </p:cSld>
+  <p:clrMapOvr>
+    <a:masterClrMapping/>
+  </p:clrMapOvr>
+</p:sld>
+</file>
+
+<file path=ppt/slides/slide23.xml><?xml version="1.0" encoding="utf-8"?>
+<p:sld xmlns:a="http://schemas.openxmlformats.org/drawingml/2006/main" xmlns:r="http://schemas.openxmlformats.org/officeDocument/2006/relationships" xmlns:p="http://schemas.openxmlformats.org/presentationml/2006/main">
+  <p:cSld>
+    <p:spTree>
+      <p:nvGrpSpPr>
+        <p:cNvPr id="1" name=""/>
+        <p:cNvGrpSpPr/>
+        <p:nvPr/>
+      </p:nvGrpSpPr>
+      <p:grpSpPr>
+        <a:xfrm>
+          <a:off x="0" y="0"/>
+          <a:ext cx="0" cy="0"/>
+          <a:chOff x="0" y="0"/>
+          <a:chExt cx="0" cy="0"/>
+        </a:xfrm>
+      </p:grpSpPr>
+      <p:sp>
+        <p:nvSpPr>
+          <p:cNvPr id="2" name="Espace réservé du numéro de diapositive 1">
+            <a:extLst>
+              <a:ext uri="{FF2B5EF4-FFF2-40B4-BE49-F238E27FC236}">
+                <a16:creationId xmlns:a16="http://schemas.microsoft.com/office/drawing/2014/main" id="{57BFE066-6260-4417-B0ED-402399FFD25D}"/>
+              </a:ext>
+            </a:extLst>
+          </p:cNvPr>
+          <p:cNvSpPr>
+            <a:spLocks noGrp="1"/>
+          </p:cNvSpPr>
+          <p:nvPr>
+            <p:ph type="sldNum" sz="quarter" idx="12"/>
+          </p:nvPr>
+        </p:nvSpPr>
+        <p:spPr/>
+        <p:txBody>
+          <a:bodyPr/>
+          <a:lstStyle/>
+          <a:p>
+            <a:pPr marL="0" lvl="0" indent="0" algn="r" rtl="0">
+              <a:spcBef>
+                <a:spcPts val="0"/>
+              </a:spcBef>
+              <a:spcAft>
+                <a:spcPts val="0"/>
+              </a:spcAft>
+              <a:buNone/>
+            </a:pPr>
+            <a:fld id="{00000000-1234-1234-1234-123412341234}" type="slidenum">
+              <a:rPr lang="fr-FR" smtClean="0"/>
+              <a:t>23</a:t>
+            </a:fld>
+            <a:endParaRPr lang="fr-FR"/>
+          </a:p>
+        </p:txBody>
+      </p:sp>
+      <p:sp>
+        <p:nvSpPr>
+          <p:cNvPr id="3" name="Titre 2">
+            <a:extLst>
+              <a:ext uri="{FF2B5EF4-FFF2-40B4-BE49-F238E27FC236}">
+                <a16:creationId xmlns:a16="http://schemas.microsoft.com/office/drawing/2014/main" id="{807FED8C-C82F-44AF-BE52-3D4319C0E88B}"/>
+              </a:ext>
+            </a:extLst>
+          </p:cNvPr>
+          <p:cNvSpPr>
+            <a:spLocks noGrp="1"/>
+          </p:cNvSpPr>
+          <p:nvPr>
+            <p:ph type="title"/>
+          </p:nvPr>
+        </p:nvSpPr>
+        <p:spPr/>
+        <p:txBody>
+          <a:bodyPr/>
+          <a:lstStyle/>
+          <a:p>
+            <a:r>
+              <a:rPr lang="fr-FR" dirty="0"/>
+              <a:t>Aile avant</a:t>
+            </a:r>
+          </a:p>
+        </p:txBody>
+      </p:sp>
+      <p:sp>
+        <p:nvSpPr>
+          <p:cNvPr id="4" name="Espace réservé du texte 3">
+            <a:extLst>
+              <a:ext uri="{FF2B5EF4-FFF2-40B4-BE49-F238E27FC236}">
+                <a16:creationId xmlns:a16="http://schemas.microsoft.com/office/drawing/2014/main" id="{E9EE4E9A-EEF0-4B90-A331-FA8E727CC6AA}"/>
+              </a:ext>
+            </a:extLst>
+          </p:cNvPr>
+          <p:cNvSpPr>
+            <a:spLocks noGrp="1"/>
+          </p:cNvSpPr>
+          <p:nvPr>
+            <p:ph type="body" sz="quarter" idx="13"/>
+          </p:nvPr>
+        </p:nvSpPr>
+        <p:spPr/>
+        <p:txBody>
+          <a:bodyPr/>
+          <a:lstStyle/>
+          <a:p>
+            <a:endParaRPr lang="fr-FR"/>
+          </a:p>
+        </p:txBody>
+      </p:sp>
+      <p:sp>
+        <p:nvSpPr>
+          <p:cNvPr id="5" name="Espace réservé du texte 4">
+            <a:extLst>
+              <a:ext uri="{FF2B5EF4-FFF2-40B4-BE49-F238E27FC236}">
+                <a16:creationId xmlns:a16="http://schemas.microsoft.com/office/drawing/2014/main" id="{CA38474E-1507-4D83-932B-7C1F4A3EACC7}"/>
+              </a:ext>
+            </a:extLst>
+          </p:cNvPr>
+          <p:cNvSpPr>
+            <a:spLocks noGrp="1"/>
+          </p:cNvSpPr>
+          <p:nvPr>
+            <p:ph type="body" sz="quarter" idx="17"/>
+          </p:nvPr>
+        </p:nvSpPr>
+        <p:spPr/>
+        <p:txBody>
+          <a:bodyPr/>
+          <a:lstStyle/>
+          <a:p>
+            <a:endParaRPr lang="fr-FR"/>
+          </a:p>
+        </p:txBody>
+      </p:sp>
+      <p:sp>
+        <p:nvSpPr>
+          <p:cNvPr id="6" name="Espace réservé du texte 5">
+            <a:extLst>
+              <a:ext uri="{FF2B5EF4-FFF2-40B4-BE49-F238E27FC236}">
+                <a16:creationId xmlns:a16="http://schemas.microsoft.com/office/drawing/2014/main" id="{0A6CE8D4-A56A-4014-9766-E1E8F995026B}"/>
+              </a:ext>
+            </a:extLst>
+          </p:cNvPr>
+          <p:cNvSpPr>
+            <a:spLocks noGrp="1"/>
+          </p:cNvSpPr>
+          <p:nvPr>
+            <p:ph type="body" sz="quarter" idx="18"/>
+          </p:nvPr>
+        </p:nvSpPr>
+        <p:spPr/>
+        <p:txBody>
+          <a:bodyPr/>
+          <a:lstStyle/>
+          <a:p>
+            <a:endParaRPr lang="fr-FR"/>
+          </a:p>
+        </p:txBody>
+      </p:sp>
+      <p:sp>
+        <p:nvSpPr>
+          <p:cNvPr id="7" name="Espace réservé du texte 6">
+            <a:extLst>
+              <a:ext uri="{FF2B5EF4-FFF2-40B4-BE49-F238E27FC236}">
+                <a16:creationId xmlns:a16="http://schemas.microsoft.com/office/drawing/2014/main" id="{607CEE30-CC1E-4197-869B-8CF260ECB486}"/>
+              </a:ext>
+            </a:extLst>
+          </p:cNvPr>
+          <p:cNvSpPr>
+            <a:spLocks noGrp="1"/>
+          </p:cNvSpPr>
+          <p:nvPr>
+            <p:ph type="body" sz="quarter" idx="19"/>
+          </p:nvPr>
+        </p:nvSpPr>
+        <p:spPr/>
+        <p:txBody>
+          <a:bodyPr/>
+          <a:lstStyle/>
+          <a:p>
+            <a:endParaRPr lang="fr-FR"/>
+          </a:p>
+        </p:txBody>
+      </p:sp>
+      <p:sp>
+        <p:nvSpPr>
+          <p:cNvPr id="8" name="Espace réservé du texte 7">
+            <a:extLst>
+              <a:ext uri="{FF2B5EF4-FFF2-40B4-BE49-F238E27FC236}">
+                <a16:creationId xmlns:a16="http://schemas.microsoft.com/office/drawing/2014/main" id="{6016A266-1121-490F-A201-71B787327E1B}"/>
+              </a:ext>
+            </a:extLst>
+          </p:cNvPr>
+          <p:cNvSpPr>
+            <a:spLocks noGrp="1"/>
+          </p:cNvSpPr>
+          <p:nvPr>
+            <p:ph type="body" sz="quarter" idx="20"/>
+          </p:nvPr>
+        </p:nvSpPr>
+        <p:spPr/>
+        <p:txBody>
+          <a:bodyPr/>
+          <a:lstStyle/>
+          <a:p>
+            <a:endParaRPr lang="fr-FR"/>
+          </a:p>
+        </p:txBody>
+      </p:sp>
+      <p:sp>
+        <p:nvSpPr>
+          <p:cNvPr id="9" name="Espace réservé pour une image  8">
+            <a:extLst>
+              <a:ext uri="{FF2B5EF4-FFF2-40B4-BE49-F238E27FC236}">
+                <a16:creationId xmlns:a16="http://schemas.microsoft.com/office/drawing/2014/main" id="{6F9C1C0B-DB46-410A-9236-5B002BB5E0D3}"/>
+              </a:ext>
+            </a:extLst>
+          </p:cNvPr>
+          <p:cNvSpPr>
+            <a:spLocks noGrp="1"/>
+          </p:cNvSpPr>
+          <p:nvPr>
+            <p:ph type="pic" sz="quarter" idx="22"/>
+          </p:nvPr>
+        </p:nvSpPr>
+        <p:spPr/>
+      </p:sp>
+    </p:spTree>
+    <p:extLst>
+      <p:ext uri="{BB962C8B-B14F-4D97-AF65-F5344CB8AC3E}">
+        <p14:creationId xmlns:p14="http://schemas.microsoft.com/office/powerpoint/2010/main" val="2681056044"/>
+      </p:ext>
+    </p:extLst>
+  </p:cSld>
+  <p:clrMapOvr>
+    <a:masterClrMapping/>
+  </p:clrMapOvr>
+</p:sld>
+</file>
+
+<file path=ppt/slides/slide24.xml><?xml version="1.0" encoding="utf-8"?>
+<p:sld xmlns:a="http://schemas.openxmlformats.org/drawingml/2006/main" xmlns:r="http://schemas.openxmlformats.org/officeDocument/2006/relationships" xmlns:p="http://schemas.openxmlformats.org/presentationml/2006/main">
+  <p:cSld>
+    <p:spTree>
+      <p:nvGrpSpPr>
+        <p:cNvPr id="1" name=""/>
+        <p:cNvGrpSpPr/>
+        <p:nvPr/>
+      </p:nvGrpSpPr>
+      <p:grpSpPr>
+        <a:xfrm>
+          <a:off x="0" y="0"/>
+          <a:ext cx="0" cy="0"/>
+          <a:chOff x="0" y="0"/>
+          <a:chExt cx="0" cy="0"/>
+        </a:xfrm>
+      </p:grpSpPr>
+      <p:sp>
+        <p:nvSpPr>
+          <p:cNvPr id="2" name="Espace réservé du numéro de diapositive 1">
+            <a:extLst>
+              <a:ext uri="{FF2B5EF4-FFF2-40B4-BE49-F238E27FC236}">
+                <a16:creationId xmlns:a16="http://schemas.microsoft.com/office/drawing/2014/main" id="{77550A5C-FBA8-4473-94F3-3B23BE676566}"/>
+              </a:ext>
+            </a:extLst>
+          </p:cNvPr>
+          <p:cNvSpPr>
+            <a:spLocks noGrp="1"/>
+          </p:cNvSpPr>
+          <p:nvPr>
+            <p:ph type="sldNum" sz="quarter" idx="12"/>
+          </p:nvPr>
+        </p:nvSpPr>
+        <p:spPr/>
+        <p:txBody>
+          <a:bodyPr/>
+          <a:lstStyle/>
+          <a:p>
+            <a:pPr marL="0" lvl="0" indent="0" algn="r" rtl="0">
+              <a:spcBef>
+                <a:spcPts val="0"/>
+              </a:spcBef>
+              <a:spcAft>
+                <a:spcPts val="0"/>
+              </a:spcAft>
+              <a:buNone/>
+            </a:pPr>
+            <a:fld id="{00000000-1234-1234-1234-123412341234}" type="slidenum">
+              <a:rPr lang="fr-FR" smtClean="0"/>
+              <a:t>24</a:t>
+            </a:fld>
+            <a:endParaRPr lang="fr-FR"/>
+          </a:p>
+        </p:txBody>
+      </p:sp>
+      <p:sp>
+        <p:nvSpPr>
+          <p:cNvPr id="11" name="Titre 10">
+            <a:extLst>
+              <a:ext uri="{FF2B5EF4-FFF2-40B4-BE49-F238E27FC236}">
+                <a16:creationId xmlns:a16="http://schemas.microsoft.com/office/drawing/2014/main" id="{87439681-680C-4BA9-9786-4276847DC932}"/>
+              </a:ext>
+            </a:extLst>
+          </p:cNvPr>
+          <p:cNvSpPr>
+            <a:spLocks noGrp="1"/>
+          </p:cNvSpPr>
+          <p:nvPr>
+            <p:ph type="title"/>
+          </p:nvPr>
+        </p:nvSpPr>
+        <p:spPr/>
+        <p:txBody>
+          <a:bodyPr/>
+          <a:lstStyle/>
+          <a:p>
+            <a:r>
+              <a:rPr lang="fr-FR" dirty="0"/>
+              <a:t>Aile avant</a:t>
+            </a:r>
+          </a:p>
+        </p:txBody>
+      </p:sp>
+      <p:sp>
+        <p:nvSpPr>
+          <p:cNvPr id="12" name="Espace réservé pour une image  11">
+            <a:extLst>
+              <a:ext uri="{FF2B5EF4-FFF2-40B4-BE49-F238E27FC236}">
+                <a16:creationId xmlns:a16="http://schemas.microsoft.com/office/drawing/2014/main" id="{A2D6D5D0-D278-4CA7-BA66-AB0575A08852}"/>
+              </a:ext>
+            </a:extLst>
+          </p:cNvPr>
+          <p:cNvSpPr>
+            <a:spLocks noGrp="1"/>
+          </p:cNvSpPr>
+          <p:nvPr>
+            <p:ph type="pic" sz="quarter" idx="22"/>
+          </p:nvPr>
+        </p:nvSpPr>
+        <p:spPr/>
+      </p:sp>
+      <p:sp>
+        <p:nvSpPr>
+          <p:cNvPr id="13" name="Espace réservé du contenu 12">
+            <a:extLst>
+              <a:ext uri="{FF2B5EF4-FFF2-40B4-BE49-F238E27FC236}">
+                <a16:creationId xmlns:a16="http://schemas.microsoft.com/office/drawing/2014/main" id="{06763B85-4BF5-4BC2-BC7B-A6FB7AB84809}"/>
+              </a:ext>
+            </a:extLst>
+          </p:cNvPr>
+          <p:cNvSpPr>
+            <a:spLocks noGrp="1"/>
+          </p:cNvSpPr>
+          <p:nvPr>
+            <p:ph sz="quarter" idx="23"/>
+          </p:nvPr>
+        </p:nvSpPr>
+        <p:spPr/>
+        <p:txBody>
+          <a:bodyPr/>
+          <a:lstStyle/>
+          <a:p>
+            <a:endParaRPr lang="fr-FR"/>
+          </a:p>
+        </p:txBody>
+      </p:sp>
+    </p:spTree>
+    <p:extLst>
+      <p:ext uri="{BB962C8B-B14F-4D97-AF65-F5344CB8AC3E}">
+        <p14:creationId xmlns:p14="http://schemas.microsoft.com/office/powerpoint/2010/main" val="2058739278"/>
+      </p:ext>
+    </p:extLst>
+  </p:cSld>
+  <p:clrMapOvr>
+    <a:masterClrMapping/>
+  </p:clrMapOvr>
+</p:sld>
+</file>
+
+<file path=ppt/slides/slide25.xml><?xml version="1.0" encoding="utf-8"?>
+<p:sld xmlns:a="http://schemas.openxmlformats.org/drawingml/2006/main" xmlns:r="http://schemas.openxmlformats.org/officeDocument/2006/relationships" xmlns:p="http://schemas.openxmlformats.org/presentationml/2006/main">
+  <p:cSld>
+    <p:spTree>
+      <p:nvGrpSpPr>
+        <p:cNvPr id="1" name=""/>
+        <p:cNvGrpSpPr/>
+        <p:nvPr/>
+      </p:nvGrpSpPr>
+      <p:grpSpPr>
+        <a:xfrm>
+          <a:off x="0" y="0"/>
+          <a:ext cx="0" cy="0"/>
+          <a:chOff x="0" y="0"/>
+          <a:chExt cx="0" cy="0"/>
+        </a:xfrm>
+      </p:grpSpPr>
+      <p:sp>
+        <p:nvSpPr>
+          <p:cNvPr id="2" name="Espace réservé du numéro de diapositive 1">
+            <a:extLst>
+              <a:ext uri="{FF2B5EF4-FFF2-40B4-BE49-F238E27FC236}">
+                <a16:creationId xmlns:a16="http://schemas.microsoft.com/office/drawing/2014/main" id="{57BFE066-6260-4417-B0ED-402399FFD25D}"/>
+              </a:ext>
+            </a:extLst>
+          </p:cNvPr>
+          <p:cNvSpPr>
+            <a:spLocks noGrp="1"/>
+          </p:cNvSpPr>
+          <p:nvPr>
+            <p:ph type="sldNum" sz="quarter" idx="12"/>
+          </p:nvPr>
+        </p:nvSpPr>
+        <p:spPr/>
+        <p:txBody>
+          <a:bodyPr/>
+          <a:lstStyle/>
+          <a:p>
+            <a:pPr marL="0" lvl="0" indent="0" algn="r" rtl="0">
+              <a:spcBef>
+                <a:spcPts val="0"/>
+              </a:spcBef>
+              <a:spcAft>
+                <a:spcPts val="0"/>
+              </a:spcAft>
+              <a:buNone/>
+            </a:pPr>
+            <a:fld id="{00000000-1234-1234-1234-123412341234}" type="slidenum">
+              <a:rPr lang="fr-FR" smtClean="0"/>
+              <a:t>25</a:t>
+            </a:fld>
+            <a:endParaRPr lang="fr-FR"/>
+          </a:p>
+        </p:txBody>
+      </p:sp>
+      <p:sp>
+        <p:nvSpPr>
+          <p:cNvPr id="3" name="Titre 2">
+            <a:extLst>
+              <a:ext uri="{FF2B5EF4-FFF2-40B4-BE49-F238E27FC236}">
+                <a16:creationId xmlns:a16="http://schemas.microsoft.com/office/drawing/2014/main" id="{807FED8C-C82F-44AF-BE52-3D4319C0E88B}"/>
+              </a:ext>
+            </a:extLst>
+          </p:cNvPr>
+          <p:cNvSpPr>
+            <a:spLocks noGrp="1"/>
+          </p:cNvSpPr>
+          <p:nvPr>
+            <p:ph type="title"/>
+          </p:nvPr>
+        </p:nvSpPr>
+        <p:spPr/>
+        <p:txBody>
+          <a:bodyPr/>
+          <a:lstStyle/>
+          <a:p>
+            <a:r>
+              <a:rPr lang="fr-FR" dirty="0"/>
+              <a:t>Diffuseur</a:t>
+            </a:r>
+          </a:p>
+        </p:txBody>
+      </p:sp>
+      <p:sp>
+        <p:nvSpPr>
+          <p:cNvPr id="4" name="Espace réservé du texte 3">
+            <a:extLst>
+              <a:ext uri="{FF2B5EF4-FFF2-40B4-BE49-F238E27FC236}">
+                <a16:creationId xmlns:a16="http://schemas.microsoft.com/office/drawing/2014/main" id="{E9EE4E9A-EEF0-4B90-A331-FA8E727CC6AA}"/>
+              </a:ext>
+            </a:extLst>
+          </p:cNvPr>
+          <p:cNvSpPr>
+            <a:spLocks noGrp="1"/>
+          </p:cNvSpPr>
+          <p:nvPr>
+            <p:ph type="body" sz="quarter" idx="13"/>
+          </p:nvPr>
+        </p:nvSpPr>
+        <p:spPr/>
+        <p:txBody>
+          <a:bodyPr/>
+          <a:lstStyle/>
+          <a:p>
+            <a:endParaRPr lang="fr-FR"/>
+          </a:p>
+        </p:txBody>
+      </p:sp>
+      <p:sp>
+        <p:nvSpPr>
+          <p:cNvPr id="5" name="Espace réservé du texte 4">
+            <a:extLst>
+              <a:ext uri="{FF2B5EF4-FFF2-40B4-BE49-F238E27FC236}">
+                <a16:creationId xmlns:a16="http://schemas.microsoft.com/office/drawing/2014/main" id="{CA38474E-1507-4D83-932B-7C1F4A3EACC7}"/>
+              </a:ext>
+            </a:extLst>
+          </p:cNvPr>
+          <p:cNvSpPr>
+            <a:spLocks noGrp="1"/>
+          </p:cNvSpPr>
+          <p:nvPr>
+            <p:ph type="body" sz="quarter" idx="17"/>
+          </p:nvPr>
+        </p:nvSpPr>
+        <p:spPr/>
+        <p:txBody>
+          <a:bodyPr/>
+          <a:lstStyle/>
+          <a:p>
+            <a:endParaRPr lang="fr-FR"/>
+          </a:p>
+        </p:txBody>
+      </p:sp>
+      <p:sp>
+        <p:nvSpPr>
+          <p:cNvPr id="6" name="Espace réservé du texte 5">
+            <a:extLst>
+              <a:ext uri="{FF2B5EF4-FFF2-40B4-BE49-F238E27FC236}">
+                <a16:creationId xmlns:a16="http://schemas.microsoft.com/office/drawing/2014/main" id="{0A6CE8D4-A56A-4014-9766-E1E8F995026B}"/>
+              </a:ext>
+            </a:extLst>
+          </p:cNvPr>
+          <p:cNvSpPr>
+            <a:spLocks noGrp="1"/>
+          </p:cNvSpPr>
+          <p:nvPr>
+            <p:ph type="body" sz="quarter" idx="18"/>
+          </p:nvPr>
+        </p:nvSpPr>
+        <p:spPr/>
+        <p:txBody>
+          <a:bodyPr/>
+          <a:lstStyle/>
+          <a:p>
+            <a:endParaRPr lang="fr-FR"/>
+          </a:p>
+        </p:txBody>
+      </p:sp>
+      <p:sp>
+        <p:nvSpPr>
+          <p:cNvPr id="7" name="Espace réservé du texte 6">
+            <a:extLst>
+              <a:ext uri="{FF2B5EF4-FFF2-40B4-BE49-F238E27FC236}">
+                <a16:creationId xmlns:a16="http://schemas.microsoft.com/office/drawing/2014/main" id="{607CEE30-CC1E-4197-869B-8CF260ECB486}"/>
+              </a:ext>
+            </a:extLst>
+          </p:cNvPr>
+          <p:cNvSpPr>
+            <a:spLocks noGrp="1"/>
+          </p:cNvSpPr>
+          <p:nvPr>
+            <p:ph type="body" sz="quarter" idx="19"/>
+          </p:nvPr>
+        </p:nvSpPr>
+        <p:spPr/>
+        <p:txBody>
+          <a:bodyPr/>
+          <a:lstStyle/>
+          <a:p>
+            <a:endParaRPr lang="fr-FR"/>
+          </a:p>
+        </p:txBody>
+      </p:sp>
+      <p:sp>
+        <p:nvSpPr>
+          <p:cNvPr id="8" name="Espace réservé du texte 7">
+            <a:extLst>
+              <a:ext uri="{FF2B5EF4-FFF2-40B4-BE49-F238E27FC236}">
+                <a16:creationId xmlns:a16="http://schemas.microsoft.com/office/drawing/2014/main" id="{6016A266-1121-490F-A201-71B787327E1B}"/>
+              </a:ext>
+            </a:extLst>
+          </p:cNvPr>
+          <p:cNvSpPr>
+            <a:spLocks noGrp="1"/>
+          </p:cNvSpPr>
+          <p:nvPr>
+            <p:ph type="body" sz="quarter" idx="20"/>
+          </p:nvPr>
+        </p:nvSpPr>
+        <p:spPr/>
+        <p:txBody>
+          <a:bodyPr/>
+          <a:lstStyle/>
+          <a:p>
+            <a:endParaRPr lang="fr-FR"/>
+          </a:p>
+        </p:txBody>
+      </p:sp>
+      <p:sp>
+        <p:nvSpPr>
+          <p:cNvPr id="9" name="Espace réservé pour une image  8">
+            <a:extLst>
+              <a:ext uri="{FF2B5EF4-FFF2-40B4-BE49-F238E27FC236}">
+                <a16:creationId xmlns:a16="http://schemas.microsoft.com/office/drawing/2014/main" id="{6F9C1C0B-DB46-410A-9236-5B002BB5E0D3}"/>
+              </a:ext>
+            </a:extLst>
+          </p:cNvPr>
+          <p:cNvSpPr>
+            <a:spLocks noGrp="1"/>
+          </p:cNvSpPr>
+          <p:nvPr>
+            <p:ph type="pic" sz="quarter" idx="22"/>
+          </p:nvPr>
+        </p:nvSpPr>
+        <p:spPr/>
+      </p:sp>
+    </p:spTree>
+    <p:extLst>
+      <p:ext uri="{BB962C8B-B14F-4D97-AF65-F5344CB8AC3E}">
+        <p14:creationId xmlns:p14="http://schemas.microsoft.com/office/powerpoint/2010/main" val="1693282088"/>
+      </p:ext>
+    </p:extLst>
+  </p:cSld>
+  <p:clrMapOvr>
+    <a:masterClrMapping/>
+  </p:clrMapOvr>
+</p:sld>
+</file>
+
+<file path=ppt/slides/slide26.xml><?xml version="1.0" encoding="utf-8"?>
+<p:sld xmlns:a="http://schemas.openxmlformats.org/drawingml/2006/main" xmlns:r="http://schemas.openxmlformats.org/officeDocument/2006/relationships" xmlns:p="http://schemas.openxmlformats.org/presentationml/2006/main">
+  <p:cSld>
+    <p:spTree>
+      <p:nvGrpSpPr>
+        <p:cNvPr id="1" name=""/>
+        <p:cNvGrpSpPr/>
+        <p:nvPr/>
+      </p:nvGrpSpPr>
+      <p:grpSpPr>
+        <a:xfrm>
+          <a:off x="0" y="0"/>
+          <a:ext cx="0" cy="0"/>
+          <a:chOff x="0" y="0"/>
+          <a:chExt cx="0" cy="0"/>
+        </a:xfrm>
+      </p:grpSpPr>
+      <p:sp>
+        <p:nvSpPr>
+          <p:cNvPr id="2" name="Espace réservé du numéro de diapositive 1">
+            <a:extLst>
+              <a:ext uri="{FF2B5EF4-FFF2-40B4-BE49-F238E27FC236}">
+                <a16:creationId xmlns:a16="http://schemas.microsoft.com/office/drawing/2014/main" id="{77550A5C-FBA8-4473-94F3-3B23BE676566}"/>
+              </a:ext>
+            </a:extLst>
+          </p:cNvPr>
+          <p:cNvSpPr>
+            <a:spLocks noGrp="1"/>
+          </p:cNvSpPr>
+          <p:nvPr>
+            <p:ph type="sldNum" sz="quarter" idx="12"/>
+          </p:nvPr>
+        </p:nvSpPr>
+        <p:spPr/>
+        <p:txBody>
+          <a:bodyPr/>
+          <a:lstStyle/>
+          <a:p>
+            <a:pPr marL="0" lvl="0" indent="0" algn="r" rtl="0">
+              <a:spcBef>
+                <a:spcPts val="0"/>
+              </a:spcBef>
+              <a:spcAft>
+                <a:spcPts val="0"/>
+              </a:spcAft>
+              <a:buNone/>
+            </a:pPr>
+            <a:fld id="{00000000-1234-1234-1234-123412341234}" type="slidenum">
+              <a:rPr lang="fr-FR" smtClean="0"/>
+              <a:t>26</a:t>
+            </a:fld>
+            <a:endParaRPr lang="fr-FR"/>
+          </a:p>
+        </p:txBody>
+      </p:sp>
+      <p:sp>
+        <p:nvSpPr>
+          <p:cNvPr id="11" name="Titre 10">
+            <a:extLst>
+              <a:ext uri="{FF2B5EF4-FFF2-40B4-BE49-F238E27FC236}">
+                <a16:creationId xmlns:a16="http://schemas.microsoft.com/office/drawing/2014/main" id="{87439681-680C-4BA9-9786-4276847DC932}"/>
+              </a:ext>
+            </a:extLst>
+          </p:cNvPr>
+          <p:cNvSpPr>
+            <a:spLocks noGrp="1"/>
+          </p:cNvSpPr>
+          <p:nvPr>
+            <p:ph type="title"/>
+          </p:nvPr>
+        </p:nvSpPr>
+        <p:spPr/>
+        <p:txBody>
+          <a:bodyPr/>
+          <a:lstStyle/>
+          <a:p>
+            <a:r>
+              <a:rPr lang="fr-FR" dirty="0"/>
+              <a:t>Diffuseur</a:t>
+            </a:r>
+          </a:p>
+        </p:txBody>
+      </p:sp>
+      <p:sp>
+        <p:nvSpPr>
+          <p:cNvPr id="12" name="Espace réservé pour une image  11">
+            <a:extLst>
+              <a:ext uri="{FF2B5EF4-FFF2-40B4-BE49-F238E27FC236}">
+                <a16:creationId xmlns:a16="http://schemas.microsoft.com/office/drawing/2014/main" id="{A2D6D5D0-D278-4CA7-BA66-AB0575A08852}"/>
+              </a:ext>
+            </a:extLst>
+          </p:cNvPr>
+          <p:cNvSpPr>
+            <a:spLocks noGrp="1"/>
+          </p:cNvSpPr>
+          <p:nvPr>
+            <p:ph type="pic" sz="quarter" idx="22"/>
+          </p:nvPr>
+        </p:nvSpPr>
+        <p:spPr/>
+      </p:sp>
+      <p:sp>
+        <p:nvSpPr>
+          <p:cNvPr id="13" name="Espace réservé du contenu 12">
+            <a:extLst>
+              <a:ext uri="{FF2B5EF4-FFF2-40B4-BE49-F238E27FC236}">
+                <a16:creationId xmlns:a16="http://schemas.microsoft.com/office/drawing/2014/main" id="{06763B85-4BF5-4BC2-BC7B-A6FB7AB84809}"/>
+              </a:ext>
+            </a:extLst>
+          </p:cNvPr>
+          <p:cNvSpPr>
+            <a:spLocks noGrp="1"/>
+          </p:cNvSpPr>
+          <p:nvPr>
+            <p:ph sz="quarter" idx="23"/>
+          </p:nvPr>
+        </p:nvSpPr>
+        <p:spPr/>
+        <p:txBody>
+          <a:bodyPr/>
+          <a:lstStyle/>
+          <a:p>
+            <a:endParaRPr lang="fr-FR"/>
+          </a:p>
+        </p:txBody>
+      </p:sp>
+    </p:spTree>
+    <p:extLst>
+      <p:ext uri="{BB962C8B-B14F-4D97-AF65-F5344CB8AC3E}">
+        <p14:creationId xmlns:p14="http://schemas.microsoft.com/office/powerpoint/2010/main" val="984371409"/>
+      </p:ext>
+    </p:extLst>
+  </p:cSld>
+  <p:clrMapOvr>
+    <a:masterClrMapping/>
+  </p:clrMapOvr>
+</p:sld>
+</file>
+
+<file path=ppt/slides/slide27.xml><?xml version="1.0" encoding="utf-8"?>
+<p:sld xmlns:a="http://schemas.openxmlformats.org/drawingml/2006/main" xmlns:r="http://schemas.openxmlformats.org/officeDocument/2006/relationships" xmlns:p="http://schemas.openxmlformats.org/presentationml/2006/main">
+  <p:cSld>
+    <p:spTree>
+      <p:nvGrpSpPr>
+        <p:cNvPr id="1" name=""/>
+        <p:cNvGrpSpPr/>
+        <p:nvPr/>
+      </p:nvGrpSpPr>
+      <p:grpSpPr>
+        <a:xfrm>
+          <a:off x="0" y="0"/>
+          <a:ext cx="0" cy="0"/>
+          <a:chOff x="0" y="0"/>
+          <a:chExt cx="0" cy="0"/>
+        </a:xfrm>
+      </p:grpSpPr>
+      <p:sp>
+        <p:nvSpPr>
+          <p:cNvPr id="2" name="Espace réservé du numéro de diapositive 1">
+            <a:extLst>
+              <a:ext uri="{FF2B5EF4-FFF2-40B4-BE49-F238E27FC236}">
+                <a16:creationId xmlns:a16="http://schemas.microsoft.com/office/drawing/2014/main" id="{2BBC0922-59A2-4F98-8826-618398D0500C}"/>
+              </a:ext>
+            </a:extLst>
+          </p:cNvPr>
+          <p:cNvSpPr>
+            <a:spLocks noGrp="1"/>
+          </p:cNvSpPr>
+          <p:nvPr>
+            <p:ph type="sldNum" sz="quarter" idx="12"/>
+          </p:nvPr>
+        </p:nvSpPr>
+        <p:spPr/>
+        <p:txBody>
+          <a:bodyPr/>
+          <a:lstStyle/>
+          <a:p>
+            <a:pPr marL="0" lvl="0" indent="0" algn="r" rtl="0">
+              <a:spcBef>
+                <a:spcPts val="0"/>
+              </a:spcBef>
+              <a:spcAft>
+                <a:spcPts val="0"/>
+              </a:spcAft>
+              <a:buNone/>
+            </a:pPr>
+            <a:fld id="{00000000-1234-1234-1234-123412341234}" type="slidenum">
+              <a:rPr lang="fr-FR" smtClean="0"/>
+              <a:t>27</a:t>
+            </a:fld>
+            <a:endParaRPr lang="fr-FR"/>
+          </a:p>
+        </p:txBody>
+      </p:sp>
+      <p:sp>
+        <p:nvSpPr>
+          <p:cNvPr id="3" name="Titre 2">
+            <a:extLst>
+              <a:ext uri="{FF2B5EF4-FFF2-40B4-BE49-F238E27FC236}">
+                <a16:creationId xmlns:a16="http://schemas.microsoft.com/office/drawing/2014/main" id="{5CACC549-9166-4F9D-968C-F9C528C24DFC}"/>
+              </a:ext>
+            </a:extLst>
+          </p:cNvPr>
+          <p:cNvSpPr>
+            <a:spLocks noGrp="1"/>
+          </p:cNvSpPr>
+          <p:nvPr>
+            <p:ph type="title"/>
+          </p:nvPr>
+        </p:nvSpPr>
+        <p:spPr/>
+        <p:txBody>
+          <a:bodyPr>
+            <a:normAutofit/>
+          </a:bodyPr>
+          <a:lstStyle/>
+          <a:p>
+            <a:r>
+              <a:rPr lang="fr-FR" dirty="0"/>
+              <a:t>Bride/Guillotine</a:t>
+            </a:r>
+          </a:p>
+        </p:txBody>
+      </p:sp>
+      <p:sp>
+        <p:nvSpPr>
+          <p:cNvPr id="4" name="Espace réservé du texte 3">
+            <a:extLst>
+              <a:ext uri="{FF2B5EF4-FFF2-40B4-BE49-F238E27FC236}">
+                <a16:creationId xmlns:a16="http://schemas.microsoft.com/office/drawing/2014/main" id="{9E131B48-889F-420A-B506-4654E3E0D1DF}"/>
+              </a:ext>
+            </a:extLst>
+          </p:cNvPr>
+          <p:cNvSpPr>
+            <a:spLocks noGrp="1"/>
+          </p:cNvSpPr>
+          <p:nvPr>
+            <p:ph type="body" sz="quarter" idx="13"/>
+          </p:nvPr>
+        </p:nvSpPr>
+        <p:spPr/>
+        <p:txBody>
+          <a:bodyPr/>
+          <a:lstStyle/>
+          <a:p>
+            <a:endParaRPr lang="fr-FR"/>
+          </a:p>
+        </p:txBody>
+      </p:sp>
+      <p:sp>
+        <p:nvSpPr>
+          <p:cNvPr id="5" name="Espace réservé du texte 4">
+            <a:extLst>
+              <a:ext uri="{FF2B5EF4-FFF2-40B4-BE49-F238E27FC236}">
+                <a16:creationId xmlns:a16="http://schemas.microsoft.com/office/drawing/2014/main" id="{5111BDCD-2FDE-426A-A6DE-DAB868C77A24}"/>
+              </a:ext>
+            </a:extLst>
+          </p:cNvPr>
+          <p:cNvSpPr>
+            <a:spLocks noGrp="1"/>
+          </p:cNvSpPr>
+          <p:nvPr>
+            <p:ph type="body" sz="quarter" idx="17"/>
+          </p:nvPr>
+        </p:nvSpPr>
+        <p:spPr/>
+        <p:txBody>
+          <a:bodyPr/>
+          <a:lstStyle/>
+          <a:p>
+            <a:endParaRPr lang="fr-FR"/>
+          </a:p>
+        </p:txBody>
+      </p:sp>
+      <p:sp>
+        <p:nvSpPr>
+          <p:cNvPr id="6" name="Espace réservé du texte 5">
+            <a:extLst>
+              <a:ext uri="{FF2B5EF4-FFF2-40B4-BE49-F238E27FC236}">
+                <a16:creationId xmlns:a16="http://schemas.microsoft.com/office/drawing/2014/main" id="{329BED26-24C9-4B43-BA42-74D49B222A75}"/>
+              </a:ext>
+            </a:extLst>
+          </p:cNvPr>
+          <p:cNvSpPr>
+            <a:spLocks noGrp="1"/>
+          </p:cNvSpPr>
+          <p:nvPr>
+            <p:ph type="body" sz="quarter" idx="18"/>
+          </p:nvPr>
+        </p:nvSpPr>
+        <p:spPr/>
+        <p:txBody>
+          <a:bodyPr/>
+          <a:lstStyle/>
+          <a:p>
+            <a:endParaRPr lang="fr-FR"/>
+          </a:p>
+        </p:txBody>
+      </p:sp>
+      <p:sp>
+        <p:nvSpPr>
+          <p:cNvPr id="7" name="Espace réservé du texte 6">
+            <a:extLst>
+              <a:ext uri="{FF2B5EF4-FFF2-40B4-BE49-F238E27FC236}">
+                <a16:creationId xmlns:a16="http://schemas.microsoft.com/office/drawing/2014/main" id="{2A66DBEC-EEC5-4026-A511-5AC92AE8B12D}"/>
+              </a:ext>
+            </a:extLst>
+          </p:cNvPr>
+          <p:cNvSpPr>
+            <a:spLocks noGrp="1"/>
+          </p:cNvSpPr>
+          <p:nvPr>
+            <p:ph type="body" sz="quarter" idx="19"/>
+          </p:nvPr>
+        </p:nvSpPr>
+        <p:spPr/>
+        <p:txBody>
+          <a:bodyPr/>
+          <a:lstStyle/>
+          <a:p>
+            <a:endParaRPr lang="fr-FR"/>
+          </a:p>
+        </p:txBody>
+      </p:sp>
+      <p:sp>
+        <p:nvSpPr>
+          <p:cNvPr id="8" name="Espace réservé du texte 7">
+            <a:extLst>
+              <a:ext uri="{FF2B5EF4-FFF2-40B4-BE49-F238E27FC236}">
+                <a16:creationId xmlns:a16="http://schemas.microsoft.com/office/drawing/2014/main" id="{70C8924E-F946-42F0-82D6-C93E9464C2F4}"/>
+              </a:ext>
+            </a:extLst>
+          </p:cNvPr>
+          <p:cNvSpPr>
+            <a:spLocks noGrp="1"/>
+          </p:cNvSpPr>
+          <p:nvPr>
+            <p:ph type="body" sz="quarter" idx="20"/>
+          </p:nvPr>
+        </p:nvSpPr>
+        <p:spPr/>
+        <p:txBody>
+          <a:bodyPr/>
+          <a:lstStyle/>
+          <a:p>
+            <a:endParaRPr lang="fr-FR"/>
+          </a:p>
+        </p:txBody>
+      </p:sp>
+      <p:sp>
+        <p:nvSpPr>
+          <p:cNvPr id="9" name="Espace réservé pour une image  8">
+            <a:extLst>
+              <a:ext uri="{FF2B5EF4-FFF2-40B4-BE49-F238E27FC236}">
+                <a16:creationId xmlns:a16="http://schemas.microsoft.com/office/drawing/2014/main" id="{5CCA8D98-4B83-422E-9143-D4C63FDF816E}"/>
+              </a:ext>
+            </a:extLst>
+          </p:cNvPr>
+          <p:cNvSpPr>
+            <a:spLocks noGrp="1"/>
+          </p:cNvSpPr>
+          <p:nvPr>
+            <p:ph type="pic" sz="quarter" idx="22"/>
+          </p:nvPr>
+        </p:nvSpPr>
+        <p:spPr/>
+      </p:sp>
+    </p:spTree>
+    <p:extLst>
+      <p:ext uri="{BB962C8B-B14F-4D97-AF65-F5344CB8AC3E}">
+        <p14:creationId xmlns:p14="http://schemas.microsoft.com/office/powerpoint/2010/main" val="2453621349"/>
+      </p:ext>
+    </p:extLst>
+  </p:cSld>
+  <p:clrMapOvr>
+    <a:masterClrMapping/>
+  </p:clrMapOvr>
+</p:sld>
+</file>
+
+<file path=ppt/slides/slide28.xml><?xml version="1.0" encoding="utf-8"?>
+<p:sld xmlns:a="http://schemas.openxmlformats.org/drawingml/2006/main" xmlns:r="http://schemas.openxmlformats.org/officeDocument/2006/relationships" xmlns:p="http://schemas.openxmlformats.org/presentationml/2006/main">
+  <p:cSld>
+    <p:spTree>
+      <p:nvGrpSpPr>
+        <p:cNvPr id="1" name=""/>
+        <p:cNvGrpSpPr/>
+        <p:nvPr/>
+      </p:nvGrpSpPr>
+      <p:grpSpPr>
+        <a:xfrm>
+          <a:off x="0" y="0"/>
+          <a:ext cx="0" cy="0"/>
+          <a:chOff x="0" y="0"/>
+          <a:chExt cx="0" cy="0"/>
+        </a:xfrm>
+      </p:grpSpPr>
+      <p:sp>
+        <p:nvSpPr>
+          <p:cNvPr id="2" name="Espace réservé du numéro de diapositive 1">
+            <a:extLst>
+              <a:ext uri="{FF2B5EF4-FFF2-40B4-BE49-F238E27FC236}">
+                <a16:creationId xmlns:a16="http://schemas.microsoft.com/office/drawing/2014/main" id="{7E091734-B1AD-4D1B-9DA1-94DCC86D5C8F}"/>
+              </a:ext>
+            </a:extLst>
+          </p:cNvPr>
+          <p:cNvSpPr>
+            <a:spLocks noGrp="1"/>
+          </p:cNvSpPr>
+          <p:nvPr>
+            <p:ph type="sldNum" sz="quarter" idx="12"/>
+          </p:nvPr>
+        </p:nvSpPr>
+        <p:spPr/>
+        <p:txBody>
+          <a:bodyPr/>
+          <a:lstStyle/>
+          <a:p>
+            <a:pPr marL="0" lvl="0" indent="0" algn="r" rtl="0">
+              <a:spcBef>
+                <a:spcPts val="0"/>
+              </a:spcBef>
+              <a:spcAft>
+                <a:spcPts val="0"/>
+              </a:spcAft>
+              <a:buNone/>
+            </a:pPr>
+            <a:fld id="{00000000-1234-1234-1234-123412341234}" type="slidenum">
+              <a:rPr lang="fr-FR" smtClean="0"/>
+              <a:t>28</a:t>
+            </a:fld>
+            <a:endParaRPr lang="fr-FR"/>
+          </a:p>
+        </p:txBody>
+      </p:sp>
+      <p:sp>
+        <p:nvSpPr>
+          <p:cNvPr id="11" name="Titre 10">
+            <a:extLst>
+              <a:ext uri="{FF2B5EF4-FFF2-40B4-BE49-F238E27FC236}">
+                <a16:creationId xmlns:a16="http://schemas.microsoft.com/office/drawing/2014/main" id="{18B2EC67-88E8-41C3-B09B-268D3FCE23FD}"/>
+              </a:ext>
+            </a:extLst>
+          </p:cNvPr>
+          <p:cNvSpPr>
+            <a:spLocks noGrp="1"/>
+          </p:cNvSpPr>
+          <p:nvPr>
+            <p:ph type="title"/>
+          </p:nvPr>
+        </p:nvSpPr>
+        <p:spPr/>
+        <p:txBody>
+          <a:bodyPr/>
+          <a:lstStyle/>
+          <a:p>
+            <a:r>
+              <a:rPr lang="fr-FR" dirty="0"/>
+              <a:t>Bride/Guillotine</a:t>
+            </a:r>
+          </a:p>
+        </p:txBody>
+      </p:sp>
+      <p:sp>
+        <p:nvSpPr>
+          <p:cNvPr id="12" name="Espace réservé pour une image  11">
+            <a:extLst>
+              <a:ext uri="{FF2B5EF4-FFF2-40B4-BE49-F238E27FC236}">
+                <a16:creationId xmlns:a16="http://schemas.microsoft.com/office/drawing/2014/main" id="{34F192FF-551C-417F-B239-CB826A6373C6}"/>
+              </a:ext>
+            </a:extLst>
+          </p:cNvPr>
+          <p:cNvSpPr>
+            <a:spLocks noGrp="1"/>
+          </p:cNvSpPr>
+          <p:nvPr>
+            <p:ph type="pic" sz="quarter" idx="22"/>
+          </p:nvPr>
+        </p:nvSpPr>
+        <p:spPr/>
+      </p:sp>
+      <p:sp>
+        <p:nvSpPr>
+          <p:cNvPr id="13" name="Espace réservé du contenu 12">
+            <a:extLst>
+              <a:ext uri="{FF2B5EF4-FFF2-40B4-BE49-F238E27FC236}">
+                <a16:creationId xmlns:a16="http://schemas.microsoft.com/office/drawing/2014/main" id="{243CD0A7-191E-44BC-B9B1-58041F7C29C0}"/>
+              </a:ext>
+            </a:extLst>
+          </p:cNvPr>
+          <p:cNvSpPr>
+            <a:spLocks noGrp="1"/>
+          </p:cNvSpPr>
+          <p:nvPr>
+            <p:ph sz="quarter" idx="23"/>
+          </p:nvPr>
+        </p:nvSpPr>
+        <p:spPr/>
+        <p:txBody>
+          <a:bodyPr/>
+          <a:lstStyle/>
+          <a:p>
+            <a:endParaRPr lang="fr-FR"/>
+          </a:p>
+        </p:txBody>
+      </p:sp>
+    </p:spTree>
+    <p:extLst>
+      <p:ext uri="{BB962C8B-B14F-4D97-AF65-F5344CB8AC3E}">
+        <p14:creationId xmlns:p14="http://schemas.microsoft.com/office/powerpoint/2010/main" val="2507150636"/>
+      </p:ext>
+    </p:extLst>
+  </p:cSld>
+  <p:clrMapOvr>
+    <a:masterClrMapping/>
+  </p:clrMapOvr>
+</p:sld>
+</file>
+
+<file path=ppt/slides/slide29.xml><?xml version="1.0" encoding="utf-8"?>
+<p:sld xmlns:a="http://schemas.openxmlformats.org/drawingml/2006/main" xmlns:r="http://schemas.openxmlformats.org/officeDocument/2006/relationships" xmlns:p="http://schemas.openxmlformats.org/presentationml/2006/main">
+  <p:cSld>
+    <p:spTree>
+      <p:nvGrpSpPr>
+        <p:cNvPr id="1" name=""/>
+        <p:cNvGrpSpPr/>
+        <p:nvPr/>
+      </p:nvGrpSpPr>
+      <p:grpSpPr>
+        <a:xfrm>
+          <a:off x="0" y="0"/>
+          <a:ext cx="0" cy="0"/>
+          <a:chOff x="0" y="0"/>
+          <a:chExt cx="0" cy="0"/>
+        </a:xfrm>
+      </p:grpSpPr>
+      <p:sp>
+        <p:nvSpPr>
+          <p:cNvPr id="2" name="Espace réservé du numéro de diapositive 1">
+            <a:extLst>
+              <a:ext uri="{FF2B5EF4-FFF2-40B4-BE49-F238E27FC236}">
+                <a16:creationId xmlns:a16="http://schemas.microsoft.com/office/drawing/2014/main" id="{2BBC0922-59A2-4F98-8826-618398D0500C}"/>
+              </a:ext>
+            </a:extLst>
+          </p:cNvPr>
+          <p:cNvSpPr>
+            <a:spLocks noGrp="1"/>
+          </p:cNvSpPr>
+          <p:nvPr>
+            <p:ph type="sldNum" sz="quarter" idx="12"/>
+          </p:nvPr>
+        </p:nvSpPr>
+        <p:spPr/>
+        <p:txBody>
+          <a:bodyPr/>
+          <a:lstStyle/>
+          <a:p>
+            <a:pPr marL="0" lvl="0" indent="0" algn="r" rtl="0">
+              <a:spcBef>
+                <a:spcPts val="0"/>
+              </a:spcBef>
+              <a:spcAft>
+                <a:spcPts val="0"/>
+              </a:spcAft>
+              <a:buNone/>
+            </a:pPr>
+            <a:fld id="{00000000-1234-1234-1234-123412341234}" type="slidenum">
+              <a:rPr lang="fr-FR" smtClean="0"/>
+              <a:t>29</a:t>
+            </a:fld>
+            <a:endParaRPr lang="fr-FR"/>
+          </a:p>
+        </p:txBody>
+      </p:sp>
+      <p:sp>
+        <p:nvSpPr>
+          <p:cNvPr id="3" name="Titre 2">
+            <a:extLst>
+              <a:ext uri="{FF2B5EF4-FFF2-40B4-BE49-F238E27FC236}">
+                <a16:creationId xmlns:a16="http://schemas.microsoft.com/office/drawing/2014/main" id="{5CACC549-9166-4F9D-968C-F9C528C24DFC}"/>
+              </a:ext>
+            </a:extLst>
+          </p:cNvPr>
+          <p:cNvSpPr>
+            <a:spLocks noGrp="1"/>
+          </p:cNvSpPr>
+          <p:nvPr>
+            <p:ph type="title"/>
+          </p:nvPr>
+        </p:nvSpPr>
+        <p:spPr/>
+        <p:txBody>
+          <a:bodyPr>
+            <a:normAutofit/>
+          </a:bodyPr>
+          <a:lstStyle/>
+          <a:p>
+            <a:r>
+              <a:rPr lang="fr-FR" dirty="0"/>
+              <a:t>Admission</a:t>
+            </a:r>
+          </a:p>
+        </p:txBody>
+      </p:sp>
+      <p:sp>
+        <p:nvSpPr>
+          <p:cNvPr id="4" name="Espace réservé du texte 3">
+            <a:extLst>
+              <a:ext uri="{FF2B5EF4-FFF2-40B4-BE49-F238E27FC236}">
+                <a16:creationId xmlns:a16="http://schemas.microsoft.com/office/drawing/2014/main" id="{9E131B48-889F-420A-B506-4654E3E0D1DF}"/>
+              </a:ext>
+            </a:extLst>
+          </p:cNvPr>
+          <p:cNvSpPr>
+            <a:spLocks noGrp="1"/>
+          </p:cNvSpPr>
+          <p:nvPr>
+            <p:ph type="body" sz="quarter" idx="13"/>
+          </p:nvPr>
+        </p:nvSpPr>
+        <p:spPr/>
+        <p:txBody>
+          <a:bodyPr/>
+          <a:lstStyle/>
+          <a:p>
+            <a:endParaRPr lang="fr-FR"/>
+          </a:p>
+        </p:txBody>
+      </p:sp>
+      <p:sp>
+        <p:nvSpPr>
+          <p:cNvPr id="5" name="Espace réservé du texte 4">
+            <a:extLst>
+              <a:ext uri="{FF2B5EF4-FFF2-40B4-BE49-F238E27FC236}">
+                <a16:creationId xmlns:a16="http://schemas.microsoft.com/office/drawing/2014/main" id="{5111BDCD-2FDE-426A-A6DE-DAB868C77A24}"/>
+              </a:ext>
+            </a:extLst>
+          </p:cNvPr>
+          <p:cNvSpPr>
+            <a:spLocks noGrp="1"/>
+          </p:cNvSpPr>
+          <p:nvPr>
+            <p:ph type="body" sz="quarter" idx="17"/>
+          </p:nvPr>
+        </p:nvSpPr>
+        <p:spPr/>
+        <p:txBody>
+          <a:bodyPr/>
+          <a:lstStyle/>
+          <a:p>
+            <a:endParaRPr lang="fr-FR"/>
+          </a:p>
+        </p:txBody>
+      </p:sp>
+      <p:sp>
+        <p:nvSpPr>
+          <p:cNvPr id="6" name="Espace réservé du texte 5">
+            <a:extLst>
+              <a:ext uri="{FF2B5EF4-FFF2-40B4-BE49-F238E27FC236}">
+                <a16:creationId xmlns:a16="http://schemas.microsoft.com/office/drawing/2014/main" id="{329BED26-24C9-4B43-BA42-74D49B222A75}"/>
+              </a:ext>
+            </a:extLst>
+          </p:cNvPr>
+          <p:cNvSpPr>
+            <a:spLocks noGrp="1"/>
+          </p:cNvSpPr>
+          <p:nvPr>
+            <p:ph type="body" sz="quarter" idx="18"/>
+          </p:nvPr>
+        </p:nvSpPr>
+        <p:spPr/>
+        <p:txBody>
+          <a:bodyPr/>
+          <a:lstStyle/>
+          <a:p>
+            <a:endParaRPr lang="fr-FR"/>
+          </a:p>
+        </p:txBody>
+      </p:sp>
+      <p:sp>
+        <p:nvSpPr>
+          <p:cNvPr id="7" name="Espace réservé du texte 6">
+            <a:extLst>
+              <a:ext uri="{FF2B5EF4-FFF2-40B4-BE49-F238E27FC236}">
+                <a16:creationId xmlns:a16="http://schemas.microsoft.com/office/drawing/2014/main" id="{2A66DBEC-EEC5-4026-A511-5AC92AE8B12D}"/>
+              </a:ext>
+            </a:extLst>
+          </p:cNvPr>
+          <p:cNvSpPr>
+            <a:spLocks noGrp="1"/>
+          </p:cNvSpPr>
+          <p:nvPr>
+            <p:ph type="body" sz="quarter" idx="19"/>
+          </p:nvPr>
+        </p:nvSpPr>
+        <p:spPr/>
+        <p:txBody>
+          <a:bodyPr/>
+          <a:lstStyle/>
+          <a:p>
+            <a:endParaRPr lang="fr-FR"/>
+          </a:p>
+        </p:txBody>
+      </p:sp>
+      <p:sp>
+        <p:nvSpPr>
+          <p:cNvPr id="8" name="Espace réservé du texte 7">
+            <a:extLst>
+              <a:ext uri="{FF2B5EF4-FFF2-40B4-BE49-F238E27FC236}">
+                <a16:creationId xmlns:a16="http://schemas.microsoft.com/office/drawing/2014/main" id="{70C8924E-F946-42F0-82D6-C93E9464C2F4}"/>
+              </a:ext>
+            </a:extLst>
+          </p:cNvPr>
+          <p:cNvSpPr>
+            <a:spLocks noGrp="1"/>
+          </p:cNvSpPr>
+          <p:nvPr>
+            <p:ph type="body" sz="quarter" idx="20"/>
+          </p:nvPr>
+        </p:nvSpPr>
+        <p:spPr/>
+        <p:txBody>
+          <a:bodyPr/>
+          <a:lstStyle/>
+          <a:p>
+            <a:endParaRPr lang="fr-FR"/>
+          </a:p>
+        </p:txBody>
+      </p:sp>
+      <p:sp>
+        <p:nvSpPr>
+          <p:cNvPr id="9" name="Espace réservé pour une image  8">
+            <a:extLst>
+              <a:ext uri="{FF2B5EF4-FFF2-40B4-BE49-F238E27FC236}">
+                <a16:creationId xmlns:a16="http://schemas.microsoft.com/office/drawing/2014/main" id="{5CCA8D98-4B83-422E-9143-D4C63FDF816E}"/>
+              </a:ext>
+            </a:extLst>
+          </p:cNvPr>
+          <p:cNvSpPr>
+            <a:spLocks noGrp="1"/>
+          </p:cNvSpPr>
+          <p:nvPr>
+            <p:ph type="pic" sz="quarter" idx="22"/>
+          </p:nvPr>
+        </p:nvSpPr>
+        <p:spPr/>
+      </p:sp>
+    </p:spTree>
+    <p:extLst>
+      <p:ext uri="{BB962C8B-B14F-4D97-AF65-F5344CB8AC3E}">
+        <p14:creationId xmlns:p14="http://schemas.microsoft.com/office/powerpoint/2010/main" val="1437304537"/>
+      </p:ext>
+    </p:extLst>
   </p:cSld>
   <p:clrMapOvr>
     <a:masterClrMapping/>
@@ -21475,7 +24495,7 @@
           <p:cNvPr id="2" name="Espace réservé du numéro de diapositive 1">
             <a:extLst>
               <a:ext uri="{FF2B5EF4-FFF2-40B4-BE49-F238E27FC236}">
-                <a16:creationId xmlns:a16="http://schemas.microsoft.com/office/drawing/2014/main" id="{79A1D451-9480-4389-A6AB-A6EA3D2895CA}"/>
+                <a16:creationId xmlns:a16="http://schemas.microsoft.com/office/drawing/2014/main" id="{9873A4D5-00E8-402E-8836-7AAC2F9ACCBA}"/>
               </a:ext>
             </a:extLst>
           </p:cNvPr>
@@ -21513,7 +24533,7 @@
           <p:cNvPr id="3" name="Titre 2">
             <a:extLst>
               <a:ext uri="{FF2B5EF4-FFF2-40B4-BE49-F238E27FC236}">
-                <a16:creationId xmlns:a16="http://schemas.microsoft.com/office/drawing/2014/main" id="{81D6F3E1-988B-40F2-A0EA-B5A6FE0E37FF}"/>
+                <a16:creationId xmlns:a16="http://schemas.microsoft.com/office/drawing/2014/main" id="{3EA95092-AA17-4325-8666-446AC172D5CC}"/>
               </a:ext>
             </a:extLst>
           </p:cNvPr>
@@ -21529,67 +24549,60 @@
           <a:bodyPr/>
           <a:lstStyle/>
           <a:p>
+            <a:r>
+              <a:rPr lang="fr-FR" dirty="0"/>
+              <a:t>Points de LAS</a:t>
+            </a:r>
+          </a:p>
+        </p:txBody>
+      </p:sp>
+      <p:sp>
+        <p:nvSpPr>
+          <p:cNvPr id="4" name="Espace réservé du texte 3">
+            <a:extLst>
+              <a:ext uri="{FF2B5EF4-FFF2-40B4-BE49-F238E27FC236}">
+                <a16:creationId xmlns:a16="http://schemas.microsoft.com/office/drawing/2014/main" id="{AE8D8335-E8E7-4DFA-A5B1-E9B0D7C4A529}"/>
+              </a:ext>
+            </a:extLst>
+          </p:cNvPr>
+          <p:cNvSpPr>
+            <a:spLocks noGrp="1"/>
+          </p:cNvSpPr>
+          <p:nvPr>
+            <p:ph type="body" sz="quarter" idx="13"/>
+          </p:nvPr>
+        </p:nvSpPr>
+        <p:spPr/>
+        <p:txBody>
+          <a:bodyPr/>
+          <a:lstStyle/>
+          <a:p>
             <a:endParaRPr lang="fr-FR"/>
           </a:p>
         </p:txBody>
       </p:sp>
       <p:sp>
         <p:nvSpPr>
-          <p:cNvPr id="4" name="Espace réservé du texte 3">
-            <a:extLst>
-              <a:ext uri="{FF2B5EF4-FFF2-40B4-BE49-F238E27FC236}">
-                <a16:creationId xmlns:a16="http://schemas.microsoft.com/office/drawing/2014/main" id="{849FFF0E-34AB-438D-B71A-21D158DBC3C9}"/>
-              </a:ext>
-            </a:extLst>
-          </p:cNvPr>
-          <p:cNvSpPr>
-            <a:spLocks noGrp="1"/>
-          </p:cNvSpPr>
-          <p:nvPr>
-            <p:ph type="body" sz="quarter" idx="4294967295"/>
-          </p:nvPr>
-        </p:nvSpPr>
-        <p:spPr>
-          <a:xfrm>
-            <a:off x="285097" y="1200289"/>
-            <a:ext cx="8617741" cy="486028"/>
-          </a:xfrm>
-        </p:spPr>
-        <p:txBody>
-          <a:bodyPr/>
-          <a:lstStyle/>
-          <a:p>
-            <a:endParaRPr lang="fr-FR" dirty="0"/>
-          </a:p>
-        </p:txBody>
-      </p:sp>
-      <p:sp>
-        <p:nvSpPr>
           <p:cNvPr id="5" name="Espace réservé du texte 4">
             <a:extLst>
               <a:ext uri="{FF2B5EF4-FFF2-40B4-BE49-F238E27FC236}">
-                <a16:creationId xmlns:a16="http://schemas.microsoft.com/office/drawing/2014/main" id="{5946F14A-8456-4462-9553-9B32134D1C8E}"/>
-              </a:ext>
-            </a:extLst>
-          </p:cNvPr>
-          <p:cNvSpPr>
-            <a:spLocks noGrp="1"/>
-          </p:cNvSpPr>
-          <p:nvPr>
-            <p:ph type="body" sz="quarter" idx="4294967295"/>
-          </p:nvPr>
-        </p:nvSpPr>
-        <p:spPr>
-          <a:xfrm>
-            <a:off x="4400225" y="3132793"/>
-            <a:ext cx="4502613" cy="754911"/>
-          </a:xfrm>
-        </p:spPr>
-        <p:txBody>
-          <a:bodyPr/>
-          <a:lstStyle/>
-          <a:p>
-            <a:endParaRPr lang="fr-FR" dirty="0"/>
+                <a16:creationId xmlns:a16="http://schemas.microsoft.com/office/drawing/2014/main" id="{1AE53E2A-CD04-4BBE-B4FC-0ACA3A48AD48}"/>
+              </a:ext>
+            </a:extLst>
+          </p:cNvPr>
+          <p:cNvSpPr>
+            <a:spLocks noGrp="1"/>
+          </p:cNvSpPr>
+          <p:nvPr>
+            <p:ph type="body" sz="quarter" idx="17"/>
+          </p:nvPr>
+        </p:nvSpPr>
+        <p:spPr/>
+        <p:txBody>
+          <a:bodyPr/>
+          <a:lstStyle/>
+          <a:p>
+            <a:endParaRPr lang="fr-FR"/>
           </a:p>
         </p:txBody>
       </p:sp>
@@ -21598,27 +24611,20 @@
           <p:cNvPr id="6" name="Espace réservé du texte 5">
             <a:extLst>
               <a:ext uri="{FF2B5EF4-FFF2-40B4-BE49-F238E27FC236}">
-                <a16:creationId xmlns:a16="http://schemas.microsoft.com/office/drawing/2014/main" id="{D4249A5A-4925-4E5B-865C-25D0A38EA5B2}"/>
-              </a:ext>
-            </a:extLst>
-          </p:cNvPr>
-          <p:cNvSpPr>
-            <a:spLocks noGrp="1"/>
-          </p:cNvSpPr>
-          <p:nvPr>
-            <p:ph type="body" sz="quarter" idx="4294967295"/>
-          </p:nvPr>
-        </p:nvSpPr>
-        <p:spPr>
-          <a:xfrm>
-            <a:off x="285097" y="4225444"/>
-            <a:ext cx="8617743" cy="358810"/>
-          </a:xfrm>
-        </p:spPr>
-        <p:txBody>
-          <a:bodyPr>
-            <a:normAutofit lnSpcReduction="10000"/>
-          </a:bodyPr>
+                <a16:creationId xmlns:a16="http://schemas.microsoft.com/office/drawing/2014/main" id="{C2AF308B-35D9-45E1-BC16-3222B2951D0A}"/>
+              </a:ext>
+            </a:extLst>
+          </p:cNvPr>
+          <p:cNvSpPr>
+            <a:spLocks noGrp="1"/>
+          </p:cNvSpPr>
+          <p:nvPr>
+            <p:ph type="body" sz="quarter" idx="18"/>
+          </p:nvPr>
+        </p:nvSpPr>
+        <p:spPr/>
+        <p:txBody>
+          <a:bodyPr/>
           <a:lstStyle/>
           <a:p>
             <a:endParaRPr lang="fr-FR"/>
@@ -21630,23 +24636,18 @@
           <p:cNvPr id="7" name="Espace réservé du texte 6">
             <a:extLst>
               <a:ext uri="{FF2B5EF4-FFF2-40B4-BE49-F238E27FC236}">
-                <a16:creationId xmlns:a16="http://schemas.microsoft.com/office/drawing/2014/main" id="{4D805BD0-7B60-4162-B300-0D3C66CA7940}"/>
-              </a:ext>
-            </a:extLst>
-          </p:cNvPr>
-          <p:cNvSpPr>
-            <a:spLocks noGrp="1"/>
-          </p:cNvSpPr>
-          <p:nvPr>
-            <p:ph type="body" sz="quarter" idx="4294967295"/>
-          </p:nvPr>
-        </p:nvSpPr>
-        <p:spPr>
-          <a:xfrm>
-            <a:off x="285097" y="3132793"/>
-            <a:ext cx="3975617" cy="754911"/>
-          </a:xfrm>
-        </p:spPr>
+                <a16:creationId xmlns:a16="http://schemas.microsoft.com/office/drawing/2014/main" id="{03DA866B-4E99-42E5-9A67-9C87938CD71C}"/>
+              </a:ext>
+            </a:extLst>
+          </p:cNvPr>
+          <p:cNvSpPr>
+            <a:spLocks noGrp="1"/>
+          </p:cNvSpPr>
+          <p:nvPr>
+            <p:ph type="body" sz="quarter" idx="19"/>
+          </p:nvPr>
+        </p:nvSpPr>
+        <p:spPr/>
         <p:txBody>
           <a:bodyPr/>
           <a:lstStyle/>
@@ -21660,23 +24661,18 @@
           <p:cNvPr id="8" name="Espace réservé du texte 7">
             <a:extLst>
               <a:ext uri="{FF2B5EF4-FFF2-40B4-BE49-F238E27FC236}">
-                <a16:creationId xmlns:a16="http://schemas.microsoft.com/office/drawing/2014/main" id="{2C84F380-8607-48C3-A293-E46F0D5DCB20}"/>
-              </a:ext>
-            </a:extLst>
-          </p:cNvPr>
-          <p:cNvSpPr>
-            <a:spLocks noGrp="1"/>
-          </p:cNvSpPr>
-          <p:nvPr>
-            <p:ph type="body" sz="quarter" idx="4294967295"/>
-          </p:nvPr>
-        </p:nvSpPr>
-        <p:spPr>
-          <a:xfrm>
-            <a:off x="285097" y="2055649"/>
-            <a:ext cx="8617741" cy="647669"/>
-          </a:xfrm>
-        </p:spPr>
+                <a16:creationId xmlns:a16="http://schemas.microsoft.com/office/drawing/2014/main" id="{B55C48EC-8452-4B26-A4FF-04155008DB74}"/>
+              </a:ext>
+            </a:extLst>
+          </p:cNvPr>
+          <p:cNvSpPr>
+            <a:spLocks noGrp="1"/>
+          </p:cNvSpPr>
+          <p:nvPr>
+            <p:ph type="body" sz="quarter" idx="20"/>
+          </p:nvPr>
+        </p:nvSpPr>
+        <p:spPr/>
         <p:txBody>
           <a:bodyPr/>
           <a:lstStyle/>
@@ -21690,7 +24686,7 @@
           <p:cNvPr id="9" name="Espace réservé pour une image  8">
             <a:extLst>
               <a:ext uri="{FF2B5EF4-FFF2-40B4-BE49-F238E27FC236}">
-                <a16:creationId xmlns:a16="http://schemas.microsoft.com/office/drawing/2014/main" id="{42C8D411-1E77-4E61-8516-25A3751687F8}"/>
+                <a16:creationId xmlns:a16="http://schemas.microsoft.com/office/drawing/2014/main" id="{EE1FDD45-8EBD-49B7-A400-AB8CB3D44627}"/>
               </a:ext>
             </a:extLst>
           </p:cNvPr>
@@ -21706,7 +24702,1909 @@
     </p:spTree>
     <p:extLst>
       <p:ext uri="{BB962C8B-B14F-4D97-AF65-F5344CB8AC3E}">
-        <p14:creationId xmlns:p14="http://schemas.microsoft.com/office/powerpoint/2010/main" val="436303123"/>
+        <p14:creationId xmlns:p14="http://schemas.microsoft.com/office/powerpoint/2010/main" val="2915602317"/>
+      </p:ext>
+    </p:extLst>
+  </p:cSld>
+  <p:clrMapOvr>
+    <a:masterClrMapping/>
+  </p:clrMapOvr>
+</p:sld>
+</file>
+
+<file path=ppt/slides/slide30.xml><?xml version="1.0" encoding="utf-8"?>
+<p:sld xmlns:a="http://schemas.openxmlformats.org/drawingml/2006/main" xmlns:r="http://schemas.openxmlformats.org/officeDocument/2006/relationships" xmlns:p="http://schemas.openxmlformats.org/presentationml/2006/main">
+  <p:cSld>
+    <p:spTree>
+      <p:nvGrpSpPr>
+        <p:cNvPr id="1" name=""/>
+        <p:cNvGrpSpPr/>
+        <p:nvPr/>
+      </p:nvGrpSpPr>
+      <p:grpSpPr>
+        <a:xfrm>
+          <a:off x="0" y="0"/>
+          <a:ext cx="0" cy="0"/>
+          <a:chOff x="0" y="0"/>
+          <a:chExt cx="0" cy="0"/>
+        </a:xfrm>
+      </p:grpSpPr>
+      <p:sp>
+        <p:nvSpPr>
+          <p:cNvPr id="2" name="Espace réservé du numéro de diapositive 1">
+            <a:extLst>
+              <a:ext uri="{FF2B5EF4-FFF2-40B4-BE49-F238E27FC236}">
+                <a16:creationId xmlns:a16="http://schemas.microsoft.com/office/drawing/2014/main" id="{7E091734-B1AD-4D1B-9DA1-94DCC86D5C8F}"/>
+              </a:ext>
+            </a:extLst>
+          </p:cNvPr>
+          <p:cNvSpPr>
+            <a:spLocks noGrp="1"/>
+          </p:cNvSpPr>
+          <p:nvPr>
+            <p:ph type="sldNum" sz="quarter" idx="12"/>
+          </p:nvPr>
+        </p:nvSpPr>
+        <p:spPr/>
+        <p:txBody>
+          <a:bodyPr/>
+          <a:lstStyle/>
+          <a:p>
+            <a:pPr marL="0" lvl="0" indent="0" algn="r" rtl="0">
+              <a:spcBef>
+                <a:spcPts val="0"/>
+              </a:spcBef>
+              <a:spcAft>
+                <a:spcPts val="0"/>
+              </a:spcAft>
+              <a:buNone/>
+            </a:pPr>
+            <a:fld id="{00000000-1234-1234-1234-123412341234}" type="slidenum">
+              <a:rPr lang="fr-FR" smtClean="0"/>
+              <a:t>30</a:t>
+            </a:fld>
+            <a:endParaRPr lang="fr-FR"/>
+          </a:p>
+        </p:txBody>
+      </p:sp>
+      <p:sp>
+        <p:nvSpPr>
+          <p:cNvPr id="11" name="Titre 10">
+            <a:extLst>
+              <a:ext uri="{FF2B5EF4-FFF2-40B4-BE49-F238E27FC236}">
+                <a16:creationId xmlns:a16="http://schemas.microsoft.com/office/drawing/2014/main" id="{18B2EC67-88E8-41C3-B09B-268D3FCE23FD}"/>
+              </a:ext>
+            </a:extLst>
+          </p:cNvPr>
+          <p:cNvSpPr>
+            <a:spLocks noGrp="1"/>
+          </p:cNvSpPr>
+          <p:nvPr>
+            <p:ph type="title"/>
+          </p:nvPr>
+        </p:nvSpPr>
+        <p:spPr/>
+        <p:txBody>
+          <a:bodyPr/>
+          <a:lstStyle/>
+          <a:p>
+            <a:r>
+              <a:rPr lang="fr-FR" dirty="0"/>
+              <a:t>Admission</a:t>
+            </a:r>
+          </a:p>
+        </p:txBody>
+      </p:sp>
+      <p:sp>
+        <p:nvSpPr>
+          <p:cNvPr id="12" name="Espace réservé pour une image  11">
+            <a:extLst>
+              <a:ext uri="{FF2B5EF4-FFF2-40B4-BE49-F238E27FC236}">
+                <a16:creationId xmlns:a16="http://schemas.microsoft.com/office/drawing/2014/main" id="{34F192FF-551C-417F-B239-CB826A6373C6}"/>
+              </a:ext>
+            </a:extLst>
+          </p:cNvPr>
+          <p:cNvSpPr>
+            <a:spLocks noGrp="1"/>
+          </p:cNvSpPr>
+          <p:nvPr>
+            <p:ph type="pic" sz="quarter" idx="22"/>
+          </p:nvPr>
+        </p:nvSpPr>
+        <p:spPr/>
+      </p:sp>
+      <p:sp>
+        <p:nvSpPr>
+          <p:cNvPr id="13" name="Espace réservé du contenu 12">
+            <a:extLst>
+              <a:ext uri="{FF2B5EF4-FFF2-40B4-BE49-F238E27FC236}">
+                <a16:creationId xmlns:a16="http://schemas.microsoft.com/office/drawing/2014/main" id="{243CD0A7-191E-44BC-B9B1-58041F7C29C0}"/>
+              </a:ext>
+            </a:extLst>
+          </p:cNvPr>
+          <p:cNvSpPr>
+            <a:spLocks noGrp="1"/>
+          </p:cNvSpPr>
+          <p:nvPr>
+            <p:ph sz="quarter" idx="23"/>
+          </p:nvPr>
+        </p:nvSpPr>
+        <p:spPr/>
+        <p:txBody>
+          <a:bodyPr/>
+          <a:lstStyle/>
+          <a:p>
+            <a:endParaRPr lang="fr-FR"/>
+          </a:p>
+        </p:txBody>
+      </p:sp>
+    </p:spTree>
+    <p:extLst>
+      <p:ext uri="{BB962C8B-B14F-4D97-AF65-F5344CB8AC3E}">
+        <p14:creationId xmlns:p14="http://schemas.microsoft.com/office/powerpoint/2010/main" val="12053838"/>
+      </p:ext>
+    </p:extLst>
+  </p:cSld>
+  <p:clrMapOvr>
+    <a:masterClrMapping/>
+  </p:clrMapOvr>
+</p:sld>
+</file>
+
+<file path=ppt/slides/slide31.xml><?xml version="1.0" encoding="utf-8"?>
+<p:sld xmlns:a="http://schemas.openxmlformats.org/drawingml/2006/main" xmlns:r="http://schemas.openxmlformats.org/officeDocument/2006/relationships" xmlns:p="http://schemas.openxmlformats.org/presentationml/2006/main">
+  <p:cSld>
+    <p:spTree>
+      <p:nvGrpSpPr>
+        <p:cNvPr id="1" name=""/>
+        <p:cNvGrpSpPr/>
+        <p:nvPr/>
+      </p:nvGrpSpPr>
+      <p:grpSpPr>
+        <a:xfrm>
+          <a:off x="0" y="0"/>
+          <a:ext cx="0" cy="0"/>
+          <a:chOff x="0" y="0"/>
+          <a:chExt cx="0" cy="0"/>
+        </a:xfrm>
+      </p:grpSpPr>
+      <p:sp>
+        <p:nvSpPr>
+          <p:cNvPr id="2" name="Espace réservé du numéro de diapositive 1">
+            <a:extLst>
+              <a:ext uri="{FF2B5EF4-FFF2-40B4-BE49-F238E27FC236}">
+                <a16:creationId xmlns:a16="http://schemas.microsoft.com/office/drawing/2014/main" id="{2BBC0922-59A2-4F98-8826-618398D0500C}"/>
+              </a:ext>
+            </a:extLst>
+          </p:cNvPr>
+          <p:cNvSpPr>
+            <a:spLocks noGrp="1"/>
+          </p:cNvSpPr>
+          <p:nvPr>
+            <p:ph type="sldNum" sz="quarter" idx="12"/>
+          </p:nvPr>
+        </p:nvSpPr>
+        <p:spPr/>
+        <p:txBody>
+          <a:bodyPr/>
+          <a:lstStyle/>
+          <a:p>
+            <a:pPr marL="0" lvl="0" indent="0" algn="r" rtl="0">
+              <a:spcBef>
+                <a:spcPts val="0"/>
+              </a:spcBef>
+              <a:spcAft>
+                <a:spcPts val="0"/>
+              </a:spcAft>
+              <a:buNone/>
+            </a:pPr>
+            <a:fld id="{00000000-1234-1234-1234-123412341234}" type="slidenum">
+              <a:rPr lang="fr-FR" smtClean="0"/>
+              <a:t>31</a:t>
+            </a:fld>
+            <a:endParaRPr lang="fr-FR"/>
+          </a:p>
+        </p:txBody>
+      </p:sp>
+      <p:sp>
+        <p:nvSpPr>
+          <p:cNvPr id="3" name="Titre 2">
+            <a:extLst>
+              <a:ext uri="{FF2B5EF4-FFF2-40B4-BE49-F238E27FC236}">
+                <a16:creationId xmlns:a16="http://schemas.microsoft.com/office/drawing/2014/main" id="{5CACC549-9166-4F9D-968C-F9C528C24DFC}"/>
+              </a:ext>
+            </a:extLst>
+          </p:cNvPr>
+          <p:cNvSpPr>
+            <a:spLocks noGrp="1"/>
+          </p:cNvSpPr>
+          <p:nvPr>
+            <p:ph type="title"/>
+          </p:nvPr>
+        </p:nvSpPr>
+        <p:spPr/>
+        <p:txBody>
+          <a:bodyPr>
+            <a:normAutofit/>
+          </a:bodyPr>
+          <a:lstStyle/>
+          <a:p>
+            <a:r>
+              <a:rPr lang="fr-FR" dirty="0"/>
+              <a:t>Carter</a:t>
+            </a:r>
+          </a:p>
+        </p:txBody>
+      </p:sp>
+      <p:sp>
+        <p:nvSpPr>
+          <p:cNvPr id="4" name="Espace réservé du texte 3">
+            <a:extLst>
+              <a:ext uri="{FF2B5EF4-FFF2-40B4-BE49-F238E27FC236}">
+                <a16:creationId xmlns:a16="http://schemas.microsoft.com/office/drawing/2014/main" id="{9E131B48-889F-420A-B506-4654E3E0D1DF}"/>
+              </a:ext>
+            </a:extLst>
+          </p:cNvPr>
+          <p:cNvSpPr>
+            <a:spLocks noGrp="1"/>
+          </p:cNvSpPr>
+          <p:nvPr>
+            <p:ph type="body" sz="quarter" idx="13"/>
+          </p:nvPr>
+        </p:nvSpPr>
+        <p:spPr/>
+        <p:txBody>
+          <a:bodyPr/>
+          <a:lstStyle/>
+          <a:p>
+            <a:endParaRPr lang="fr-FR"/>
+          </a:p>
+        </p:txBody>
+      </p:sp>
+      <p:sp>
+        <p:nvSpPr>
+          <p:cNvPr id="5" name="Espace réservé du texte 4">
+            <a:extLst>
+              <a:ext uri="{FF2B5EF4-FFF2-40B4-BE49-F238E27FC236}">
+                <a16:creationId xmlns:a16="http://schemas.microsoft.com/office/drawing/2014/main" id="{5111BDCD-2FDE-426A-A6DE-DAB868C77A24}"/>
+              </a:ext>
+            </a:extLst>
+          </p:cNvPr>
+          <p:cNvSpPr>
+            <a:spLocks noGrp="1"/>
+          </p:cNvSpPr>
+          <p:nvPr>
+            <p:ph type="body" sz="quarter" idx="17"/>
+          </p:nvPr>
+        </p:nvSpPr>
+        <p:spPr/>
+        <p:txBody>
+          <a:bodyPr/>
+          <a:lstStyle/>
+          <a:p>
+            <a:endParaRPr lang="fr-FR"/>
+          </a:p>
+        </p:txBody>
+      </p:sp>
+      <p:sp>
+        <p:nvSpPr>
+          <p:cNvPr id="6" name="Espace réservé du texte 5">
+            <a:extLst>
+              <a:ext uri="{FF2B5EF4-FFF2-40B4-BE49-F238E27FC236}">
+                <a16:creationId xmlns:a16="http://schemas.microsoft.com/office/drawing/2014/main" id="{329BED26-24C9-4B43-BA42-74D49B222A75}"/>
+              </a:ext>
+            </a:extLst>
+          </p:cNvPr>
+          <p:cNvSpPr>
+            <a:spLocks noGrp="1"/>
+          </p:cNvSpPr>
+          <p:nvPr>
+            <p:ph type="body" sz="quarter" idx="18"/>
+          </p:nvPr>
+        </p:nvSpPr>
+        <p:spPr/>
+        <p:txBody>
+          <a:bodyPr/>
+          <a:lstStyle/>
+          <a:p>
+            <a:endParaRPr lang="fr-FR"/>
+          </a:p>
+        </p:txBody>
+      </p:sp>
+      <p:sp>
+        <p:nvSpPr>
+          <p:cNvPr id="7" name="Espace réservé du texte 6">
+            <a:extLst>
+              <a:ext uri="{FF2B5EF4-FFF2-40B4-BE49-F238E27FC236}">
+                <a16:creationId xmlns:a16="http://schemas.microsoft.com/office/drawing/2014/main" id="{2A66DBEC-EEC5-4026-A511-5AC92AE8B12D}"/>
+              </a:ext>
+            </a:extLst>
+          </p:cNvPr>
+          <p:cNvSpPr>
+            <a:spLocks noGrp="1"/>
+          </p:cNvSpPr>
+          <p:nvPr>
+            <p:ph type="body" sz="quarter" idx="19"/>
+          </p:nvPr>
+        </p:nvSpPr>
+        <p:spPr/>
+        <p:txBody>
+          <a:bodyPr/>
+          <a:lstStyle/>
+          <a:p>
+            <a:endParaRPr lang="fr-FR"/>
+          </a:p>
+        </p:txBody>
+      </p:sp>
+      <p:sp>
+        <p:nvSpPr>
+          <p:cNvPr id="8" name="Espace réservé du texte 7">
+            <a:extLst>
+              <a:ext uri="{FF2B5EF4-FFF2-40B4-BE49-F238E27FC236}">
+                <a16:creationId xmlns:a16="http://schemas.microsoft.com/office/drawing/2014/main" id="{70C8924E-F946-42F0-82D6-C93E9464C2F4}"/>
+              </a:ext>
+            </a:extLst>
+          </p:cNvPr>
+          <p:cNvSpPr>
+            <a:spLocks noGrp="1"/>
+          </p:cNvSpPr>
+          <p:nvPr>
+            <p:ph type="body" sz="quarter" idx="20"/>
+          </p:nvPr>
+        </p:nvSpPr>
+        <p:spPr/>
+        <p:txBody>
+          <a:bodyPr/>
+          <a:lstStyle/>
+          <a:p>
+            <a:endParaRPr lang="fr-FR"/>
+          </a:p>
+        </p:txBody>
+      </p:sp>
+      <p:sp>
+        <p:nvSpPr>
+          <p:cNvPr id="9" name="Espace réservé pour une image  8">
+            <a:extLst>
+              <a:ext uri="{FF2B5EF4-FFF2-40B4-BE49-F238E27FC236}">
+                <a16:creationId xmlns:a16="http://schemas.microsoft.com/office/drawing/2014/main" id="{5CCA8D98-4B83-422E-9143-D4C63FDF816E}"/>
+              </a:ext>
+            </a:extLst>
+          </p:cNvPr>
+          <p:cNvSpPr>
+            <a:spLocks noGrp="1"/>
+          </p:cNvSpPr>
+          <p:nvPr>
+            <p:ph type="pic" sz="quarter" idx="22"/>
+          </p:nvPr>
+        </p:nvSpPr>
+        <p:spPr/>
+      </p:sp>
+    </p:spTree>
+    <p:extLst>
+      <p:ext uri="{BB962C8B-B14F-4D97-AF65-F5344CB8AC3E}">
+        <p14:creationId xmlns:p14="http://schemas.microsoft.com/office/powerpoint/2010/main" val="1409471902"/>
+      </p:ext>
+    </p:extLst>
+  </p:cSld>
+  <p:clrMapOvr>
+    <a:masterClrMapping/>
+  </p:clrMapOvr>
+</p:sld>
+</file>
+
+<file path=ppt/slides/slide32.xml><?xml version="1.0" encoding="utf-8"?>
+<p:sld xmlns:a="http://schemas.openxmlformats.org/drawingml/2006/main" xmlns:r="http://schemas.openxmlformats.org/officeDocument/2006/relationships" xmlns:p="http://schemas.openxmlformats.org/presentationml/2006/main">
+  <p:cSld>
+    <p:spTree>
+      <p:nvGrpSpPr>
+        <p:cNvPr id="1" name=""/>
+        <p:cNvGrpSpPr/>
+        <p:nvPr/>
+      </p:nvGrpSpPr>
+      <p:grpSpPr>
+        <a:xfrm>
+          <a:off x="0" y="0"/>
+          <a:ext cx="0" cy="0"/>
+          <a:chOff x="0" y="0"/>
+          <a:chExt cx="0" cy="0"/>
+        </a:xfrm>
+      </p:grpSpPr>
+      <p:sp>
+        <p:nvSpPr>
+          <p:cNvPr id="2" name="Espace réservé du numéro de diapositive 1">
+            <a:extLst>
+              <a:ext uri="{FF2B5EF4-FFF2-40B4-BE49-F238E27FC236}">
+                <a16:creationId xmlns:a16="http://schemas.microsoft.com/office/drawing/2014/main" id="{7E091734-B1AD-4D1B-9DA1-94DCC86D5C8F}"/>
+              </a:ext>
+            </a:extLst>
+          </p:cNvPr>
+          <p:cNvSpPr>
+            <a:spLocks noGrp="1"/>
+          </p:cNvSpPr>
+          <p:nvPr>
+            <p:ph type="sldNum" sz="quarter" idx="12"/>
+          </p:nvPr>
+        </p:nvSpPr>
+        <p:spPr/>
+        <p:txBody>
+          <a:bodyPr/>
+          <a:lstStyle/>
+          <a:p>
+            <a:pPr marL="0" lvl="0" indent="0" algn="r" rtl="0">
+              <a:spcBef>
+                <a:spcPts val="0"/>
+              </a:spcBef>
+              <a:spcAft>
+                <a:spcPts val="0"/>
+              </a:spcAft>
+              <a:buNone/>
+            </a:pPr>
+            <a:fld id="{00000000-1234-1234-1234-123412341234}" type="slidenum">
+              <a:rPr lang="fr-FR" smtClean="0"/>
+              <a:t>32</a:t>
+            </a:fld>
+            <a:endParaRPr lang="fr-FR"/>
+          </a:p>
+        </p:txBody>
+      </p:sp>
+      <p:sp>
+        <p:nvSpPr>
+          <p:cNvPr id="11" name="Titre 10">
+            <a:extLst>
+              <a:ext uri="{FF2B5EF4-FFF2-40B4-BE49-F238E27FC236}">
+                <a16:creationId xmlns:a16="http://schemas.microsoft.com/office/drawing/2014/main" id="{18B2EC67-88E8-41C3-B09B-268D3FCE23FD}"/>
+              </a:ext>
+            </a:extLst>
+          </p:cNvPr>
+          <p:cNvSpPr>
+            <a:spLocks noGrp="1"/>
+          </p:cNvSpPr>
+          <p:nvPr>
+            <p:ph type="title"/>
+          </p:nvPr>
+        </p:nvSpPr>
+        <p:spPr/>
+        <p:txBody>
+          <a:bodyPr/>
+          <a:lstStyle/>
+          <a:p>
+            <a:r>
+              <a:rPr lang="fr-FR" dirty="0"/>
+              <a:t>Carter</a:t>
+            </a:r>
+          </a:p>
+        </p:txBody>
+      </p:sp>
+      <p:sp>
+        <p:nvSpPr>
+          <p:cNvPr id="12" name="Espace réservé pour une image  11">
+            <a:extLst>
+              <a:ext uri="{FF2B5EF4-FFF2-40B4-BE49-F238E27FC236}">
+                <a16:creationId xmlns:a16="http://schemas.microsoft.com/office/drawing/2014/main" id="{34F192FF-551C-417F-B239-CB826A6373C6}"/>
+              </a:ext>
+            </a:extLst>
+          </p:cNvPr>
+          <p:cNvSpPr>
+            <a:spLocks noGrp="1"/>
+          </p:cNvSpPr>
+          <p:nvPr>
+            <p:ph type="pic" sz="quarter" idx="22"/>
+          </p:nvPr>
+        </p:nvSpPr>
+        <p:spPr/>
+      </p:sp>
+      <p:sp>
+        <p:nvSpPr>
+          <p:cNvPr id="13" name="Espace réservé du contenu 12">
+            <a:extLst>
+              <a:ext uri="{FF2B5EF4-FFF2-40B4-BE49-F238E27FC236}">
+                <a16:creationId xmlns:a16="http://schemas.microsoft.com/office/drawing/2014/main" id="{243CD0A7-191E-44BC-B9B1-58041F7C29C0}"/>
+              </a:ext>
+            </a:extLst>
+          </p:cNvPr>
+          <p:cNvSpPr>
+            <a:spLocks noGrp="1"/>
+          </p:cNvSpPr>
+          <p:nvPr>
+            <p:ph sz="quarter" idx="23"/>
+          </p:nvPr>
+        </p:nvSpPr>
+        <p:spPr/>
+        <p:txBody>
+          <a:bodyPr/>
+          <a:lstStyle/>
+          <a:p>
+            <a:endParaRPr lang="fr-FR"/>
+          </a:p>
+        </p:txBody>
+      </p:sp>
+    </p:spTree>
+    <p:extLst>
+      <p:ext uri="{BB962C8B-B14F-4D97-AF65-F5344CB8AC3E}">
+        <p14:creationId xmlns:p14="http://schemas.microsoft.com/office/powerpoint/2010/main" val="1018978757"/>
+      </p:ext>
+    </p:extLst>
+  </p:cSld>
+  <p:clrMapOvr>
+    <a:masterClrMapping/>
+  </p:clrMapOvr>
+</p:sld>
+</file>
+
+<file path=ppt/slides/slide33.xml><?xml version="1.0" encoding="utf-8"?>
+<p:sld xmlns:a="http://schemas.openxmlformats.org/drawingml/2006/main" xmlns:r="http://schemas.openxmlformats.org/officeDocument/2006/relationships" xmlns:p="http://schemas.openxmlformats.org/presentationml/2006/main">
+  <p:cSld>
+    <p:spTree>
+      <p:nvGrpSpPr>
+        <p:cNvPr id="1" name=""/>
+        <p:cNvGrpSpPr/>
+        <p:nvPr/>
+      </p:nvGrpSpPr>
+      <p:grpSpPr>
+        <a:xfrm>
+          <a:off x="0" y="0"/>
+          <a:ext cx="0" cy="0"/>
+          <a:chOff x="0" y="0"/>
+          <a:chExt cx="0" cy="0"/>
+        </a:xfrm>
+      </p:grpSpPr>
+      <p:sp>
+        <p:nvSpPr>
+          <p:cNvPr id="2" name="Espace réservé du numéro de diapositive 1">
+            <a:extLst>
+              <a:ext uri="{FF2B5EF4-FFF2-40B4-BE49-F238E27FC236}">
+                <a16:creationId xmlns:a16="http://schemas.microsoft.com/office/drawing/2014/main" id="{2BBC0922-59A2-4F98-8826-618398D0500C}"/>
+              </a:ext>
+            </a:extLst>
+          </p:cNvPr>
+          <p:cNvSpPr>
+            <a:spLocks noGrp="1"/>
+          </p:cNvSpPr>
+          <p:nvPr>
+            <p:ph type="sldNum" sz="quarter" idx="12"/>
+          </p:nvPr>
+        </p:nvSpPr>
+        <p:spPr/>
+        <p:txBody>
+          <a:bodyPr/>
+          <a:lstStyle/>
+          <a:p>
+            <a:pPr marL="0" lvl="0" indent="0" algn="r" rtl="0">
+              <a:spcBef>
+                <a:spcPts val="0"/>
+              </a:spcBef>
+              <a:spcAft>
+                <a:spcPts val="0"/>
+              </a:spcAft>
+              <a:buNone/>
+            </a:pPr>
+            <a:fld id="{00000000-1234-1234-1234-123412341234}" type="slidenum">
+              <a:rPr lang="fr-FR" smtClean="0"/>
+              <a:t>33</a:t>
+            </a:fld>
+            <a:endParaRPr lang="fr-FR"/>
+          </a:p>
+        </p:txBody>
+      </p:sp>
+      <p:sp>
+        <p:nvSpPr>
+          <p:cNvPr id="3" name="Titre 2">
+            <a:extLst>
+              <a:ext uri="{FF2B5EF4-FFF2-40B4-BE49-F238E27FC236}">
+                <a16:creationId xmlns:a16="http://schemas.microsoft.com/office/drawing/2014/main" id="{5CACC549-9166-4F9D-968C-F9C528C24DFC}"/>
+              </a:ext>
+            </a:extLst>
+          </p:cNvPr>
+          <p:cNvSpPr>
+            <a:spLocks noGrp="1"/>
+          </p:cNvSpPr>
+          <p:nvPr>
+            <p:ph type="title"/>
+          </p:nvPr>
+        </p:nvSpPr>
+        <p:spPr/>
+        <p:txBody>
+          <a:bodyPr>
+            <a:normAutofit/>
+          </a:bodyPr>
+          <a:lstStyle/>
+          <a:p>
+            <a:r>
+              <a:rPr lang="fr-FR" dirty="0"/>
+              <a:t>Echappement</a:t>
+            </a:r>
+          </a:p>
+        </p:txBody>
+      </p:sp>
+      <p:sp>
+        <p:nvSpPr>
+          <p:cNvPr id="4" name="Espace réservé du texte 3">
+            <a:extLst>
+              <a:ext uri="{FF2B5EF4-FFF2-40B4-BE49-F238E27FC236}">
+                <a16:creationId xmlns:a16="http://schemas.microsoft.com/office/drawing/2014/main" id="{9E131B48-889F-420A-B506-4654E3E0D1DF}"/>
+              </a:ext>
+            </a:extLst>
+          </p:cNvPr>
+          <p:cNvSpPr>
+            <a:spLocks noGrp="1"/>
+          </p:cNvSpPr>
+          <p:nvPr>
+            <p:ph type="body" sz="quarter" idx="13"/>
+          </p:nvPr>
+        </p:nvSpPr>
+        <p:spPr/>
+        <p:txBody>
+          <a:bodyPr/>
+          <a:lstStyle/>
+          <a:p>
+            <a:endParaRPr lang="fr-FR"/>
+          </a:p>
+        </p:txBody>
+      </p:sp>
+      <p:sp>
+        <p:nvSpPr>
+          <p:cNvPr id="5" name="Espace réservé du texte 4">
+            <a:extLst>
+              <a:ext uri="{FF2B5EF4-FFF2-40B4-BE49-F238E27FC236}">
+                <a16:creationId xmlns:a16="http://schemas.microsoft.com/office/drawing/2014/main" id="{5111BDCD-2FDE-426A-A6DE-DAB868C77A24}"/>
+              </a:ext>
+            </a:extLst>
+          </p:cNvPr>
+          <p:cNvSpPr>
+            <a:spLocks noGrp="1"/>
+          </p:cNvSpPr>
+          <p:nvPr>
+            <p:ph type="body" sz="quarter" idx="17"/>
+          </p:nvPr>
+        </p:nvSpPr>
+        <p:spPr/>
+        <p:txBody>
+          <a:bodyPr/>
+          <a:lstStyle/>
+          <a:p>
+            <a:endParaRPr lang="fr-FR"/>
+          </a:p>
+        </p:txBody>
+      </p:sp>
+      <p:sp>
+        <p:nvSpPr>
+          <p:cNvPr id="6" name="Espace réservé du texte 5">
+            <a:extLst>
+              <a:ext uri="{FF2B5EF4-FFF2-40B4-BE49-F238E27FC236}">
+                <a16:creationId xmlns:a16="http://schemas.microsoft.com/office/drawing/2014/main" id="{329BED26-24C9-4B43-BA42-74D49B222A75}"/>
+              </a:ext>
+            </a:extLst>
+          </p:cNvPr>
+          <p:cNvSpPr>
+            <a:spLocks noGrp="1"/>
+          </p:cNvSpPr>
+          <p:nvPr>
+            <p:ph type="body" sz="quarter" idx="18"/>
+          </p:nvPr>
+        </p:nvSpPr>
+        <p:spPr/>
+        <p:txBody>
+          <a:bodyPr/>
+          <a:lstStyle/>
+          <a:p>
+            <a:endParaRPr lang="fr-FR"/>
+          </a:p>
+        </p:txBody>
+      </p:sp>
+      <p:sp>
+        <p:nvSpPr>
+          <p:cNvPr id="7" name="Espace réservé du texte 6">
+            <a:extLst>
+              <a:ext uri="{FF2B5EF4-FFF2-40B4-BE49-F238E27FC236}">
+                <a16:creationId xmlns:a16="http://schemas.microsoft.com/office/drawing/2014/main" id="{2A66DBEC-EEC5-4026-A511-5AC92AE8B12D}"/>
+              </a:ext>
+            </a:extLst>
+          </p:cNvPr>
+          <p:cNvSpPr>
+            <a:spLocks noGrp="1"/>
+          </p:cNvSpPr>
+          <p:nvPr>
+            <p:ph type="body" sz="quarter" idx="19"/>
+          </p:nvPr>
+        </p:nvSpPr>
+        <p:spPr/>
+        <p:txBody>
+          <a:bodyPr/>
+          <a:lstStyle/>
+          <a:p>
+            <a:endParaRPr lang="fr-FR"/>
+          </a:p>
+        </p:txBody>
+      </p:sp>
+      <p:sp>
+        <p:nvSpPr>
+          <p:cNvPr id="8" name="Espace réservé du texte 7">
+            <a:extLst>
+              <a:ext uri="{FF2B5EF4-FFF2-40B4-BE49-F238E27FC236}">
+                <a16:creationId xmlns:a16="http://schemas.microsoft.com/office/drawing/2014/main" id="{70C8924E-F946-42F0-82D6-C93E9464C2F4}"/>
+              </a:ext>
+            </a:extLst>
+          </p:cNvPr>
+          <p:cNvSpPr>
+            <a:spLocks noGrp="1"/>
+          </p:cNvSpPr>
+          <p:nvPr>
+            <p:ph type="body" sz="quarter" idx="20"/>
+          </p:nvPr>
+        </p:nvSpPr>
+        <p:spPr/>
+        <p:txBody>
+          <a:bodyPr/>
+          <a:lstStyle/>
+          <a:p>
+            <a:endParaRPr lang="fr-FR"/>
+          </a:p>
+        </p:txBody>
+      </p:sp>
+      <p:sp>
+        <p:nvSpPr>
+          <p:cNvPr id="9" name="Espace réservé pour une image  8">
+            <a:extLst>
+              <a:ext uri="{FF2B5EF4-FFF2-40B4-BE49-F238E27FC236}">
+                <a16:creationId xmlns:a16="http://schemas.microsoft.com/office/drawing/2014/main" id="{5CCA8D98-4B83-422E-9143-D4C63FDF816E}"/>
+              </a:ext>
+            </a:extLst>
+          </p:cNvPr>
+          <p:cNvSpPr>
+            <a:spLocks noGrp="1"/>
+          </p:cNvSpPr>
+          <p:nvPr>
+            <p:ph type="pic" sz="quarter" idx="22"/>
+          </p:nvPr>
+        </p:nvSpPr>
+        <p:spPr/>
+      </p:sp>
+    </p:spTree>
+    <p:extLst>
+      <p:ext uri="{BB962C8B-B14F-4D97-AF65-F5344CB8AC3E}">
+        <p14:creationId xmlns:p14="http://schemas.microsoft.com/office/powerpoint/2010/main" val="392235560"/>
+      </p:ext>
+    </p:extLst>
+  </p:cSld>
+  <p:clrMapOvr>
+    <a:masterClrMapping/>
+  </p:clrMapOvr>
+</p:sld>
+</file>
+
+<file path=ppt/slides/slide34.xml><?xml version="1.0" encoding="utf-8"?>
+<p:sld xmlns:a="http://schemas.openxmlformats.org/drawingml/2006/main" xmlns:r="http://schemas.openxmlformats.org/officeDocument/2006/relationships" xmlns:p="http://schemas.openxmlformats.org/presentationml/2006/main">
+  <p:cSld>
+    <p:spTree>
+      <p:nvGrpSpPr>
+        <p:cNvPr id="1" name=""/>
+        <p:cNvGrpSpPr/>
+        <p:nvPr/>
+      </p:nvGrpSpPr>
+      <p:grpSpPr>
+        <a:xfrm>
+          <a:off x="0" y="0"/>
+          <a:ext cx="0" cy="0"/>
+          <a:chOff x="0" y="0"/>
+          <a:chExt cx="0" cy="0"/>
+        </a:xfrm>
+      </p:grpSpPr>
+      <p:sp>
+        <p:nvSpPr>
+          <p:cNvPr id="2" name="Espace réservé du numéro de diapositive 1">
+            <a:extLst>
+              <a:ext uri="{FF2B5EF4-FFF2-40B4-BE49-F238E27FC236}">
+                <a16:creationId xmlns:a16="http://schemas.microsoft.com/office/drawing/2014/main" id="{7E091734-B1AD-4D1B-9DA1-94DCC86D5C8F}"/>
+              </a:ext>
+            </a:extLst>
+          </p:cNvPr>
+          <p:cNvSpPr>
+            <a:spLocks noGrp="1"/>
+          </p:cNvSpPr>
+          <p:nvPr>
+            <p:ph type="sldNum" sz="quarter" idx="12"/>
+          </p:nvPr>
+        </p:nvSpPr>
+        <p:spPr/>
+        <p:txBody>
+          <a:bodyPr/>
+          <a:lstStyle/>
+          <a:p>
+            <a:pPr marL="0" lvl="0" indent="0" algn="r" rtl="0">
+              <a:spcBef>
+                <a:spcPts val="0"/>
+              </a:spcBef>
+              <a:spcAft>
+                <a:spcPts val="0"/>
+              </a:spcAft>
+              <a:buNone/>
+            </a:pPr>
+            <a:fld id="{00000000-1234-1234-1234-123412341234}" type="slidenum">
+              <a:rPr lang="fr-FR" smtClean="0"/>
+              <a:t>34</a:t>
+            </a:fld>
+            <a:endParaRPr lang="fr-FR"/>
+          </a:p>
+        </p:txBody>
+      </p:sp>
+      <p:sp>
+        <p:nvSpPr>
+          <p:cNvPr id="11" name="Titre 10">
+            <a:extLst>
+              <a:ext uri="{FF2B5EF4-FFF2-40B4-BE49-F238E27FC236}">
+                <a16:creationId xmlns:a16="http://schemas.microsoft.com/office/drawing/2014/main" id="{18B2EC67-88E8-41C3-B09B-268D3FCE23FD}"/>
+              </a:ext>
+            </a:extLst>
+          </p:cNvPr>
+          <p:cNvSpPr>
+            <a:spLocks noGrp="1"/>
+          </p:cNvSpPr>
+          <p:nvPr>
+            <p:ph type="title"/>
+          </p:nvPr>
+        </p:nvSpPr>
+        <p:spPr/>
+        <p:txBody>
+          <a:bodyPr>
+            <a:normAutofit/>
+          </a:bodyPr>
+          <a:lstStyle/>
+          <a:p>
+            <a:r>
+              <a:rPr lang="fr-FR" dirty="0"/>
+              <a:t>Echappement</a:t>
+            </a:r>
+          </a:p>
+        </p:txBody>
+      </p:sp>
+      <p:sp>
+        <p:nvSpPr>
+          <p:cNvPr id="12" name="Espace réservé pour une image  11">
+            <a:extLst>
+              <a:ext uri="{FF2B5EF4-FFF2-40B4-BE49-F238E27FC236}">
+                <a16:creationId xmlns:a16="http://schemas.microsoft.com/office/drawing/2014/main" id="{34F192FF-551C-417F-B239-CB826A6373C6}"/>
+              </a:ext>
+            </a:extLst>
+          </p:cNvPr>
+          <p:cNvSpPr>
+            <a:spLocks noGrp="1"/>
+          </p:cNvSpPr>
+          <p:nvPr>
+            <p:ph type="pic" sz="quarter" idx="22"/>
+          </p:nvPr>
+        </p:nvSpPr>
+        <p:spPr/>
+      </p:sp>
+      <p:sp>
+        <p:nvSpPr>
+          <p:cNvPr id="13" name="Espace réservé du contenu 12">
+            <a:extLst>
+              <a:ext uri="{FF2B5EF4-FFF2-40B4-BE49-F238E27FC236}">
+                <a16:creationId xmlns:a16="http://schemas.microsoft.com/office/drawing/2014/main" id="{243CD0A7-191E-44BC-B9B1-58041F7C29C0}"/>
+              </a:ext>
+            </a:extLst>
+          </p:cNvPr>
+          <p:cNvSpPr>
+            <a:spLocks noGrp="1"/>
+          </p:cNvSpPr>
+          <p:nvPr>
+            <p:ph sz="quarter" idx="23"/>
+          </p:nvPr>
+        </p:nvSpPr>
+        <p:spPr/>
+        <p:txBody>
+          <a:bodyPr/>
+          <a:lstStyle/>
+          <a:p>
+            <a:endParaRPr lang="fr-FR"/>
+          </a:p>
+        </p:txBody>
+      </p:sp>
+    </p:spTree>
+    <p:extLst>
+      <p:ext uri="{BB962C8B-B14F-4D97-AF65-F5344CB8AC3E}">
+        <p14:creationId xmlns:p14="http://schemas.microsoft.com/office/powerpoint/2010/main" val="3305436539"/>
+      </p:ext>
+    </p:extLst>
+  </p:cSld>
+  <p:clrMapOvr>
+    <a:masterClrMapping/>
+  </p:clrMapOvr>
+</p:sld>
+</file>
+
+<file path=ppt/slides/slide35.xml><?xml version="1.0" encoding="utf-8"?>
+<p:sld xmlns:a="http://schemas.openxmlformats.org/drawingml/2006/main" xmlns:r="http://schemas.openxmlformats.org/officeDocument/2006/relationships" xmlns:p="http://schemas.openxmlformats.org/presentationml/2006/main">
+  <p:cSld>
+    <p:spTree>
+      <p:nvGrpSpPr>
+        <p:cNvPr id="1" name=""/>
+        <p:cNvGrpSpPr/>
+        <p:nvPr/>
+      </p:nvGrpSpPr>
+      <p:grpSpPr>
+        <a:xfrm>
+          <a:off x="0" y="0"/>
+          <a:ext cx="0" cy="0"/>
+          <a:chOff x="0" y="0"/>
+          <a:chExt cx="0" cy="0"/>
+        </a:xfrm>
+      </p:grpSpPr>
+      <p:sp>
+        <p:nvSpPr>
+          <p:cNvPr id="2" name="Espace réservé du numéro de diapositive 1">
+            <a:extLst>
+              <a:ext uri="{FF2B5EF4-FFF2-40B4-BE49-F238E27FC236}">
+                <a16:creationId xmlns:a16="http://schemas.microsoft.com/office/drawing/2014/main" id="{2BBC0922-59A2-4F98-8826-618398D0500C}"/>
+              </a:ext>
+            </a:extLst>
+          </p:cNvPr>
+          <p:cNvSpPr>
+            <a:spLocks noGrp="1"/>
+          </p:cNvSpPr>
+          <p:nvPr>
+            <p:ph type="sldNum" sz="quarter" idx="12"/>
+          </p:nvPr>
+        </p:nvSpPr>
+        <p:spPr/>
+        <p:txBody>
+          <a:bodyPr/>
+          <a:lstStyle/>
+          <a:p>
+            <a:pPr marL="0" lvl="0" indent="0" algn="r" rtl="0">
+              <a:spcBef>
+                <a:spcPts val="0"/>
+              </a:spcBef>
+              <a:spcAft>
+                <a:spcPts val="0"/>
+              </a:spcAft>
+              <a:buNone/>
+            </a:pPr>
+            <a:fld id="{00000000-1234-1234-1234-123412341234}" type="slidenum">
+              <a:rPr lang="fr-FR" smtClean="0"/>
+              <a:t>35</a:t>
+            </a:fld>
+            <a:endParaRPr lang="fr-FR"/>
+          </a:p>
+        </p:txBody>
+      </p:sp>
+      <p:sp>
+        <p:nvSpPr>
+          <p:cNvPr id="3" name="Titre 2">
+            <a:extLst>
+              <a:ext uri="{FF2B5EF4-FFF2-40B4-BE49-F238E27FC236}">
+                <a16:creationId xmlns:a16="http://schemas.microsoft.com/office/drawing/2014/main" id="{5CACC549-9166-4F9D-968C-F9C528C24DFC}"/>
+              </a:ext>
+            </a:extLst>
+          </p:cNvPr>
+          <p:cNvSpPr>
+            <a:spLocks noGrp="1"/>
+          </p:cNvSpPr>
+          <p:nvPr>
+            <p:ph type="title"/>
+          </p:nvPr>
+        </p:nvSpPr>
+        <p:spPr/>
+        <p:txBody>
+          <a:bodyPr>
+            <a:normAutofit/>
+          </a:bodyPr>
+          <a:lstStyle/>
+          <a:p>
+            <a:r>
+              <a:rPr lang="fr-FR" dirty="0" err="1"/>
+              <a:t>Reffroidissement</a:t>
+            </a:r>
+            <a:endParaRPr lang="fr-FR" dirty="0"/>
+          </a:p>
+        </p:txBody>
+      </p:sp>
+      <p:sp>
+        <p:nvSpPr>
+          <p:cNvPr id="4" name="Espace réservé du texte 3">
+            <a:extLst>
+              <a:ext uri="{FF2B5EF4-FFF2-40B4-BE49-F238E27FC236}">
+                <a16:creationId xmlns:a16="http://schemas.microsoft.com/office/drawing/2014/main" id="{9E131B48-889F-420A-B506-4654E3E0D1DF}"/>
+              </a:ext>
+            </a:extLst>
+          </p:cNvPr>
+          <p:cNvSpPr>
+            <a:spLocks noGrp="1"/>
+          </p:cNvSpPr>
+          <p:nvPr>
+            <p:ph type="body" sz="quarter" idx="13"/>
+          </p:nvPr>
+        </p:nvSpPr>
+        <p:spPr/>
+        <p:txBody>
+          <a:bodyPr/>
+          <a:lstStyle/>
+          <a:p>
+            <a:endParaRPr lang="fr-FR"/>
+          </a:p>
+        </p:txBody>
+      </p:sp>
+      <p:sp>
+        <p:nvSpPr>
+          <p:cNvPr id="5" name="Espace réservé du texte 4">
+            <a:extLst>
+              <a:ext uri="{FF2B5EF4-FFF2-40B4-BE49-F238E27FC236}">
+                <a16:creationId xmlns:a16="http://schemas.microsoft.com/office/drawing/2014/main" id="{5111BDCD-2FDE-426A-A6DE-DAB868C77A24}"/>
+              </a:ext>
+            </a:extLst>
+          </p:cNvPr>
+          <p:cNvSpPr>
+            <a:spLocks noGrp="1"/>
+          </p:cNvSpPr>
+          <p:nvPr>
+            <p:ph type="body" sz="quarter" idx="17"/>
+          </p:nvPr>
+        </p:nvSpPr>
+        <p:spPr/>
+        <p:txBody>
+          <a:bodyPr/>
+          <a:lstStyle/>
+          <a:p>
+            <a:endParaRPr lang="fr-FR"/>
+          </a:p>
+        </p:txBody>
+      </p:sp>
+      <p:sp>
+        <p:nvSpPr>
+          <p:cNvPr id="6" name="Espace réservé du texte 5">
+            <a:extLst>
+              <a:ext uri="{FF2B5EF4-FFF2-40B4-BE49-F238E27FC236}">
+                <a16:creationId xmlns:a16="http://schemas.microsoft.com/office/drawing/2014/main" id="{329BED26-24C9-4B43-BA42-74D49B222A75}"/>
+              </a:ext>
+            </a:extLst>
+          </p:cNvPr>
+          <p:cNvSpPr>
+            <a:spLocks noGrp="1"/>
+          </p:cNvSpPr>
+          <p:nvPr>
+            <p:ph type="body" sz="quarter" idx="18"/>
+          </p:nvPr>
+        </p:nvSpPr>
+        <p:spPr/>
+        <p:txBody>
+          <a:bodyPr/>
+          <a:lstStyle/>
+          <a:p>
+            <a:endParaRPr lang="fr-FR"/>
+          </a:p>
+        </p:txBody>
+      </p:sp>
+      <p:sp>
+        <p:nvSpPr>
+          <p:cNvPr id="7" name="Espace réservé du texte 6">
+            <a:extLst>
+              <a:ext uri="{FF2B5EF4-FFF2-40B4-BE49-F238E27FC236}">
+                <a16:creationId xmlns:a16="http://schemas.microsoft.com/office/drawing/2014/main" id="{2A66DBEC-EEC5-4026-A511-5AC92AE8B12D}"/>
+              </a:ext>
+            </a:extLst>
+          </p:cNvPr>
+          <p:cNvSpPr>
+            <a:spLocks noGrp="1"/>
+          </p:cNvSpPr>
+          <p:nvPr>
+            <p:ph type="body" sz="quarter" idx="19"/>
+          </p:nvPr>
+        </p:nvSpPr>
+        <p:spPr/>
+        <p:txBody>
+          <a:bodyPr/>
+          <a:lstStyle/>
+          <a:p>
+            <a:endParaRPr lang="fr-FR"/>
+          </a:p>
+        </p:txBody>
+      </p:sp>
+      <p:sp>
+        <p:nvSpPr>
+          <p:cNvPr id="8" name="Espace réservé du texte 7">
+            <a:extLst>
+              <a:ext uri="{FF2B5EF4-FFF2-40B4-BE49-F238E27FC236}">
+                <a16:creationId xmlns:a16="http://schemas.microsoft.com/office/drawing/2014/main" id="{70C8924E-F946-42F0-82D6-C93E9464C2F4}"/>
+              </a:ext>
+            </a:extLst>
+          </p:cNvPr>
+          <p:cNvSpPr>
+            <a:spLocks noGrp="1"/>
+          </p:cNvSpPr>
+          <p:nvPr>
+            <p:ph type="body" sz="quarter" idx="20"/>
+          </p:nvPr>
+        </p:nvSpPr>
+        <p:spPr/>
+        <p:txBody>
+          <a:bodyPr/>
+          <a:lstStyle/>
+          <a:p>
+            <a:endParaRPr lang="fr-FR"/>
+          </a:p>
+        </p:txBody>
+      </p:sp>
+      <p:sp>
+        <p:nvSpPr>
+          <p:cNvPr id="9" name="Espace réservé pour une image  8">
+            <a:extLst>
+              <a:ext uri="{FF2B5EF4-FFF2-40B4-BE49-F238E27FC236}">
+                <a16:creationId xmlns:a16="http://schemas.microsoft.com/office/drawing/2014/main" id="{5CCA8D98-4B83-422E-9143-D4C63FDF816E}"/>
+              </a:ext>
+            </a:extLst>
+          </p:cNvPr>
+          <p:cNvSpPr>
+            <a:spLocks noGrp="1"/>
+          </p:cNvSpPr>
+          <p:nvPr>
+            <p:ph type="pic" sz="quarter" idx="22"/>
+          </p:nvPr>
+        </p:nvSpPr>
+        <p:spPr/>
+      </p:sp>
+    </p:spTree>
+    <p:extLst>
+      <p:ext uri="{BB962C8B-B14F-4D97-AF65-F5344CB8AC3E}">
+        <p14:creationId xmlns:p14="http://schemas.microsoft.com/office/powerpoint/2010/main" val="2259448118"/>
+      </p:ext>
+    </p:extLst>
+  </p:cSld>
+  <p:clrMapOvr>
+    <a:masterClrMapping/>
+  </p:clrMapOvr>
+</p:sld>
+</file>
+
+<file path=ppt/slides/slide36.xml><?xml version="1.0" encoding="utf-8"?>
+<p:sld xmlns:a="http://schemas.openxmlformats.org/drawingml/2006/main" xmlns:r="http://schemas.openxmlformats.org/officeDocument/2006/relationships" xmlns:p="http://schemas.openxmlformats.org/presentationml/2006/main">
+  <p:cSld>
+    <p:spTree>
+      <p:nvGrpSpPr>
+        <p:cNvPr id="1" name=""/>
+        <p:cNvGrpSpPr/>
+        <p:nvPr/>
+      </p:nvGrpSpPr>
+      <p:grpSpPr>
+        <a:xfrm>
+          <a:off x="0" y="0"/>
+          <a:ext cx="0" cy="0"/>
+          <a:chOff x="0" y="0"/>
+          <a:chExt cx="0" cy="0"/>
+        </a:xfrm>
+      </p:grpSpPr>
+      <p:sp>
+        <p:nvSpPr>
+          <p:cNvPr id="2" name="Espace réservé du numéro de diapositive 1">
+            <a:extLst>
+              <a:ext uri="{FF2B5EF4-FFF2-40B4-BE49-F238E27FC236}">
+                <a16:creationId xmlns:a16="http://schemas.microsoft.com/office/drawing/2014/main" id="{7E091734-B1AD-4D1B-9DA1-94DCC86D5C8F}"/>
+              </a:ext>
+            </a:extLst>
+          </p:cNvPr>
+          <p:cNvSpPr>
+            <a:spLocks noGrp="1"/>
+          </p:cNvSpPr>
+          <p:nvPr>
+            <p:ph type="sldNum" sz="quarter" idx="12"/>
+          </p:nvPr>
+        </p:nvSpPr>
+        <p:spPr/>
+        <p:txBody>
+          <a:bodyPr/>
+          <a:lstStyle/>
+          <a:p>
+            <a:pPr marL="0" lvl="0" indent="0" algn="r" rtl="0">
+              <a:spcBef>
+                <a:spcPts val="0"/>
+              </a:spcBef>
+              <a:spcAft>
+                <a:spcPts val="0"/>
+              </a:spcAft>
+              <a:buNone/>
+            </a:pPr>
+            <a:fld id="{00000000-1234-1234-1234-123412341234}" type="slidenum">
+              <a:rPr lang="fr-FR" smtClean="0"/>
+              <a:t>36</a:t>
+            </a:fld>
+            <a:endParaRPr lang="fr-FR"/>
+          </a:p>
+        </p:txBody>
+      </p:sp>
+      <p:sp>
+        <p:nvSpPr>
+          <p:cNvPr id="11" name="Titre 10">
+            <a:extLst>
+              <a:ext uri="{FF2B5EF4-FFF2-40B4-BE49-F238E27FC236}">
+                <a16:creationId xmlns:a16="http://schemas.microsoft.com/office/drawing/2014/main" id="{18B2EC67-88E8-41C3-B09B-268D3FCE23FD}"/>
+              </a:ext>
+            </a:extLst>
+          </p:cNvPr>
+          <p:cNvSpPr>
+            <a:spLocks noGrp="1"/>
+          </p:cNvSpPr>
+          <p:nvPr>
+            <p:ph type="title"/>
+          </p:nvPr>
+        </p:nvSpPr>
+        <p:spPr/>
+        <p:txBody>
+          <a:bodyPr/>
+          <a:lstStyle/>
+          <a:p>
+            <a:r>
+              <a:rPr lang="fr-FR" dirty="0" err="1"/>
+              <a:t>Reffroidissement</a:t>
+            </a:r>
+            <a:endParaRPr lang="fr-FR" dirty="0"/>
+          </a:p>
+        </p:txBody>
+      </p:sp>
+      <p:sp>
+        <p:nvSpPr>
+          <p:cNvPr id="12" name="Espace réservé pour une image  11">
+            <a:extLst>
+              <a:ext uri="{FF2B5EF4-FFF2-40B4-BE49-F238E27FC236}">
+                <a16:creationId xmlns:a16="http://schemas.microsoft.com/office/drawing/2014/main" id="{34F192FF-551C-417F-B239-CB826A6373C6}"/>
+              </a:ext>
+            </a:extLst>
+          </p:cNvPr>
+          <p:cNvSpPr>
+            <a:spLocks noGrp="1"/>
+          </p:cNvSpPr>
+          <p:nvPr>
+            <p:ph type="pic" sz="quarter" idx="22"/>
+          </p:nvPr>
+        </p:nvSpPr>
+        <p:spPr/>
+      </p:sp>
+      <p:sp>
+        <p:nvSpPr>
+          <p:cNvPr id="13" name="Espace réservé du contenu 12">
+            <a:extLst>
+              <a:ext uri="{FF2B5EF4-FFF2-40B4-BE49-F238E27FC236}">
+                <a16:creationId xmlns:a16="http://schemas.microsoft.com/office/drawing/2014/main" id="{243CD0A7-191E-44BC-B9B1-58041F7C29C0}"/>
+              </a:ext>
+            </a:extLst>
+          </p:cNvPr>
+          <p:cNvSpPr>
+            <a:spLocks noGrp="1"/>
+          </p:cNvSpPr>
+          <p:nvPr>
+            <p:ph sz="quarter" idx="23"/>
+          </p:nvPr>
+        </p:nvSpPr>
+        <p:spPr/>
+        <p:txBody>
+          <a:bodyPr/>
+          <a:lstStyle/>
+          <a:p>
+            <a:endParaRPr lang="fr-FR"/>
+          </a:p>
+        </p:txBody>
+      </p:sp>
+    </p:spTree>
+    <p:extLst>
+      <p:ext uri="{BB962C8B-B14F-4D97-AF65-F5344CB8AC3E}">
+        <p14:creationId xmlns:p14="http://schemas.microsoft.com/office/powerpoint/2010/main" val="1265617014"/>
+      </p:ext>
+    </p:extLst>
+  </p:cSld>
+  <p:clrMapOvr>
+    <a:masterClrMapping/>
+  </p:clrMapOvr>
+</p:sld>
+</file>
+
+<file path=ppt/slides/slide37.xml><?xml version="1.0" encoding="utf-8"?>
+<p:sld xmlns:a="http://schemas.openxmlformats.org/drawingml/2006/main" xmlns:r="http://schemas.openxmlformats.org/officeDocument/2006/relationships" xmlns:p="http://schemas.openxmlformats.org/presentationml/2006/main">
+  <p:cSld>
+    <p:spTree>
+      <p:nvGrpSpPr>
+        <p:cNvPr id="1" name=""/>
+        <p:cNvGrpSpPr/>
+        <p:nvPr/>
+      </p:nvGrpSpPr>
+      <p:grpSpPr>
+        <a:xfrm>
+          <a:off x="0" y="0"/>
+          <a:ext cx="0" cy="0"/>
+          <a:chOff x="0" y="0"/>
+          <a:chExt cx="0" cy="0"/>
+        </a:xfrm>
+      </p:grpSpPr>
+      <p:sp>
+        <p:nvSpPr>
+          <p:cNvPr id="2" name="Espace réservé du numéro de diapositive 1">
+            <a:extLst>
+              <a:ext uri="{FF2B5EF4-FFF2-40B4-BE49-F238E27FC236}">
+                <a16:creationId xmlns:a16="http://schemas.microsoft.com/office/drawing/2014/main" id="{2BBC0922-59A2-4F98-8826-618398D0500C}"/>
+              </a:ext>
+            </a:extLst>
+          </p:cNvPr>
+          <p:cNvSpPr>
+            <a:spLocks noGrp="1"/>
+          </p:cNvSpPr>
+          <p:nvPr>
+            <p:ph type="sldNum" sz="quarter" idx="12"/>
+          </p:nvPr>
+        </p:nvSpPr>
+        <p:spPr/>
+        <p:txBody>
+          <a:bodyPr/>
+          <a:lstStyle/>
+          <a:p>
+            <a:pPr marL="0" lvl="0" indent="0" algn="r" rtl="0">
+              <a:spcBef>
+                <a:spcPts val="0"/>
+              </a:spcBef>
+              <a:spcAft>
+                <a:spcPts val="0"/>
+              </a:spcAft>
+              <a:buNone/>
+            </a:pPr>
+            <a:fld id="{00000000-1234-1234-1234-123412341234}" type="slidenum">
+              <a:rPr lang="fr-FR" smtClean="0"/>
+              <a:t>37</a:t>
+            </a:fld>
+            <a:endParaRPr lang="fr-FR"/>
+          </a:p>
+        </p:txBody>
+      </p:sp>
+      <p:sp>
+        <p:nvSpPr>
+          <p:cNvPr id="3" name="Titre 2">
+            <a:extLst>
+              <a:ext uri="{FF2B5EF4-FFF2-40B4-BE49-F238E27FC236}">
+                <a16:creationId xmlns:a16="http://schemas.microsoft.com/office/drawing/2014/main" id="{5CACC549-9166-4F9D-968C-F9C528C24DFC}"/>
+              </a:ext>
+            </a:extLst>
+          </p:cNvPr>
+          <p:cNvSpPr>
+            <a:spLocks noGrp="1"/>
+          </p:cNvSpPr>
+          <p:nvPr>
+            <p:ph type="title"/>
+          </p:nvPr>
+        </p:nvSpPr>
+        <p:spPr/>
+        <p:txBody>
+          <a:bodyPr>
+            <a:normAutofit/>
+          </a:bodyPr>
+          <a:lstStyle/>
+          <a:p>
+            <a:r>
+              <a:rPr lang="fr-FR" dirty="0"/>
+              <a:t>Transmission secondaire</a:t>
+            </a:r>
+          </a:p>
+        </p:txBody>
+      </p:sp>
+      <p:sp>
+        <p:nvSpPr>
+          <p:cNvPr id="4" name="Espace réservé du texte 3">
+            <a:extLst>
+              <a:ext uri="{FF2B5EF4-FFF2-40B4-BE49-F238E27FC236}">
+                <a16:creationId xmlns:a16="http://schemas.microsoft.com/office/drawing/2014/main" id="{9E131B48-889F-420A-B506-4654E3E0D1DF}"/>
+              </a:ext>
+            </a:extLst>
+          </p:cNvPr>
+          <p:cNvSpPr>
+            <a:spLocks noGrp="1"/>
+          </p:cNvSpPr>
+          <p:nvPr>
+            <p:ph type="body" sz="quarter" idx="13"/>
+          </p:nvPr>
+        </p:nvSpPr>
+        <p:spPr/>
+        <p:txBody>
+          <a:bodyPr/>
+          <a:lstStyle/>
+          <a:p>
+            <a:endParaRPr lang="fr-FR"/>
+          </a:p>
+        </p:txBody>
+      </p:sp>
+      <p:sp>
+        <p:nvSpPr>
+          <p:cNvPr id="5" name="Espace réservé du texte 4">
+            <a:extLst>
+              <a:ext uri="{FF2B5EF4-FFF2-40B4-BE49-F238E27FC236}">
+                <a16:creationId xmlns:a16="http://schemas.microsoft.com/office/drawing/2014/main" id="{5111BDCD-2FDE-426A-A6DE-DAB868C77A24}"/>
+              </a:ext>
+            </a:extLst>
+          </p:cNvPr>
+          <p:cNvSpPr>
+            <a:spLocks noGrp="1"/>
+          </p:cNvSpPr>
+          <p:nvPr>
+            <p:ph type="body" sz="quarter" idx="17"/>
+          </p:nvPr>
+        </p:nvSpPr>
+        <p:spPr/>
+        <p:txBody>
+          <a:bodyPr/>
+          <a:lstStyle/>
+          <a:p>
+            <a:endParaRPr lang="fr-FR"/>
+          </a:p>
+        </p:txBody>
+      </p:sp>
+      <p:sp>
+        <p:nvSpPr>
+          <p:cNvPr id="6" name="Espace réservé du texte 5">
+            <a:extLst>
+              <a:ext uri="{FF2B5EF4-FFF2-40B4-BE49-F238E27FC236}">
+                <a16:creationId xmlns:a16="http://schemas.microsoft.com/office/drawing/2014/main" id="{329BED26-24C9-4B43-BA42-74D49B222A75}"/>
+              </a:ext>
+            </a:extLst>
+          </p:cNvPr>
+          <p:cNvSpPr>
+            <a:spLocks noGrp="1"/>
+          </p:cNvSpPr>
+          <p:nvPr>
+            <p:ph type="body" sz="quarter" idx="18"/>
+          </p:nvPr>
+        </p:nvSpPr>
+        <p:spPr/>
+        <p:txBody>
+          <a:bodyPr/>
+          <a:lstStyle/>
+          <a:p>
+            <a:endParaRPr lang="fr-FR"/>
+          </a:p>
+        </p:txBody>
+      </p:sp>
+      <p:sp>
+        <p:nvSpPr>
+          <p:cNvPr id="7" name="Espace réservé du texte 6">
+            <a:extLst>
+              <a:ext uri="{FF2B5EF4-FFF2-40B4-BE49-F238E27FC236}">
+                <a16:creationId xmlns:a16="http://schemas.microsoft.com/office/drawing/2014/main" id="{2A66DBEC-EEC5-4026-A511-5AC92AE8B12D}"/>
+              </a:ext>
+            </a:extLst>
+          </p:cNvPr>
+          <p:cNvSpPr>
+            <a:spLocks noGrp="1"/>
+          </p:cNvSpPr>
+          <p:nvPr>
+            <p:ph type="body" sz="quarter" idx="19"/>
+          </p:nvPr>
+        </p:nvSpPr>
+        <p:spPr/>
+        <p:txBody>
+          <a:bodyPr/>
+          <a:lstStyle/>
+          <a:p>
+            <a:endParaRPr lang="fr-FR"/>
+          </a:p>
+        </p:txBody>
+      </p:sp>
+      <p:sp>
+        <p:nvSpPr>
+          <p:cNvPr id="8" name="Espace réservé du texte 7">
+            <a:extLst>
+              <a:ext uri="{FF2B5EF4-FFF2-40B4-BE49-F238E27FC236}">
+                <a16:creationId xmlns:a16="http://schemas.microsoft.com/office/drawing/2014/main" id="{70C8924E-F946-42F0-82D6-C93E9464C2F4}"/>
+              </a:ext>
+            </a:extLst>
+          </p:cNvPr>
+          <p:cNvSpPr>
+            <a:spLocks noGrp="1"/>
+          </p:cNvSpPr>
+          <p:nvPr>
+            <p:ph type="body" sz="quarter" idx="20"/>
+          </p:nvPr>
+        </p:nvSpPr>
+        <p:spPr/>
+        <p:txBody>
+          <a:bodyPr/>
+          <a:lstStyle/>
+          <a:p>
+            <a:endParaRPr lang="fr-FR"/>
+          </a:p>
+        </p:txBody>
+      </p:sp>
+      <p:sp>
+        <p:nvSpPr>
+          <p:cNvPr id="9" name="Espace réservé pour une image  8">
+            <a:extLst>
+              <a:ext uri="{FF2B5EF4-FFF2-40B4-BE49-F238E27FC236}">
+                <a16:creationId xmlns:a16="http://schemas.microsoft.com/office/drawing/2014/main" id="{5CCA8D98-4B83-422E-9143-D4C63FDF816E}"/>
+              </a:ext>
+            </a:extLst>
+          </p:cNvPr>
+          <p:cNvSpPr>
+            <a:spLocks noGrp="1"/>
+          </p:cNvSpPr>
+          <p:nvPr>
+            <p:ph type="pic" sz="quarter" idx="22"/>
+          </p:nvPr>
+        </p:nvSpPr>
+        <p:spPr/>
+      </p:sp>
+    </p:spTree>
+    <p:extLst>
+      <p:ext uri="{BB962C8B-B14F-4D97-AF65-F5344CB8AC3E}">
+        <p14:creationId xmlns:p14="http://schemas.microsoft.com/office/powerpoint/2010/main" val="3861911943"/>
+      </p:ext>
+    </p:extLst>
+  </p:cSld>
+  <p:clrMapOvr>
+    <a:masterClrMapping/>
+  </p:clrMapOvr>
+</p:sld>
+</file>
+
+<file path=ppt/slides/slide38.xml><?xml version="1.0" encoding="utf-8"?>
+<p:sld xmlns:a="http://schemas.openxmlformats.org/drawingml/2006/main" xmlns:r="http://schemas.openxmlformats.org/officeDocument/2006/relationships" xmlns:p="http://schemas.openxmlformats.org/presentationml/2006/main">
+  <p:cSld>
+    <p:spTree>
+      <p:nvGrpSpPr>
+        <p:cNvPr id="1" name=""/>
+        <p:cNvGrpSpPr/>
+        <p:nvPr/>
+      </p:nvGrpSpPr>
+      <p:grpSpPr>
+        <a:xfrm>
+          <a:off x="0" y="0"/>
+          <a:ext cx="0" cy="0"/>
+          <a:chOff x="0" y="0"/>
+          <a:chExt cx="0" cy="0"/>
+        </a:xfrm>
+      </p:grpSpPr>
+      <p:sp>
+        <p:nvSpPr>
+          <p:cNvPr id="2" name="Espace réservé du numéro de diapositive 1">
+            <a:extLst>
+              <a:ext uri="{FF2B5EF4-FFF2-40B4-BE49-F238E27FC236}">
+                <a16:creationId xmlns:a16="http://schemas.microsoft.com/office/drawing/2014/main" id="{7E091734-B1AD-4D1B-9DA1-94DCC86D5C8F}"/>
+              </a:ext>
+            </a:extLst>
+          </p:cNvPr>
+          <p:cNvSpPr>
+            <a:spLocks noGrp="1"/>
+          </p:cNvSpPr>
+          <p:nvPr>
+            <p:ph type="sldNum" sz="quarter" idx="12"/>
+          </p:nvPr>
+        </p:nvSpPr>
+        <p:spPr/>
+        <p:txBody>
+          <a:bodyPr/>
+          <a:lstStyle/>
+          <a:p>
+            <a:pPr marL="0" lvl="0" indent="0" algn="r" rtl="0">
+              <a:spcBef>
+                <a:spcPts val="0"/>
+              </a:spcBef>
+              <a:spcAft>
+                <a:spcPts val="0"/>
+              </a:spcAft>
+              <a:buNone/>
+            </a:pPr>
+            <a:fld id="{00000000-1234-1234-1234-123412341234}" type="slidenum">
+              <a:rPr lang="fr-FR" smtClean="0"/>
+              <a:t>38</a:t>
+            </a:fld>
+            <a:endParaRPr lang="fr-FR"/>
+          </a:p>
+        </p:txBody>
+      </p:sp>
+      <p:sp>
+        <p:nvSpPr>
+          <p:cNvPr id="11" name="Titre 10">
+            <a:extLst>
+              <a:ext uri="{FF2B5EF4-FFF2-40B4-BE49-F238E27FC236}">
+                <a16:creationId xmlns:a16="http://schemas.microsoft.com/office/drawing/2014/main" id="{18B2EC67-88E8-41C3-B09B-268D3FCE23FD}"/>
+              </a:ext>
+            </a:extLst>
+          </p:cNvPr>
+          <p:cNvSpPr>
+            <a:spLocks noGrp="1"/>
+          </p:cNvSpPr>
+          <p:nvPr>
+            <p:ph type="title"/>
+          </p:nvPr>
+        </p:nvSpPr>
+        <p:spPr/>
+        <p:txBody>
+          <a:bodyPr/>
+          <a:lstStyle/>
+          <a:p>
+            <a:r>
+              <a:rPr lang="fr-FR" dirty="0"/>
+              <a:t>Transmission secondaire</a:t>
+            </a:r>
+          </a:p>
+        </p:txBody>
+      </p:sp>
+      <p:sp>
+        <p:nvSpPr>
+          <p:cNvPr id="12" name="Espace réservé pour une image  11">
+            <a:extLst>
+              <a:ext uri="{FF2B5EF4-FFF2-40B4-BE49-F238E27FC236}">
+                <a16:creationId xmlns:a16="http://schemas.microsoft.com/office/drawing/2014/main" id="{34F192FF-551C-417F-B239-CB826A6373C6}"/>
+              </a:ext>
+            </a:extLst>
+          </p:cNvPr>
+          <p:cNvSpPr>
+            <a:spLocks noGrp="1"/>
+          </p:cNvSpPr>
+          <p:nvPr>
+            <p:ph type="pic" sz="quarter" idx="22"/>
+          </p:nvPr>
+        </p:nvSpPr>
+        <p:spPr/>
+      </p:sp>
+      <p:sp>
+        <p:nvSpPr>
+          <p:cNvPr id="13" name="Espace réservé du contenu 12">
+            <a:extLst>
+              <a:ext uri="{FF2B5EF4-FFF2-40B4-BE49-F238E27FC236}">
+                <a16:creationId xmlns:a16="http://schemas.microsoft.com/office/drawing/2014/main" id="{243CD0A7-191E-44BC-B9B1-58041F7C29C0}"/>
+              </a:ext>
+            </a:extLst>
+          </p:cNvPr>
+          <p:cNvSpPr>
+            <a:spLocks noGrp="1"/>
+          </p:cNvSpPr>
+          <p:nvPr>
+            <p:ph sz="quarter" idx="23"/>
+          </p:nvPr>
+        </p:nvSpPr>
+        <p:spPr/>
+        <p:txBody>
+          <a:bodyPr/>
+          <a:lstStyle/>
+          <a:p>
+            <a:endParaRPr lang="fr-FR"/>
+          </a:p>
+        </p:txBody>
+      </p:sp>
+    </p:spTree>
+    <p:extLst>
+      <p:ext uri="{BB962C8B-B14F-4D97-AF65-F5344CB8AC3E}">
+        <p14:creationId xmlns:p14="http://schemas.microsoft.com/office/powerpoint/2010/main" val="3912778213"/>
+      </p:ext>
+    </p:extLst>
+  </p:cSld>
+  <p:clrMapOvr>
+    <a:masterClrMapping/>
+  </p:clrMapOvr>
+</p:sld>
+</file>
+
+<file path=ppt/slides/slide39.xml><?xml version="1.0" encoding="utf-8"?>
+<p:sld xmlns:a="http://schemas.openxmlformats.org/drawingml/2006/main" xmlns:r="http://schemas.openxmlformats.org/officeDocument/2006/relationships" xmlns:p="http://schemas.openxmlformats.org/presentationml/2006/main">
+  <p:cSld>
+    <p:spTree>
+      <p:nvGrpSpPr>
+        <p:cNvPr id="1" name=""/>
+        <p:cNvGrpSpPr/>
+        <p:nvPr/>
+      </p:nvGrpSpPr>
+      <p:grpSpPr>
+        <a:xfrm>
+          <a:off x="0" y="0"/>
+          <a:ext cx="0" cy="0"/>
+          <a:chOff x="0" y="0"/>
+          <a:chExt cx="0" cy="0"/>
+        </a:xfrm>
+      </p:grpSpPr>
+      <p:sp>
+        <p:nvSpPr>
+          <p:cNvPr id="2" name="Espace réservé du numéro de diapositive 1">
+            <a:extLst>
+              <a:ext uri="{FF2B5EF4-FFF2-40B4-BE49-F238E27FC236}">
+                <a16:creationId xmlns:a16="http://schemas.microsoft.com/office/drawing/2014/main" id="{9F071E1A-55EB-40FA-BDFC-2823D67565EF}"/>
+              </a:ext>
+            </a:extLst>
+          </p:cNvPr>
+          <p:cNvSpPr>
+            <a:spLocks noGrp="1"/>
+          </p:cNvSpPr>
+          <p:nvPr>
+            <p:ph type="sldNum" sz="quarter" idx="12"/>
+          </p:nvPr>
+        </p:nvSpPr>
+        <p:spPr/>
+        <p:txBody>
+          <a:bodyPr/>
+          <a:lstStyle/>
+          <a:p>
+            <a:pPr marL="0" lvl="0" indent="0" algn="r" rtl="0">
+              <a:spcBef>
+                <a:spcPts val="0"/>
+              </a:spcBef>
+              <a:spcAft>
+                <a:spcPts val="0"/>
+              </a:spcAft>
+              <a:buNone/>
+            </a:pPr>
+            <a:fld id="{00000000-1234-1234-1234-123412341234}" type="slidenum">
+              <a:rPr lang="fr-FR" smtClean="0"/>
+              <a:t>39</a:t>
+            </a:fld>
+            <a:endParaRPr lang="fr-FR"/>
+          </a:p>
+        </p:txBody>
+      </p:sp>
+      <p:sp>
+        <p:nvSpPr>
+          <p:cNvPr id="3" name="Titre 2">
+            <a:extLst>
+              <a:ext uri="{FF2B5EF4-FFF2-40B4-BE49-F238E27FC236}">
+                <a16:creationId xmlns:a16="http://schemas.microsoft.com/office/drawing/2014/main" id="{86C13545-005A-439A-A37A-653EFCFDB687}"/>
+              </a:ext>
+            </a:extLst>
+          </p:cNvPr>
+          <p:cNvSpPr>
+            <a:spLocks noGrp="1"/>
+          </p:cNvSpPr>
+          <p:nvPr>
+            <p:ph type="title"/>
+          </p:nvPr>
+        </p:nvSpPr>
+        <p:spPr/>
+        <p:txBody>
+          <a:bodyPr/>
+          <a:lstStyle/>
+          <a:p>
+            <a:r>
+              <a:rPr lang="fr-FR" dirty="0"/>
+              <a:t>Faisceau</a:t>
+            </a:r>
+          </a:p>
+        </p:txBody>
+      </p:sp>
+      <p:sp>
+        <p:nvSpPr>
+          <p:cNvPr id="4" name="Espace réservé du texte 3">
+            <a:extLst>
+              <a:ext uri="{FF2B5EF4-FFF2-40B4-BE49-F238E27FC236}">
+                <a16:creationId xmlns:a16="http://schemas.microsoft.com/office/drawing/2014/main" id="{C2F7C9AD-3A01-4BD5-9E73-43A2A5CBFA4A}"/>
+              </a:ext>
+            </a:extLst>
+          </p:cNvPr>
+          <p:cNvSpPr>
+            <a:spLocks noGrp="1"/>
+          </p:cNvSpPr>
+          <p:nvPr>
+            <p:ph type="body" sz="quarter" idx="13"/>
+          </p:nvPr>
+        </p:nvSpPr>
+        <p:spPr/>
+        <p:txBody>
+          <a:bodyPr/>
+          <a:lstStyle/>
+          <a:p>
+            <a:endParaRPr lang="fr-FR"/>
+          </a:p>
+        </p:txBody>
+      </p:sp>
+      <p:sp>
+        <p:nvSpPr>
+          <p:cNvPr id="5" name="Espace réservé du texte 4">
+            <a:extLst>
+              <a:ext uri="{FF2B5EF4-FFF2-40B4-BE49-F238E27FC236}">
+                <a16:creationId xmlns:a16="http://schemas.microsoft.com/office/drawing/2014/main" id="{5629071F-59F6-4270-B259-3DAF98F72121}"/>
+              </a:ext>
+            </a:extLst>
+          </p:cNvPr>
+          <p:cNvSpPr>
+            <a:spLocks noGrp="1"/>
+          </p:cNvSpPr>
+          <p:nvPr>
+            <p:ph type="body" sz="quarter" idx="17"/>
+          </p:nvPr>
+        </p:nvSpPr>
+        <p:spPr/>
+        <p:txBody>
+          <a:bodyPr/>
+          <a:lstStyle/>
+          <a:p>
+            <a:endParaRPr lang="fr-FR"/>
+          </a:p>
+        </p:txBody>
+      </p:sp>
+      <p:sp>
+        <p:nvSpPr>
+          <p:cNvPr id="6" name="Espace réservé du texte 5">
+            <a:extLst>
+              <a:ext uri="{FF2B5EF4-FFF2-40B4-BE49-F238E27FC236}">
+                <a16:creationId xmlns:a16="http://schemas.microsoft.com/office/drawing/2014/main" id="{18F09A07-DAD8-4E61-BFBF-BF8359C084B6}"/>
+              </a:ext>
+            </a:extLst>
+          </p:cNvPr>
+          <p:cNvSpPr>
+            <a:spLocks noGrp="1"/>
+          </p:cNvSpPr>
+          <p:nvPr>
+            <p:ph type="body" sz="quarter" idx="18"/>
+          </p:nvPr>
+        </p:nvSpPr>
+        <p:spPr/>
+        <p:txBody>
+          <a:bodyPr/>
+          <a:lstStyle/>
+          <a:p>
+            <a:endParaRPr lang="fr-FR"/>
+          </a:p>
+        </p:txBody>
+      </p:sp>
+      <p:sp>
+        <p:nvSpPr>
+          <p:cNvPr id="7" name="Espace réservé du texte 6">
+            <a:extLst>
+              <a:ext uri="{FF2B5EF4-FFF2-40B4-BE49-F238E27FC236}">
+                <a16:creationId xmlns:a16="http://schemas.microsoft.com/office/drawing/2014/main" id="{76C8D427-F490-4661-BEAD-87D1067B5471}"/>
+              </a:ext>
+            </a:extLst>
+          </p:cNvPr>
+          <p:cNvSpPr>
+            <a:spLocks noGrp="1"/>
+          </p:cNvSpPr>
+          <p:nvPr>
+            <p:ph type="body" sz="quarter" idx="19"/>
+          </p:nvPr>
+        </p:nvSpPr>
+        <p:spPr/>
+        <p:txBody>
+          <a:bodyPr/>
+          <a:lstStyle/>
+          <a:p>
+            <a:endParaRPr lang="fr-FR"/>
+          </a:p>
+        </p:txBody>
+      </p:sp>
+      <p:sp>
+        <p:nvSpPr>
+          <p:cNvPr id="8" name="Espace réservé du texte 7">
+            <a:extLst>
+              <a:ext uri="{FF2B5EF4-FFF2-40B4-BE49-F238E27FC236}">
+                <a16:creationId xmlns:a16="http://schemas.microsoft.com/office/drawing/2014/main" id="{F8C4E030-F30B-4A0E-BCA2-AFFE565E1079}"/>
+              </a:ext>
+            </a:extLst>
+          </p:cNvPr>
+          <p:cNvSpPr>
+            <a:spLocks noGrp="1"/>
+          </p:cNvSpPr>
+          <p:nvPr>
+            <p:ph type="body" sz="quarter" idx="20"/>
+          </p:nvPr>
+        </p:nvSpPr>
+        <p:spPr/>
+        <p:txBody>
+          <a:bodyPr/>
+          <a:lstStyle/>
+          <a:p>
+            <a:endParaRPr lang="fr-FR"/>
+          </a:p>
+        </p:txBody>
+      </p:sp>
+      <p:sp>
+        <p:nvSpPr>
+          <p:cNvPr id="9" name="Espace réservé pour une image  8">
+            <a:extLst>
+              <a:ext uri="{FF2B5EF4-FFF2-40B4-BE49-F238E27FC236}">
+                <a16:creationId xmlns:a16="http://schemas.microsoft.com/office/drawing/2014/main" id="{0C64BB04-71E7-44C8-9B1F-D5A3D0A1C800}"/>
+              </a:ext>
+            </a:extLst>
+          </p:cNvPr>
+          <p:cNvSpPr>
+            <a:spLocks noGrp="1"/>
+          </p:cNvSpPr>
+          <p:nvPr>
+            <p:ph type="pic" sz="quarter" idx="22"/>
+          </p:nvPr>
+        </p:nvSpPr>
+        <p:spPr/>
+      </p:sp>
+    </p:spTree>
+    <p:extLst>
+      <p:ext uri="{BB962C8B-B14F-4D97-AF65-F5344CB8AC3E}">
+        <p14:creationId xmlns:p14="http://schemas.microsoft.com/office/powerpoint/2010/main" val="501659583"/>
       </p:ext>
     </p:extLst>
   </p:cSld>
@@ -21738,7 +26636,7 @@
           <p:cNvPr id="2" name="Espace réservé du numéro de diapositive 1">
             <a:extLst>
               <a:ext uri="{FF2B5EF4-FFF2-40B4-BE49-F238E27FC236}">
-                <a16:creationId xmlns:a16="http://schemas.microsoft.com/office/drawing/2014/main" id="{17B75413-BE72-4AD4-8648-D8893D6EC364}"/>
+                <a16:creationId xmlns:a16="http://schemas.microsoft.com/office/drawing/2014/main" id="{2DF0D2DD-2918-45CB-BD32-42A01631D883}"/>
               </a:ext>
             </a:extLst>
           </p:cNvPr>
@@ -21773,10 +26671,10 @@
       </p:sp>
       <p:sp>
         <p:nvSpPr>
-          <p:cNvPr id="11" name="Titre 10">
-            <a:extLst>
-              <a:ext uri="{FF2B5EF4-FFF2-40B4-BE49-F238E27FC236}">
-                <a16:creationId xmlns:a16="http://schemas.microsoft.com/office/drawing/2014/main" id="{232AF1A9-8B2B-4602-88D0-2575AF5ED1C9}"/>
+          <p:cNvPr id="14" name="Titre 13">
+            <a:extLst>
+              <a:ext uri="{FF2B5EF4-FFF2-40B4-BE49-F238E27FC236}">
+                <a16:creationId xmlns:a16="http://schemas.microsoft.com/office/drawing/2014/main" id="{D0B131F0-75D7-4A53-BCC1-AAE045137D44}"/>
               </a:ext>
             </a:extLst>
           </p:cNvPr>
@@ -21792,16 +26690,19 @@
           <a:bodyPr/>
           <a:lstStyle/>
           <a:p>
-            <a:endParaRPr lang="fr-FR"/>
-          </a:p>
-        </p:txBody>
-      </p:sp>
-      <p:sp>
-        <p:nvSpPr>
-          <p:cNvPr id="12" name="Espace réservé pour une image  11">
-            <a:extLst>
-              <a:ext uri="{FF2B5EF4-FFF2-40B4-BE49-F238E27FC236}">
-                <a16:creationId xmlns:a16="http://schemas.microsoft.com/office/drawing/2014/main" id="{AC13E661-84F9-45F5-87A8-DBCC74CAB8A8}"/>
+            <a:r>
+              <a:rPr lang="fr-FR" dirty="0"/>
+              <a:t>Points de LAS</a:t>
+            </a:r>
+          </a:p>
+        </p:txBody>
+      </p:sp>
+      <p:sp>
+        <p:nvSpPr>
+          <p:cNvPr id="15" name="Espace réservé pour une image  14">
+            <a:extLst>
+              <a:ext uri="{FF2B5EF4-FFF2-40B4-BE49-F238E27FC236}">
+                <a16:creationId xmlns:a16="http://schemas.microsoft.com/office/drawing/2014/main" id="{E597A4D8-C00F-47E6-95A1-B4E6333E85A6}"/>
               </a:ext>
             </a:extLst>
           </p:cNvPr>
@@ -21816,10 +26717,10 @@
       </p:sp>
       <p:sp>
         <p:nvSpPr>
-          <p:cNvPr id="13" name="Espace réservé du contenu 12">
-            <a:extLst>
-              <a:ext uri="{FF2B5EF4-FFF2-40B4-BE49-F238E27FC236}">
-                <a16:creationId xmlns:a16="http://schemas.microsoft.com/office/drawing/2014/main" id="{8E76C3A6-1447-437E-A9DD-77861ABAF23D}"/>
+          <p:cNvPr id="16" name="Espace réservé du contenu 15">
+            <a:extLst>
+              <a:ext uri="{FF2B5EF4-FFF2-40B4-BE49-F238E27FC236}">
+                <a16:creationId xmlns:a16="http://schemas.microsoft.com/office/drawing/2014/main" id="{CD269A2E-3407-401D-BD08-30DFB0021CE2}"/>
               </a:ext>
             </a:extLst>
           </p:cNvPr>
@@ -21842,9 +26743,824 @@
     </p:spTree>
     <p:extLst>
       <p:ext uri="{BB962C8B-B14F-4D97-AF65-F5344CB8AC3E}">
-        <p14:creationId xmlns:p14="http://schemas.microsoft.com/office/powerpoint/2010/main" val="468418183"/>
+        <p14:creationId xmlns:p14="http://schemas.microsoft.com/office/powerpoint/2010/main" val="1212112081"/>
       </p:ext>
     </p:extLst>
+  </p:cSld>
+  <p:clrMapOvr>
+    <a:masterClrMapping/>
+  </p:clrMapOvr>
+</p:sld>
+</file>
+
+<file path=ppt/slides/slide40.xml><?xml version="1.0" encoding="utf-8"?>
+<p:sld xmlns:a="http://schemas.openxmlformats.org/drawingml/2006/main" xmlns:r="http://schemas.openxmlformats.org/officeDocument/2006/relationships" xmlns:p="http://schemas.openxmlformats.org/presentationml/2006/main">
+  <p:cSld>
+    <p:spTree>
+      <p:nvGrpSpPr>
+        <p:cNvPr id="1" name=""/>
+        <p:cNvGrpSpPr/>
+        <p:nvPr/>
+      </p:nvGrpSpPr>
+      <p:grpSpPr>
+        <a:xfrm>
+          <a:off x="0" y="0"/>
+          <a:ext cx="0" cy="0"/>
+          <a:chOff x="0" y="0"/>
+          <a:chExt cx="0" cy="0"/>
+        </a:xfrm>
+      </p:grpSpPr>
+      <p:sp>
+        <p:nvSpPr>
+          <p:cNvPr id="2" name="Espace réservé du numéro de diapositive 1">
+            <a:extLst>
+              <a:ext uri="{FF2B5EF4-FFF2-40B4-BE49-F238E27FC236}">
+                <a16:creationId xmlns:a16="http://schemas.microsoft.com/office/drawing/2014/main" id="{0511BE86-2AA6-4921-932A-72C21D782456}"/>
+              </a:ext>
+            </a:extLst>
+          </p:cNvPr>
+          <p:cNvSpPr>
+            <a:spLocks noGrp="1"/>
+          </p:cNvSpPr>
+          <p:nvPr>
+            <p:ph type="sldNum" sz="quarter" idx="12"/>
+          </p:nvPr>
+        </p:nvSpPr>
+        <p:spPr/>
+        <p:txBody>
+          <a:bodyPr/>
+          <a:lstStyle/>
+          <a:p>
+            <a:pPr marL="0" lvl="0" indent="0" algn="r" rtl="0">
+              <a:spcBef>
+                <a:spcPts val="0"/>
+              </a:spcBef>
+              <a:spcAft>
+                <a:spcPts val="0"/>
+              </a:spcAft>
+              <a:buNone/>
+            </a:pPr>
+            <a:fld id="{00000000-1234-1234-1234-123412341234}" type="slidenum">
+              <a:rPr lang="fr-FR" smtClean="0"/>
+              <a:t>40</a:t>
+            </a:fld>
+            <a:endParaRPr lang="fr-FR" dirty="0"/>
+          </a:p>
+        </p:txBody>
+      </p:sp>
+      <p:sp>
+        <p:nvSpPr>
+          <p:cNvPr id="3" name="Titre 2">
+            <a:extLst>
+              <a:ext uri="{FF2B5EF4-FFF2-40B4-BE49-F238E27FC236}">
+                <a16:creationId xmlns:a16="http://schemas.microsoft.com/office/drawing/2014/main" id="{005AF1E0-65AF-4E04-9F70-642F295477F9}"/>
+              </a:ext>
+            </a:extLst>
+          </p:cNvPr>
+          <p:cNvSpPr>
+            <a:spLocks noGrp="1"/>
+          </p:cNvSpPr>
+          <p:nvPr>
+            <p:ph type="title"/>
+          </p:nvPr>
+        </p:nvSpPr>
+        <p:spPr/>
+        <p:txBody>
+          <a:bodyPr/>
+          <a:lstStyle/>
+          <a:p>
+            <a:r>
+              <a:rPr lang="fr-FR" dirty="0"/>
+              <a:t>Faisceau</a:t>
+            </a:r>
+          </a:p>
+        </p:txBody>
+      </p:sp>
+      <p:sp>
+        <p:nvSpPr>
+          <p:cNvPr id="4" name="Espace réservé pour une image  3">
+            <a:extLst>
+              <a:ext uri="{FF2B5EF4-FFF2-40B4-BE49-F238E27FC236}">
+                <a16:creationId xmlns:a16="http://schemas.microsoft.com/office/drawing/2014/main" id="{5BA6F510-9554-4896-98FB-063B1E483B36}"/>
+              </a:ext>
+            </a:extLst>
+          </p:cNvPr>
+          <p:cNvSpPr>
+            <a:spLocks noGrp="1"/>
+          </p:cNvSpPr>
+          <p:nvPr>
+            <p:ph type="pic" sz="quarter" idx="22"/>
+          </p:nvPr>
+        </p:nvSpPr>
+        <p:spPr/>
+      </p:sp>
+      <p:sp>
+        <p:nvSpPr>
+          <p:cNvPr id="5" name="Espace réservé du contenu 4">
+            <a:extLst>
+              <a:ext uri="{FF2B5EF4-FFF2-40B4-BE49-F238E27FC236}">
+                <a16:creationId xmlns:a16="http://schemas.microsoft.com/office/drawing/2014/main" id="{6B998363-839E-42A9-85FA-B823071292BB}"/>
+              </a:ext>
+            </a:extLst>
+          </p:cNvPr>
+          <p:cNvSpPr>
+            <a:spLocks noGrp="1"/>
+          </p:cNvSpPr>
+          <p:nvPr>
+            <p:ph sz="quarter" idx="23"/>
+          </p:nvPr>
+        </p:nvSpPr>
+        <p:spPr/>
+        <p:txBody>
+          <a:bodyPr/>
+          <a:lstStyle/>
+          <a:p>
+            <a:endParaRPr lang="fr-FR"/>
+          </a:p>
+        </p:txBody>
+      </p:sp>
+    </p:spTree>
+    <p:extLst>
+      <p:ext uri="{BB962C8B-B14F-4D97-AF65-F5344CB8AC3E}">
+        <p14:creationId xmlns:p14="http://schemas.microsoft.com/office/powerpoint/2010/main" val="4253627315"/>
+      </p:ext>
+    </p:extLst>
+  </p:cSld>
+  <p:clrMapOvr>
+    <a:masterClrMapping/>
+  </p:clrMapOvr>
+</p:sld>
+</file>
+
+<file path=ppt/slides/slide41.xml><?xml version="1.0" encoding="utf-8"?>
+<p:sld xmlns:a="http://schemas.openxmlformats.org/drawingml/2006/main" xmlns:r="http://schemas.openxmlformats.org/officeDocument/2006/relationships" xmlns:p="http://schemas.openxmlformats.org/presentationml/2006/main">
+  <p:cSld>
+    <p:spTree>
+      <p:nvGrpSpPr>
+        <p:cNvPr id="1" name=""/>
+        <p:cNvGrpSpPr/>
+        <p:nvPr/>
+      </p:nvGrpSpPr>
+      <p:grpSpPr>
+        <a:xfrm>
+          <a:off x="0" y="0"/>
+          <a:ext cx="0" cy="0"/>
+          <a:chOff x="0" y="0"/>
+          <a:chExt cx="0" cy="0"/>
+        </a:xfrm>
+      </p:grpSpPr>
+      <p:sp>
+        <p:nvSpPr>
+          <p:cNvPr id="2" name="Espace réservé du numéro de diapositive 1">
+            <a:extLst>
+              <a:ext uri="{FF2B5EF4-FFF2-40B4-BE49-F238E27FC236}">
+                <a16:creationId xmlns:a16="http://schemas.microsoft.com/office/drawing/2014/main" id="{9F071E1A-55EB-40FA-BDFC-2823D67565EF}"/>
+              </a:ext>
+            </a:extLst>
+          </p:cNvPr>
+          <p:cNvSpPr>
+            <a:spLocks noGrp="1"/>
+          </p:cNvSpPr>
+          <p:nvPr>
+            <p:ph type="sldNum" sz="quarter" idx="12"/>
+          </p:nvPr>
+        </p:nvSpPr>
+        <p:spPr/>
+        <p:txBody>
+          <a:bodyPr/>
+          <a:lstStyle/>
+          <a:p>
+            <a:pPr marL="0" lvl="0" indent="0" algn="r" rtl="0">
+              <a:spcBef>
+                <a:spcPts val="0"/>
+              </a:spcBef>
+              <a:spcAft>
+                <a:spcPts val="0"/>
+              </a:spcAft>
+              <a:buNone/>
+            </a:pPr>
+            <a:fld id="{00000000-1234-1234-1234-123412341234}" type="slidenum">
+              <a:rPr lang="fr-FR" smtClean="0"/>
+              <a:t>41</a:t>
+            </a:fld>
+            <a:endParaRPr lang="fr-FR"/>
+          </a:p>
+        </p:txBody>
+      </p:sp>
+      <p:sp>
+        <p:nvSpPr>
+          <p:cNvPr id="3" name="Titre 2">
+            <a:extLst>
+              <a:ext uri="{FF2B5EF4-FFF2-40B4-BE49-F238E27FC236}">
+                <a16:creationId xmlns:a16="http://schemas.microsoft.com/office/drawing/2014/main" id="{86C13545-005A-439A-A37A-653EFCFDB687}"/>
+              </a:ext>
+            </a:extLst>
+          </p:cNvPr>
+          <p:cNvSpPr>
+            <a:spLocks noGrp="1"/>
+          </p:cNvSpPr>
+          <p:nvPr>
+            <p:ph type="title"/>
+          </p:nvPr>
+        </p:nvSpPr>
+        <p:spPr/>
+        <p:txBody>
+          <a:bodyPr/>
+          <a:lstStyle/>
+          <a:p>
+            <a:r>
+              <a:rPr lang="fr-FR" dirty="0"/>
+              <a:t>Tableau de bort</a:t>
+            </a:r>
+          </a:p>
+        </p:txBody>
+      </p:sp>
+      <p:sp>
+        <p:nvSpPr>
+          <p:cNvPr id="4" name="Espace réservé du texte 3">
+            <a:extLst>
+              <a:ext uri="{FF2B5EF4-FFF2-40B4-BE49-F238E27FC236}">
+                <a16:creationId xmlns:a16="http://schemas.microsoft.com/office/drawing/2014/main" id="{C2F7C9AD-3A01-4BD5-9E73-43A2A5CBFA4A}"/>
+              </a:ext>
+            </a:extLst>
+          </p:cNvPr>
+          <p:cNvSpPr>
+            <a:spLocks noGrp="1"/>
+          </p:cNvSpPr>
+          <p:nvPr>
+            <p:ph type="body" sz="quarter" idx="13"/>
+          </p:nvPr>
+        </p:nvSpPr>
+        <p:spPr/>
+        <p:txBody>
+          <a:bodyPr/>
+          <a:lstStyle/>
+          <a:p>
+            <a:endParaRPr lang="fr-FR"/>
+          </a:p>
+        </p:txBody>
+      </p:sp>
+      <p:sp>
+        <p:nvSpPr>
+          <p:cNvPr id="5" name="Espace réservé du texte 4">
+            <a:extLst>
+              <a:ext uri="{FF2B5EF4-FFF2-40B4-BE49-F238E27FC236}">
+                <a16:creationId xmlns:a16="http://schemas.microsoft.com/office/drawing/2014/main" id="{5629071F-59F6-4270-B259-3DAF98F72121}"/>
+              </a:ext>
+            </a:extLst>
+          </p:cNvPr>
+          <p:cNvSpPr>
+            <a:spLocks noGrp="1"/>
+          </p:cNvSpPr>
+          <p:nvPr>
+            <p:ph type="body" sz="quarter" idx="17"/>
+          </p:nvPr>
+        </p:nvSpPr>
+        <p:spPr/>
+        <p:txBody>
+          <a:bodyPr/>
+          <a:lstStyle/>
+          <a:p>
+            <a:endParaRPr lang="fr-FR"/>
+          </a:p>
+        </p:txBody>
+      </p:sp>
+      <p:sp>
+        <p:nvSpPr>
+          <p:cNvPr id="6" name="Espace réservé du texte 5">
+            <a:extLst>
+              <a:ext uri="{FF2B5EF4-FFF2-40B4-BE49-F238E27FC236}">
+                <a16:creationId xmlns:a16="http://schemas.microsoft.com/office/drawing/2014/main" id="{18F09A07-DAD8-4E61-BFBF-BF8359C084B6}"/>
+              </a:ext>
+            </a:extLst>
+          </p:cNvPr>
+          <p:cNvSpPr>
+            <a:spLocks noGrp="1"/>
+          </p:cNvSpPr>
+          <p:nvPr>
+            <p:ph type="body" sz="quarter" idx="18"/>
+          </p:nvPr>
+        </p:nvSpPr>
+        <p:spPr/>
+        <p:txBody>
+          <a:bodyPr/>
+          <a:lstStyle/>
+          <a:p>
+            <a:endParaRPr lang="fr-FR"/>
+          </a:p>
+        </p:txBody>
+      </p:sp>
+      <p:sp>
+        <p:nvSpPr>
+          <p:cNvPr id="7" name="Espace réservé du texte 6">
+            <a:extLst>
+              <a:ext uri="{FF2B5EF4-FFF2-40B4-BE49-F238E27FC236}">
+                <a16:creationId xmlns:a16="http://schemas.microsoft.com/office/drawing/2014/main" id="{76C8D427-F490-4661-BEAD-87D1067B5471}"/>
+              </a:ext>
+            </a:extLst>
+          </p:cNvPr>
+          <p:cNvSpPr>
+            <a:spLocks noGrp="1"/>
+          </p:cNvSpPr>
+          <p:nvPr>
+            <p:ph type="body" sz="quarter" idx="19"/>
+          </p:nvPr>
+        </p:nvSpPr>
+        <p:spPr/>
+        <p:txBody>
+          <a:bodyPr/>
+          <a:lstStyle/>
+          <a:p>
+            <a:endParaRPr lang="fr-FR"/>
+          </a:p>
+        </p:txBody>
+      </p:sp>
+      <p:sp>
+        <p:nvSpPr>
+          <p:cNvPr id="8" name="Espace réservé du texte 7">
+            <a:extLst>
+              <a:ext uri="{FF2B5EF4-FFF2-40B4-BE49-F238E27FC236}">
+                <a16:creationId xmlns:a16="http://schemas.microsoft.com/office/drawing/2014/main" id="{F8C4E030-F30B-4A0E-BCA2-AFFE565E1079}"/>
+              </a:ext>
+            </a:extLst>
+          </p:cNvPr>
+          <p:cNvSpPr>
+            <a:spLocks noGrp="1"/>
+          </p:cNvSpPr>
+          <p:nvPr>
+            <p:ph type="body" sz="quarter" idx="20"/>
+          </p:nvPr>
+        </p:nvSpPr>
+        <p:spPr/>
+        <p:txBody>
+          <a:bodyPr/>
+          <a:lstStyle/>
+          <a:p>
+            <a:endParaRPr lang="fr-FR"/>
+          </a:p>
+        </p:txBody>
+      </p:sp>
+      <p:sp>
+        <p:nvSpPr>
+          <p:cNvPr id="9" name="Espace réservé pour une image  8">
+            <a:extLst>
+              <a:ext uri="{FF2B5EF4-FFF2-40B4-BE49-F238E27FC236}">
+                <a16:creationId xmlns:a16="http://schemas.microsoft.com/office/drawing/2014/main" id="{0C64BB04-71E7-44C8-9B1F-D5A3D0A1C800}"/>
+              </a:ext>
+            </a:extLst>
+          </p:cNvPr>
+          <p:cNvSpPr>
+            <a:spLocks noGrp="1"/>
+          </p:cNvSpPr>
+          <p:nvPr>
+            <p:ph type="pic" sz="quarter" idx="22"/>
+          </p:nvPr>
+        </p:nvSpPr>
+        <p:spPr/>
+      </p:sp>
+    </p:spTree>
+    <p:extLst>
+      <p:ext uri="{BB962C8B-B14F-4D97-AF65-F5344CB8AC3E}">
+        <p14:creationId xmlns:p14="http://schemas.microsoft.com/office/powerpoint/2010/main" val="1793284330"/>
+      </p:ext>
+    </p:extLst>
+  </p:cSld>
+  <p:clrMapOvr>
+    <a:masterClrMapping/>
+  </p:clrMapOvr>
+</p:sld>
+</file>
+
+<file path=ppt/slides/slide42.xml><?xml version="1.0" encoding="utf-8"?>
+<p:sld xmlns:a="http://schemas.openxmlformats.org/drawingml/2006/main" xmlns:r="http://schemas.openxmlformats.org/officeDocument/2006/relationships" xmlns:p="http://schemas.openxmlformats.org/presentationml/2006/main">
+  <p:cSld>
+    <p:spTree>
+      <p:nvGrpSpPr>
+        <p:cNvPr id="1" name=""/>
+        <p:cNvGrpSpPr/>
+        <p:nvPr/>
+      </p:nvGrpSpPr>
+      <p:grpSpPr>
+        <a:xfrm>
+          <a:off x="0" y="0"/>
+          <a:ext cx="0" cy="0"/>
+          <a:chOff x="0" y="0"/>
+          <a:chExt cx="0" cy="0"/>
+        </a:xfrm>
+      </p:grpSpPr>
+      <p:sp>
+        <p:nvSpPr>
+          <p:cNvPr id="2" name="Espace réservé du numéro de diapositive 1">
+            <a:extLst>
+              <a:ext uri="{FF2B5EF4-FFF2-40B4-BE49-F238E27FC236}">
+                <a16:creationId xmlns:a16="http://schemas.microsoft.com/office/drawing/2014/main" id="{0511BE86-2AA6-4921-932A-72C21D782456}"/>
+              </a:ext>
+            </a:extLst>
+          </p:cNvPr>
+          <p:cNvSpPr>
+            <a:spLocks noGrp="1"/>
+          </p:cNvSpPr>
+          <p:nvPr>
+            <p:ph type="sldNum" sz="quarter" idx="12"/>
+          </p:nvPr>
+        </p:nvSpPr>
+        <p:spPr/>
+        <p:txBody>
+          <a:bodyPr/>
+          <a:lstStyle/>
+          <a:p>
+            <a:pPr marL="0" lvl="0" indent="0" algn="r" rtl="0">
+              <a:spcBef>
+                <a:spcPts val="0"/>
+              </a:spcBef>
+              <a:spcAft>
+                <a:spcPts val="0"/>
+              </a:spcAft>
+              <a:buNone/>
+            </a:pPr>
+            <a:fld id="{00000000-1234-1234-1234-123412341234}" type="slidenum">
+              <a:rPr lang="fr-FR" smtClean="0"/>
+              <a:t>42</a:t>
+            </a:fld>
+            <a:endParaRPr lang="fr-FR" dirty="0"/>
+          </a:p>
+        </p:txBody>
+      </p:sp>
+      <p:sp>
+        <p:nvSpPr>
+          <p:cNvPr id="3" name="Titre 2">
+            <a:extLst>
+              <a:ext uri="{FF2B5EF4-FFF2-40B4-BE49-F238E27FC236}">
+                <a16:creationId xmlns:a16="http://schemas.microsoft.com/office/drawing/2014/main" id="{005AF1E0-65AF-4E04-9F70-642F295477F9}"/>
+              </a:ext>
+            </a:extLst>
+          </p:cNvPr>
+          <p:cNvSpPr>
+            <a:spLocks noGrp="1"/>
+          </p:cNvSpPr>
+          <p:nvPr>
+            <p:ph type="title"/>
+          </p:nvPr>
+        </p:nvSpPr>
+        <p:spPr/>
+        <p:txBody>
+          <a:bodyPr/>
+          <a:lstStyle/>
+          <a:p>
+            <a:r>
+              <a:rPr lang="fr-FR" dirty="0"/>
+              <a:t>Tableau de bord</a:t>
+            </a:r>
+          </a:p>
+        </p:txBody>
+      </p:sp>
+      <p:sp>
+        <p:nvSpPr>
+          <p:cNvPr id="4" name="Espace réservé pour une image  3">
+            <a:extLst>
+              <a:ext uri="{FF2B5EF4-FFF2-40B4-BE49-F238E27FC236}">
+                <a16:creationId xmlns:a16="http://schemas.microsoft.com/office/drawing/2014/main" id="{5BA6F510-9554-4896-98FB-063B1E483B36}"/>
+              </a:ext>
+            </a:extLst>
+          </p:cNvPr>
+          <p:cNvSpPr>
+            <a:spLocks noGrp="1"/>
+          </p:cNvSpPr>
+          <p:nvPr>
+            <p:ph type="pic" sz="quarter" idx="22"/>
+          </p:nvPr>
+        </p:nvSpPr>
+        <p:spPr/>
+      </p:sp>
+      <p:sp>
+        <p:nvSpPr>
+          <p:cNvPr id="5" name="Espace réservé du contenu 4">
+            <a:extLst>
+              <a:ext uri="{FF2B5EF4-FFF2-40B4-BE49-F238E27FC236}">
+                <a16:creationId xmlns:a16="http://schemas.microsoft.com/office/drawing/2014/main" id="{6B998363-839E-42A9-85FA-B823071292BB}"/>
+              </a:ext>
+            </a:extLst>
+          </p:cNvPr>
+          <p:cNvSpPr>
+            <a:spLocks noGrp="1"/>
+          </p:cNvSpPr>
+          <p:nvPr>
+            <p:ph sz="quarter" idx="23"/>
+          </p:nvPr>
+        </p:nvSpPr>
+        <p:spPr/>
+        <p:txBody>
+          <a:bodyPr/>
+          <a:lstStyle/>
+          <a:p>
+            <a:endParaRPr lang="fr-FR"/>
+          </a:p>
+        </p:txBody>
+      </p:sp>
+    </p:spTree>
+    <p:extLst>
+      <p:ext uri="{BB962C8B-B14F-4D97-AF65-F5344CB8AC3E}">
+        <p14:creationId xmlns:p14="http://schemas.microsoft.com/office/powerpoint/2010/main" val="2069492382"/>
+      </p:ext>
+    </p:extLst>
+  </p:cSld>
+  <p:clrMapOvr>
+    <a:masterClrMapping/>
+  </p:clrMapOvr>
+</p:sld>
+</file>
+
+<file path=ppt/slides/slide43.xml><?xml version="1.0" encoding="utf-8"?>
+<p:sld xmlns:a="http://schemas.openxmlformats.org/drawingml/2006/main" xmlns:r="http://schemas.openxmlformats.org/officeDocument/2006/relationships" xmlns:p="http://schemas.openxmlformats.org/presentationml/2006/main">
+  <p:cSld>
+    <p:spTree>
+      <p:nvGrpSpPr>
+        <p:cNvPr id="1" name="Shape 1761"/>
+        <p:cNvGrpSpPr/>
+        <p:nvPr/>
+      </p:nvGrpSpPr>
+      <p:grpSpPr>
+        <a:xfrm>
+          <a:off x="0" y="0"/>
+          <a:ext cx="0" cy="0"/>
+          <a:chOff x="0" y="0"/>
+          <a:chExt cx="0" cy="0"/>
+        </a:xfrm>
+      </p:grpSpPr>
+      <p:sp>
+        <p:nvSpPr>
+          <p:cNvPr id="1763" name="Google Shape;1763;p156"/>
+          <p:cNvSpPr txBox="1">
+            <a:spLocks noGrp="1"/>
+          </p:cNvSpPr>
+          <p:nvPr>
+            <p:ph type="title"/>
+          </p:nvPr>
+        </p:nvSpPr>
+        <p:spPr>
+          <a:xfrm>
+            <a:off x="37213" y="82913"/>
+            <a:ext cx="9001684" cy="589085"/>
+          </a:xfrm>
+          <a:prstGeom prst="rect">
+            <a:avLst/>
+          </a:prstGeom>
+          <a:noFill/>
+          <a:ln>
+            <a:noFill/>
+          </a:ln>
+        </p:spPr>
+        <p:txBody>
+          <a:bodyPr spcFirstLastPara="1" wrap="square" lIns="91425" tIns="91425" rIns="91425" bIns="91425" anchor="ctr" anchorCtr="0">
+            <a:noAutofit/>
+          </a:bodyPr>
+          <a:lstStyle/>
+          <a:p>
+            <a:pPr marL="0" lvl="0" indent="0" algn="l" rtl="0">
+              <a:lnSpc>
+                <a:spcPct val="100000"/>
+              </a:lnSpc>
+              <a:spcBef>
+                <a:spcPts val="0"/>
+              </a:spcBef>
+              <a:spcAft>
+                <a:spcPts val="0"/>
+              </a:spcAft>
+              <a:buSzPts val="2800"/>
+              <a:buNone/>
+            </a:pPr>
+            <a:r>
+              <a:rPr lang="fr-FR" dirty="0"/>
+              <a:t>Etat de l’avancement - Echéances</a:t>
+            </a:r>
+            <a:endParaRPr dirty="0"/>
+          </a:p>
+        </p:txBody>
+      </p:sp>
+      <p:sp>
+        <p:nvSpPr>
+          <p:cNvPr id="1764" name="Google Shape;1764;p156"/>
+          <p:cNvSpPr txBox="1">
+            <a:spLocks noGrp="1"/>
+          </p:cNvSpPr>
+          <p:nvPr>
+            <p:ph idx="1"/>
+          </p:nvPr>
+        </p:nvSpPr>
+        <p:spPr>
+          <a:prstGeom prst="rect">
+            <a:avLst/>
+          </a:prstGeom>
+          <a:noFill/>
+          <a:ln>
+            <a:noFill/>
+          </a:ln>
+        </p:spPr>
+        <p:txBody>
+          <a:bodyPr spcFirstLastPara="1" wrap="square" lIns="91425" tIns="91425" rIns="91425" bIns="91425" anchor="ctr" anchorCtr="0">
+            <a:noAutofit/>
+          </a:bodyPr>
+          <a:lstStyle/>
+          <a:p>
+            <a:pPr marL="0" lvl="0" indent="0" algn="l" rtl="0">
+              <a:lnSpc>
+                <a:spcPct val="100000"/>
+              </a:lnSpc>
+              <a:spcBef>
+                <a:spcPts val="560"/>
+              </a:spcBef>
+              <a:spcAft>
+                <a:spcPts val="0"/>
+              </a:spcAft>
+              <a:buSzPts val="2800"/>
+              <a:buNone/>
+            </a:pPr>
+            <a:r>
+              <a:rPr lang="fr-FR" sz="2400" dirty="0"/>
+              <a:t>Etat du Projet : </a:t>
+            </a:r>
+            <a:r>
+              <a:rPr lang="fr-FR" sz="2400" b="0" dirty="0"/>
+              <a:t>Retard de une semaine </a:t>
+            </a:r>
+          </a:p>
+          <a:p>
+            <a:pPr marL="0" lvl="0" indent="0" algn="l" rtl="0">
+              <a:lnSpc>
+                <a:spcPct val="100000"/>
+              </a:lnSpc>
+              <a:spcBef>
+                <a:spcPts val="560"/>
+              </a:spcBef>
+              <a:spcAft>
+                <a:spcPts val="0"/>
+              </a:spcAft>
+              <a:buSzPts val="2800"/>
+              <a:buNone/>
+            </a:pPr>
+            <a:endParaRPr lang="fr-FR" sz="2400" b="0" dirty="0"/>
+          </a:p>
+          <a:p>
+            <a:pPr marL="0" indent="0">
+              <a:lnSpc>
+                <a:spcPct val="100000"/>
+              </a:lnSpc>
+              <a:spcBef>
+                <a:spcPts val="560"/>
+              </a:spcBef>
+              <a:buSzPts val="2800"/>
+              <a:buNone/>
+            </a:pPr>
+            <a:r>
+              <a:rPr lang="en-US" sz="2400" b="1" dirty="0">
+                <a:solidFill>
+                  <a:srgbClr val="000000"/>
+                </a:solidFill>
+                <a:ea typeface="Corbel"/>
+                <a:cs typeface="Corbel"/>
+                <a:sym typeface="Corbel"/>
+              </a:rPr>
+              <a:t>Prochain TOP :  </a:t>
+            </a:r>
+            <a:r>
+              <a:rPr lang="en-US" sz="2400" dirty="0">
+                <a:solidFill>
+                  <a:srgbClr val="000000"/>
+                </a:solidFill>
+                <a:ea typeface="Corbel"/>
+                <a:cs typeface="Corbel"/>
+                <a:sym typeface="Corbel"/>
+              </a:rPr>
+              <a:t>TOP </a:t>
+            </a:r>
+            <a:r>
+              <a:rPr lang="en-US" sz="2400" dirty="0" err="1">
+                <a:solidFill>
+                  <a:srgbClr val="000000"/>
+                </a:solidFill>
+                <a:ea typeface="Corbel"/>
+                <a:cs typeface="Corbel"/>
+                <a:sym typeface="Corbel"/>
+              </a:rPr>
+              <a:t>Organe</a:t>
+            </a:r>
+            <a:r>
+              <a:rPr lang="en-US" sz="2400" dirty="0">
+                <a:solidFill>
+                  <a:srgbClr val="000000"/>
+                </a:solidFill>
+                <a:ea typeface="Corbel"/>
+                <a:cs typeface="Corbel"/>
+                <a:sym typeface="Corbel"/>
+              </a:rPr>
+              <a:t> mi-</a:t>
+            </a:r>
+            <a:r>
+              <a:rPr lang="en-US" sz="2400" dirty="0" err="1">
+                <a:solidFill>
+                  <a:srgbClr val="000000"/>
+                </a:solidFill>
+                <a:ea typeface="Corbel"/>
+                <a:cs typeface="Corbel"/>
+                <a:sym typeface="Corbel"/>
+              </a:rPr>
+              <a:t>novembr</a:t>
+            </a:r>
+            <a:r>
+              <a:rPr lang="en-US" sz="2400" dirty="0" err="1">
+                <a:solidFill>
+                  <a:srgbClr val="000000"/>
+                </a:solidFill>
+                <a:latin typeface="Corbel"/>
+                <a:ea typeface="Corbel"/>
+                <a:cs typeface="Corbel"/>
+                <a:sym typeface="Corbel"/>
+              </a:rPr>
+              <a:t>e</a:t>
+            </a:r>
+            <a:endParaRPr lang="en-US" sz="2400" dirty="0">
+              <a:solidFill>
+                <a:srgbClr val="000000"/>
+              </a:solidFill>
+              <a:latin typeface="Corbel"/>
+              <a:ea typeface="Corbel"/>
+              <a:cs typeface="Corbel"/>
+              <a:sym typeface="Corbel"/>
+            </a:endParaRPr>
+          </a:p>
+          <a:p>
+            <a:pPr marL="0" lvl="0" indent="0" algn="l" rtl="0">
+              <a:lnSpc>
+                <a:spcPct val="100000"/>
+              </a:lnSpc>
+              <a:spcBef>
+                <a:spcPts val="560"/>
+              </a:spcBef>
+              <a:spcAft>
+                <a:spcPts val="0"/>
+              </a:spcAft>
+              <a:buSzPts val="2800"/>
+              <a:buNone/>
+            </a:pPr>
+            <a:r>
+              <a:rPr lang="fr-FR" b="0" dirty="0"/>
+              <a:t> </a:t>
+            </a:r>
+            <a:endParaRPr b="0" dirty="0"/>
+          </a:p>
+        </p:txBody>
+      </p:sp>
+      <p:sp>
+        <p:nvSpPr>
+          <p:cNvPr id="1762" name="Google Shape;1762;p156"/>
+          <p:cNvSpPr txBox="1">
+            <a:spLocks noGrp="1"/>
+          </p:cNvSpPr>
+          <p:nvPr>
+            <p:ph type="sldNum" sz="quarter" idx="12"/>
+          </p:nvPr>
+        </p:nvSpPr>
+        <p:spPr>
+          <a:prstGeom prst="rect">
+            <a:avLst/>
+          </a:prstGeom>
+          <a:noFill/>
+          <a:ln>
+            <a:noFill/>
+          </a:ln>
+        </p:spPr>
+        <p:txBody>
+          <a:bodyPr spcFirstLastPara="1" wrap="square" lIns="91425" tIns="45700" rIns="91425" bIns="45700" anchor="ctr" anchorCtr="0">
+            <a:noAutofit/>
+          </a:bodyPr>
+          <a:lstStyle/>
+          <a:p>
+            <a:pPr marL="0" lvl="0" indent="0" algn="r" rtl="0">
+              <a:lnSpc>
+                <a:spcPct val="100000"/>
+              </a:lnSpc>
+              <a:spcBef>
+                <a:spcPts val="0"/>
+              </a:spcBef>
+              <a:spcAft>
+                <a:spcPts val="0"/>
+              </a:spcAft>
+              <a:buClr>
+                <a:srgbClr val="FF0000"/>
+              </a:buClr>
+              <a:buSzPts val="300"/>
+              <a:buFont typeface="Calibri"/>
+              <a:buNone/>
+            </a:pPr>
+            <a:fld id="{00000000-1234-1234-1234-123412341234}" type="slidenum">
+              <a:rPr lang="fr-FR"/>
+              <a:t>43</a:t>
+            </a:fld>
+            <a:endParaRPr/>
+          </a:p>
+        </p:txBody>
+      </p:sp>
+    </p:spTree>
   </p:cSld>
   <p:clrMapOvr>
     <a:masterClrMapping/>
@@ -21874,7 +27590,7 @@
           <p:cNvPr id="2" name="Espace réservé du numéro de diapositive 1">
             <a:extLst>
               <a:ext uri="{FF2B5EF4-FFF2-40B4-BE49-F238E27FC236}">
-                <a16:creationId xmlns:a16="http://schemas.microsoft.com/office/drawing/2014/main" id="{57BFE066-6260-4417-B0ED-402399FFD25D}"/>
+                <a16:creationId xmlns:a16="http://schemas.microsoft.com/office/drawing/2014/main" id="{9873A4D5-00E8-402E-8836-7AAC2F9ACCBA}"/>
               </a:ext>
             </a:extLst>
           </p:cNvPr>
@@ -21912,7 +27628,7 @@
           <p:cNvPr id="3" name="Titre 2">
             <a:extLst>
               <a:ext uri="{FF2B5EF4-FFF2-40B4-BE49-F238E27FC236}">
-                <a16:creationId xmlns:a16="http://schemas.microsoft.com/office/drawing/2014/main" id="{807FED8C-C82F-44AF-BE52-3D4319C0E88B}"/>
+                <a16:creationId xmlns:a16="http://schemas.microsoft.com/office/drawing/2014/main" id="{3EA95092-AA17-4325-8666-446AC172D5CC}"/>
               </a:ext>
             </a:extLst>
           </p:cNvPr>
@@ -21928,24 +27644,52 @@
           <a:bodyPr/>
           <a:lstStyle/>
           <a:p>
+            <a:r>
+              <a:rPr lang="fr-FR" dirty="0"/>
+              <a:t>Triangles</a:t>
+            </a:r>
+          </a:p>
+        </p:txBody>
+      </p:sp>
+      <p:sp>
+        <p:nvSpPr>
+          <p:cNvPr id="4" name="Espace réservé du texte 3">
+            <a:extLst>
+              <a:ext uri="{FF2B5EF4-FFF2-40B4-BE49-F238E27FC236}">
+                <a16:creationId xmlns:a16="http://schemas.microsoft.com/office/drawing/2014/main" id="{AE8D8335-E8E7-4DFA-A5B1-E9B0D7C4A529}"/>
+              </a:ext>
+            </a:extLst>
+          </p:cNvPr>
+          <p:cNvSpPr>
+            <a:spLocks noGrp="1"/>
+          </p:cNvSpPr>
+          <p:nvPr>
+            <p:ph type="body" sz="quarter" idx="13"/>
+          </p:nvPr>
+        </p:nvSpPr>
+        <p:spPr/>
+        <p:txBody>
+          <a:bodyPr/>
+          <a:lstStyle/>
+          <a:p>
             <a:endParaRPr lang="fr-FR"/>
           </a:p>
         </p:txBody>
       </p:sp>
       <p:sp>
         <p:nvSpPr>
-          <p:cNvPr id="4" name="Espace réservé du texte 3">
-            <a:extLst>
-              <a:ext uri="{FF2B5EF4-FFF2-40B4-BE49-F238E27FC236}">
-                <a16:creationId xmlns:a16="http://schemas.microsoft.com/office/drawing/2014/main" id="{E9EE4E9A-EEF0-4B90-A331-FA8E727CC6AA}"/>
-              </a:ext>
-            </a:extLst>
-          </p:cNvPr>
-          <p:cNvSpPr>
-            <a:spLocks noGrp="1"/>
-          </p:cNvSpPr>
-          <p:nvPr>
-            <p:ph type="body" sz="quarter" idx="13"/>
+          <p:cNvPr id="5" name="Espace réservé du texte 4">
+            <a:extLst>
+              <a:ext uri="{FF2B5EF4-FFF2-40B4-BE49-F238E27FC236}">
+                <a16:creationId xmlns:a16="http://schemas.microsoft.com/office/drawing/2014/main" id="{1AE53E2A-CD04-4BBE-B4FC-0ACA3A48AD48}"/>
+              </a:ext>
+            </a:extLst>
+          </p:cNvPr>
+          <p:cNvSpPr>
+            <a:spLocks noGrp="1"/>
+          </p:cNvSpPr>
+          <p:nvPr>
+            <p:ph type="body" sz="quarter" idx="17"/>
           </p:nvPr>
         </p:nvSpPr>
         <p:spPr/>
@@ -21959,18 +27703,18 @@
       </p:sp>
       <p:sp>
         <p:nvSpPr>
-          <p:cNvPr id="5" name="Espace réservé du texte 4">
-            <a:extLst>
-              <a:ext uri="{FF2B5EF4-FFF2-40B4-BE49-F238E27FC236}">
-                <a16:creationId xmlns:a16="http://schemas.microsoft.com/office/drawing/2014/main" id="{CA38474E-1507-4D83-932B-7C1F4A3EACC7}"/>
-              </a:ext>
-            </a:extLst>
-          </p:cNvPr>
-          <p:cNvSpPr>
-            <a:spLocks noGrp="1"/>
-          </p:cNvSpPr>
-          <p:nvPr>
-            <p:ph type="body" sz="quarter" idx="17"/>
+          <p:cNvPr id="6" name="Espace réservé du texte 5">
+            <a:extLst>
+              <a:ext uri="{FF2B5EF4-FFF2-40B4-BE49-F238E27FC236}">
+                <a16:creationId xmlns:a16="http://schemas.microsoft.com/office/drawing/2014/main" id="{C2AF308B-35D9-45E1-BC16-3222B2951D0A}"/>
+              </a:ext>
+            </a:extLst>
+          </p:cNvPr>
+          <p:cNvSpPr>
+            <a:spLocks noGrp="1"/>
+          </p:cNvSpPr>
+          <p:nvPr>
+            <p:ph type="body" sz="quarter" idx="18"/>
           </p:nvPr>
         </p:nvSpPr>
         <p:spPr/>
@@ -21984,18 +27728,18 @@
       </p:sp>
       <p:sp>
         <p:nvSpPr>
-          <p:cNvPr id="6" name="Espace réservé du texte 5">
-            <a:extLst>
-              <a:ext uri="{FF2B5EF4-FFF2-40B4-BE49-F238E27FC236}">
-                <a16:creationId xmlns:a16="http://schemas.microsoft.com/office/drawing/2014/main" id="{0A6CE8D4-A56A-4014-9766-E1E8F995026B}"/>
-              </a:ext>
-            </a:extLst>
-          </p:cNvPr>
-          <p:cNvSpPr>
-            <a:spLocks noGrp="1"/>
-          </p:cNvSpPr>
-          <p:nvPr>
-            <p:ph type="body" sz="quarter" idx="18"/>
+          <p:cNvPr id="7" name="Espace réservé du texte 6">
+            <a:extLst>
+              <a:ext uri="{FF2B5EF4-FFF2-40B4-BE49-F238E27FC236}">
+                <a16:creationId xmlns:a16="http://schemas.microsoft.com/office/drawing/2014/main" id="{03DA866B-4E99-42E5-9A67-9C87938CD71C}"/>
+              </a:ext>
+            </a:extLst>
+          </p:cNvPr>
+          <p:cNvSpPr>
+            <a:spLocks noGrp="1"/>
+          </p:cNvSpPr>
+          <p:nvPr>
+            <p:ph type="body" sz="quarter" idx="19"/>
           </p:nvPr>
         </p:nvSpPr>
         <p:spPr/>
@@ -22009,18 +27753,18 @@
       </p:sp>
       <p:sp>
         <p:nvSpPr>
-          <p:cNvPr id="7" name="Espace réservé du texte 6">
-            <a:extLst>
-              <a:ext uri="{FF2B5EF4-FFF2-40B4-BE49-F238E27FC236}">
-                <a16:creationId xmlns:a16="http://schemas.microsoft.com/office/drawing/2014/main" id="{607CEE30-CC1E-4197-869B-8CF260ECB486}"/>
-              </a:ext>
-            </a:extLst>
-          </p:cNvPr>
-          <p:cNvSpPr>
-            <a:spLocks noGrp="1"/>
-          </p:cNvSpPr>
-          <p:nvPr>
-            <p:ph type="body" sz="quarter" idx="19"/>
+          <p:cNvPr id="8" name="Espace réservé du texte 7">
+            <a:extLst>
+              <a:ext uri="{FF2B5EF4-FFF2-40B4-BE49-F238E27FC236}">
+                <a16:creationId xmlns:a16="http://schemas.microsoft.com/office/drawing/2014/main" id="{B55C48EC-8452-4B26-A4FF-04155008DB74}"/>
+              </a:ext>
+            </a:extLst>
+          </p:cNvPr>
+          <p:cNvSpPr>
+            <a:spLocks noGrp="1"/>
+          </p:cNvSpPr>
+          <p:nvPr>
+            <p:ph type="body" sz="quarter" idx="20"/>
           </p:nvPr>
         </p:nvSpPr>
         <p:spPr/>
@@ -22034,35 +27778,10 @@
       </p:sp>
       <p:sp>
         <p:nvSpPr>
-          <p:cNvPr id="8" name="Espace réservé du texte 7">
-            <a:extLst>
-              <a:ext uri="{FF2B5EF4-FFF2-40B4-BE49-F238E27FC236}">
-                <a16:creationId xmlns:a16="http://schemas.microsoft.com/office/drawing/2014/main" id="{6016A266-1121-490F-A201-71B787327E1B}"/>
-              </a:ext>
-            </a:extLst>
-          </p:cNvPr>
-          <p:cNvSpPr>
-            <a:spLocks noGrp="1"/>
-          </p:cNvSpPr>
-          <p:nvPr>
-            <p:ph type="body" sz="quarter" idx="20"/>
-          </p:nvPr>
-        </p:nvSpPr>
-        <p:spPr/>
-        <p:txBody>
-          <a:bodyPr/>
-          <a:lstStyle/>
-          <a:p>
-            <a:endParaRPr lang="fr-FR"/>
-          </a:p>
-        </p:txBody>
-      </p:sp>
-      <p:sp>
-        <p:nvSpPr>
           <p:cNvPr id="9" name="Espace réservé pour une image  8">
             <a:extLst>
               <a:ext uri="{FF2B5EF4-FFF2-40B4-BE49-F238E27FC236}">
-                <a16:creationId xmlns:a16="http://schemas.microsoft.com/office/drawing/2014/main" id="{6F9C1C0B-DB46-410A-9236-5B002BB5E0D3}"/>
+                <a16:creationId xmlns:a16="http://schemas.microsoft.com/office/drawing/2014/main" id="{EE1FDD45-8EBD-49B7-A400-AB8CB3D44627}"/>
               </a:ext>
             </a:extLst>
           </p:cNvPr>
@@ -22078,7 +27797,7 @@
     </p:spTree>
     <p:extLst>
       <p:ext uri="{BB962C8B-B14F-4D97-AF65-F5344CB8AC3E}">
-        <p14:creationId xmlns:p14="http://schemas.microsoft.com/office/powerpoint/2010/main" val="574345405"/>
+        <p14:creationId xmlns:p14="http://schemas.microsoft.com/office/powerpoint/2010/main" val="4270951356"/>
       </p:ext>
     </p:extLst>
   </p:cSld>
@@ -22110,7 +27829,7 @@
           <p:cNvPr id="2" name="Espace réservé du numéro de diapositive 1">
             <a:extLst>
               <a:ext uri="{FF2B5EF4-FFF2-40B4-BE49-F238E27FC236}">
-                <a16:creationId xmlns:a16="http://schemas.microsoft.com/office/drawing/2014/main" id="{77550A5C-FBA8-4473-94F3-3B23BE676566}"/>
+                <a16:creationId xmlns:a16="http://schemas.microsoft.com/office/drawing/2014/main" id="{2DF0D2DD-2918-45CB-BD32-42A01631D883}"/>
               </a:ext>
             </a:extLst>
           </p:cNvPr>
@@ -22145,10 +27864,10 @@
       </p:sp>
       <p:sp>
         <p:nvSpPr>
-          <p:cNvPr id="11" name="Titre 10">
-            <a:extLst>
-              <a:ext uri="{FF2B5EF4-FFF2-40B4-BE49-F238E27FC236}">
-                <a16:creationId xmlns:a16="http://schemas.microsoft.com/office/drawing/2014/main" id="{87439681-680C-4BA9-9786-4276847DC932}"/>
+          <p:cNvPr id="14" name="Titre 13">
+            <a:extLst>
+              <a:ext uri="{FF2B5EF4-FFF2-40B4-BE49-F238E27FC236}">
+                <a16:creationId xmlns:a16="http://schemas.microsoft.com/office/drawing/2014/main" id="{D0B131F0-75D7-4A53-BCC1-AAE045137D44}"/>
               </a:ext>
             </a:extLst>
           </p:cNvPr>
@@ -22164,16 +27883,19 @@
           <a:bodyPr/>
           <a:lstStyle/>
           <a:p>
-            <a:endParaRPr lang="fr-FR"/>
-          </a:p>
-        </p:txBody>
-      </p:sp>
-      <p:sp>
-        <p:nvSpPr>
-          <p:cNvPr id="12" name="Espace réservé pour une image  11">
-            <a:extLst>
-              <a:ext uri="{FF2B5EF4-FFF2-40B4-BE49-F238E27FC236}">
-                <a16:creationId xmlns:a16="http://schemas.microsoft.com/office/drawing/2014/main" id="{A2D6D5D0-D278-4CA7-BA66-AB0575A08852}"/>
+            <a:r>
+              <a:rPr lang="fr-FR" dirty="0"/>
+              <a:t>Triangles</a:t>
+            </a:r>
+          </a:p>
+        </p:txBody>
+      </p:sp>
+      <p:sp>
+        <p:nvSpPr>
+          <p:cNvPr id="15" name="Espace réservé pour une image  14">
+            <a:extLst>
+              <a:ext uri="{FF2B5EF4-FFF2-40B4-BE49-F238E27FC236}">
+                <a16:creationId xmlns:a16="http://schemas.microsoft.com/office/drawing/2014/main" id="{E597A4D8-C00F-47E6-95A1-B4E6333E85A6}"/>
               </a:ext>
             </a:extLst>
           </p:cNvPr>
@@ -22188,10 +27910,10 @@
       </p:sp>
       <p:sp>
         <p:nvSpPr>
-          <p:cNvPr id="13" name="Espace réservé du contenu 12">
-            <a:extLst>
-              <a:ext uri="{FF2B5EF4-FFF2-40B4-BE49-F238E27FC236}">
-                <a16:creationId xmlns:a16="http://schemas.microsoft.com/office/drawing/2014/main" id="{06763B85-4BF5-4BC2-BC7B-A6FB7AB84809}"/>
+          <p:cNvPr id="16" name="Espace réservé du contenu 15">
+            <a:extLst>
+              <a:ext uri="{FF2B5EF4-FFF2-40B4-BE49-F238E27FC236}">
+                <a16:creationId xmlns:a16="http://schemas.microsoft.com/office/drawing/2014/main" id="{CD269A2E-3407-401D-BD08-30DFB0021CE2}"/>
               </a:ext>
             </a:extLst>
           </p:cNvPr>
@@ -22214,7 +27936,7 @@
     </p:spTree>
     <p:extLst>
       <p:ext uri="{BB962C8B-B14F-4D97-AF65-F5344CB8AC3E}">
-        <p14:creationId xmlns:p14="http://schemas.microsoft.com/office/powerpoint/2010/main" val="2708656932"/>
+        <p14:creationId xmlns:p14="http://schemas.microsoft.com/office/powerpoint/2010/main" val="1999115090"/>
       </p:ext>
     </p:extLst>
   </p:cSld>
@@ -22300,7 +28022,10 @@
           <a:bodyPr/>
           <a:lstStyle/>
           <a:p>
-            <a:endParaRPr lang="fr-FR"/>
+            <a:r>
+              <a:rPr lang="fr-FR" dirty="0"/>
+              <a:t>Direction</a:t>
+            </a:r>
           </a:p>
         </p:txBody>
       </p:sp>
@@ -22450,7 +28175,7 @@
     </p:spTree>
     <p:extLst>
       <p:ext uri="{BB962C8B-B14F-4D97-AF65-F5344CB8AC3E}">
-        <p14:creationId xmlns:p14="http://schemas.microsoft.com/office/powerpoint/2010/main" val="2915602317"/>
+        <p14:creationId xmlns:p14="http://schemas.microsoft.com/office/powerpoint/2010/main" val="2569656526"/>
       </p:ext>
     </p:extLst>
   </p:cSld>
@@ -22536,7 +28261,10 @@
           <a:bodyPr/>
           <a:lstStyle/>
           <a:p>
-            <a:endParaRPr lang="fr-FR" dirty="0"/>
+            <a:r>
+              <a:rPr lang="fr-FR" dirty="0"/>
+              <a:t>Direction</a:t>
+            </a:r>
           </a:p>
         </p:txBody>
       </p:sp>
@@ -22586,7 +28314,7 @@
     </p:spTree>
     <p:extLst>
       <p:ext uri="{BB962C8B-B14F-4D97-AF65-F5344CB8AC3E}">
-        <p14:creationId xmlns:p14="http://schemas.microsoft.com/office/powerpoint/2010/main" val="1212112081"/>
+        <p14:creationId xmlns:p14="http://schemas.microsoft.com/office/powerpoint/2010/main" val="1966831395"/>
       </p:ext>
     </p:extLst>
   </p:cSld>
@@ -22618,7 +28346,7 @@
           <p:cNvPr id="2" name="Espace réservé du numéro de diapositive 1">
             <a:extLst>
               <a:ext uri="{FF2B5EF4-FFF2-40B4-BE49-F238E27FC236}">
-                <a16:creationId xmlns:a16="http://schemas.microsoft.com/office/drawing/2014/main" id="{2BBC0922-59A2-4F98-8826-618398D0500C}"/>
+                <a16:creationId xmlns:a16="http://schemas.microsoft.com/office/drawing/2014/main" id="{9873A4D5-00E8-402E-8836-7AAC2F9ACCBA}"/>
               </a:ext>
             </a:extLst>
           </p:cNvPr>
@@ -22656,7 +28384,7 @@
           <p:cNvPr id="3" name="Titre 2">
             <a:extLst>
               <a:ext uri="{FF2B5EF4-FFF2-40B4-BE49-F238E27FC236}">
-                <a16:creationId xmlns:a16="http://schemas.microsoft.com/office/drawing/2014/main" id="{5CACC549-9166-4F9D-968C-F9C528C24DFC}"/>
+                <a16:creationId xmlns:a16="http://schemas.microsoft.com/office/drawing/2014/main" id="{3EA95092-AA17-4325-8666-446AC172D5CC}"/>
               </a:ext>
             </a:extLst>
           </p:cNvPr>
@@ -22672,24 +28400,52 @@
           <a:bodyPr/>
           <a:lstStyle/>
           <a:p>
+            <a:r>
+              <a:rPr lang="fr-FR" dirty="0"/>
+              <a:t>Barre anti-roulis</a:t>
+            </a:r>
+          </a:p>
+        </p:txBody>
+      </p:sp>
+      <p:sp>
+        <p:nvSpPr>
+          <p:cNvPr id="4" name="Espace réservé du texte 3">
+            <a:extLst>
+              <a:ext uri="{FF2B5EF4-FFF2-40B4-BE49-F238E27FC236}">
+                <a16:creationId xmlns:a16="http://schemas.microsoft.com/office/drawing/2014/main" id="{AE8D8335-E8E7-4DFA-A5B1-E9B0D7C4A529}"/>
+              </a:ext>
+            </a:extLst>
+          </p:cNvPr>
+          <p:cNvSpPr>
+            <a:spLocks noGrp="1"/>
+          </p:cNvSpPr>
+          <p:nvPr>
+            <p:ph type="body" sz="quarter" idx="13"/>
+          </p:nvPr>
+        </p:nvSpPr>
+        <p:spPr/>
+        <p:txBody>
+          <a:bodyPr/>
+          <a:lstStyle/>
+          <a:p>
             <a:endParaRPr lang="fr-FR"/>
           </a:p>
         </p:txBody>
       </p:sp>
       <p:sp>
         <p:nvSpPr>
-          <p:cNvPr id="4" name="Espace réservé du texte 3">
-            <a:extLst>
-              <a:ext uri="{FF2B5EF4-FFF2-40B4-BE49-F238E27FC236}">
-                <a16:creationId xmlns:a16="http://schemas.microsoft.com/office/drawing/2014/main" id="{9E131B48-889F-420A-B506-4654E3E0D1DF}"/>
-              </a:ext>
-            </a:extLst>
-          </p:cNvPr>
-          <p:cNvSpPr>
-            <a:spLocks noGrp="1"/>
-          </p:cNvSpPr>
-          <p:nvPr>
-            <p:ph type="body" sz="quarter" idx="13"/>
+          <p:cNvPr id="5" name="Espace réservé du texte 4">
+            <a:extLst>
+              <a:ext uri="{FF2B5EF4-FFF2-40B4-BE49-F238E27FC236}">
+                <a16:creationId xmlns:a16="http://schemas.microsoft.com/office/drawing/2014/main" id="{1AE53E2A-CD04-4BBE-B4FC-0ACA3A48AD48}"/>
+              </a:ext>
+            </a:extLst>
+          </p:cNvPr>
+          <p:cNvSpPr>
+            <a:spLocks noGrp="1"/>
+          </p:cNvSpPr>
+          <p:nvPr>
+            <p:ph type="body" sz="quarter" idx="17"/>
           </p:nvPr>
         </p:nvSpPr>
         <p:spPr/>
@@ -22703,18 +28459,18 @@
       </p:sp>
       <p:sp>
         <p:nvSpPr>
-          <p:cNvPr id="5" name="Espace réservé du texte 4">
-            <a:extLst>
-              <a:ext uri="{FF2B5EF4-FFF2-40B4-BE49-F238E27FC236}">
-                <a16:creationId xmlns:a16="http://schemas.microsoft.com/office/drawing/2014/main" id="{5111BDCD-2FDE-426A-A6DE-DAB868C77A24}"/>
-              </a:ext>
-            </a:extLst>
-          </p:cNvPr>
-          <p:cNvSpPr>
-            <a:spLocks noGrp="1"/>
-          </p:cNvSpPr>
-          <p:nvPr>
-            <p:ph type="body" sz="quarter" idx="17"/>
+          <p:cNvPr id="6" name="Espace réservé du texte 5">
+            <a:extLst>
+              <a:ext uri="{FF2B5EF4-FFF2-40B4-BE49-F238E27FC236}">
+                <a16:creationId xmlns:a16="http://schemas.microsoft.com/office/drawing/2014/main" id="{C2AF308B-35D9-45E1-BC16-3222B2951D0A}"/>
+              </a:ext>
+            </a:extLst>
+          </p:cNvPr>
+          <p:cNvSpPr>
+            <a:spLocks noGrp="1"/>
+          </p:cNvSpPr>
+          <p:nvPr>
+            <p:ph type="body" sz="quarter" idx="18"/>
           </p:nvPr>
         </p:nvSpPr>
         <p:spPr/>
@@ -22728,18 +28484,18 @@
       </p:sp>
       <p:sp>
         <p:nvSpPr>
-          <p:cNvPr id="6" name="Espace réservé du texte 5">
-            <a:extLst>
-              <a:ext uri="{FF2B5EF4-FFF2-40B4-BE49-F238E27FC236}">
-                <a16:creationId xmlns:a16="http://schemas.microsoft.com/office/drawing/2014/main" id="{329BED26-24C9-4B43-BA42-74D49B222A75}"/>
-              </a:ext>
-            </a:extLst>
-          </p:cNvPr>
-          <p:cNvSpPr>
-            <a:spLocks noGrp="1"/>
-          </p:cNvSpPr>
-          <p:nvPr>
-            <p:ph type="body" sz="quarter" idx="18"/>
+          <p:cNvPr id="7" name="Espace réservé du texte 6">
+            <a:extLst>
+              <a:ext uri="{FF2B5EF4-FFF2-40B4-BE49-F238E27FC236}">
+                <a16:creationId xmlns:a16="http://schemas.microsoft.com/office/drawing/2014/main" id="{03DA866B-4E99-42E5-9A67-9C87938CD71C}"/>
+              </a:ext>
+            </a:extLst>
+          </p:cNvPr>
+          <p:cNvSpPr>
+            <a:spLocks noGrp="1"/>
+          </p:cNvSpPr>
+          <p:nvPr>
+            <p:ph type="body" sz="quarter" idx="19"/>
           </p:nvPr>
         </p:nvSpPr>
         <p:spPr/>
@@ -22753,18 +28509,18 @@
       </p:sp>
       <p:sp>
         <p:nvSpPr>
-          <p:cNvPr id="7" name="Espace réservé du texte 6">
-            <a:extLst>
-              <a:ext uri="{FF2B5EF4-FFF2-40B4-BE49-F238E27FC236}">
-                <a16:creationId xmlns:a16="http://schemas.microsoft.com/office/drawing/2014/main" id="{2A66DBEC-EEC5-4026-A511-5AC92AE8B12D}"/>
-              </a:ext>
-            </a:extLst>
-          </p:cNvPr>
-          <p:cNvSpPr>
-            <a:spLocks noGrp="1"/>
-          </p:cNvSpPr>
-          <p:nvPr>
-            <p:ph type="body" sz="quarter" idx="19"/>
+          <p:cNvPr id="8" name="Espace réservé du texte 7">
+            <a:extLst>
+              <a:ext uri="{FF2B5EF4-FFF2-40B4-BE49-F238E27FC236}">
+                <a16:creationId xmlns:a16="http://schemas.microsoft.com/office/drawing/2014/main" id="{B55C48EC-8452-4B26-A4FF-04155008DB74}"/>
+              </a:ext>
+            </a:extLst>
+          </p:cNvPr>
+          <p:cNvSpPr>
+            <a:spLocks noGrp="1"/>
+          </p:cNvSpPr>
+          <p:nvPr>
+            <p:ph type="body" sz="quarter" idx="20"/>
           </p:nvPr>
         </p:nvSpPr>
         <p:spPr/>
@@ -22778,35 +28534,10 @@
       </p:sp>
       <p:sp>
         <p:nvSpPr>
-          <p:cNvPr id="8" name="Espace réservé du texte 7">
-            <a:extLst>
-              <a:ext uri="{FF2B5EF4-FFF2-40B4-BE49-F238E27FC236}">
-                <a16:creationId xmlns:a16="http://schemas.microsoft.com/office/drawing/2014/main" id="{70C8924E-F946-42F0-82D6-C93E9464C2F4}"/>
-              </a:ext>
-            </a:extLst>
-          </p:cNvPr>
-          <p:cNvSpPr>
-            <a:spLocks noGrp="1"/>
-          </p:cNvSpPr>
-          <p:nvPr>
-            <p:ph type="body" sz="quarter" idx="20"/>
-          </p:nvPr>
-        </p:nvSpPr>
-        <p:spPr/>
-        <p:txBody>
-          <a:bodyPr/>
-          <a:lstStyle/>
-          <a:p>
-            <a:endParaRPr lang="fr-FR"/>
-          </a:p>
-        </p:txBody>
-      </p:sp>
-      <p:sp>
-        <p:nvSpPr>
           <p:cNvPr id="9" name="Espace réservé pour une image  8">
             <a:extLst>
               <a:ext uri="{FF2B5EF4-FFF2-40B4-BE49-F238E27FC236}">
-                <a16:creationId xmlns:a16="http://schemas.microsoft.com/office/drawing/2014/main" id="{5CCA8D98-4B83-422E-9143-D4C63FDF816E}"/>
+                <a16:creationId xmlns:a16="http://schemas.microsoft.com/office/drawing/2014/main" id="{EE1FDD45-8EBD-49B7-A400-AB8CB3D44627}"/>
               </a:ext>
             </a:extLst>
           </p:cNvPr>
@@ -22822,7 +28553,7 @@
     </p:spTree>
     <p:extLst>
       <p:ext uri="{BB962C8B-B14F-4D97-AF65-F5344CB8AC3E}">
-        <p14:creationId xmlns:p14="http://schemas.microsoft.com/office/powerpoint/2010/main" val="2453621349"/>
+        <p14:creationId xmlns:p14="http://schemas.microsoft.com/office/powerpoint/2010/main" val="3611696118"/>
       </p:ext>
     </p:extLst>
   </p:cSld>
